--- a/3_isolates/d_metabolomics/Degradation.pptx
+++ b/3_isolates/d_metabolomics/Degradation.pptx
@@ -5,13 +5,10 @@
     <p:sldMasterId id="2147483660" r:id="rId1"/>
   </p:sldMasterIdLst>
   <p:notesMasterIdLst>
-    <p:notesMasterId r:id="rId6"/>
+    <p:notesMasterId r:id="rId3"/>
   </p:notesMasterIdLst>
   <p:sldIdLst>
-    <p:sldId id="258" r:id="rId2"/>
-    <p:sldId id="264" r:id="rId3"/>
-    <p:sldId id="265" r:id="rId4"/>
-    <p:sldId id="263" r:id="rId5"/>
+    <p:sldId id="264" r:id="rId2"/>
   </p:sldIdLst>
   <p:sldSz cx="6858000" cy="9906000" type="A4"/>
   <p:notesSz cx="6858000" cy="9144000"/>
@@ -121,7 +118,7 @@
 <file path=ppt/revisionInfo.xml><?xml version="1.0" encoding="utf-8"?>
 <p1510:revInfo xmlns:a="http://schemas.openxmlformats.org/drawingml/2006/main" xmlns:r="http://schemas.openxmlformats.org/officeDocument/2006/relationships" xmlns:p1510="http://schemas.microsoft.com/office/powerpoint/2015/10/main">
   <p1510:revLst>
-    <p1510:client id="{8E4D1F2A-9691-2A48-8FD4-0B71FBADE1FC}" v="11" dt="2020-07-13T21:14:27.130"/>
+    <p1510:client id="{8E4D1F2A-9691-2A48-8FD4-0B71FBADE1FC}" v="13" dt="2020-07-17T22:00:51.637"/>
   </p1510:revLst>
 </p1510:revInfo>
 </file>
@@ -130,23 +127,189 @@
 <pc:chgInfo xmlns:a="http://schemas.openxmlformats.org/drawingml/2006/main" xmlns:r="http://schemas.openxmlformats.org/officeDocument/2006/relationships" xmlns:ac="http://schemas.microsoft.com/office/drawing/2013/main/command" xmlns:pc="http://schemas.microsoft.com/office/powerpoint/2013/main/command">
   <pc:docChgLst>
     <pc:chgData name="Robyn Wright" userId="b126de916a897153" providerId="LiveId" clId="{8E4D1F2A-9691-2A48-8FD4-0B71FBADE1FC}"/>
-    <pc:docChg chg="custSel modSld">
-      <pc:chgData name="Robyn Wright" userId="b126de916a897153" providerId="LiveId" clId="{8E4D1F2A-9691-2A48-8FD4-0B71FBADE1FC}" dt="2020-07-13T21:17:20.665" v="7" actId="478"/>
+    <pc:docChg chg="undo custSel delSld modSld">
+      <pc:chgData name="Robyn Wright" userId="b126de916a897153" providerId="LiveId" clId="{8E4D1F2A-9691-2A48-8FD4-0B71FBADE1FC}" dt="2020-07-17T22:01:57.536" v="196" actId="1076"/>
       <pc:docMkLst>
         <pc:docMk/>
       </pc:docMkLst>
+      <pc:sldChg chg="del">
+        <pc:chgData name="Robyn Wright" userId="b126de916a897153" providerId="LiveId" clId="{8E4D1F2A-9691-2A48-8FD4-0B71FBADE1FC}" dt="2020-07-17T21:56:20.109" v="129" actId="2696"/>
+        <pc:sldMkLst>
+          <pc:docMk/>
+          <pc:sldMk cId="2905909349" sldId="258"/>
+        </pc:sldMkLst>
+      </pc:sldChg>
+      <pc:sldChg chg="del">
+        <pc:chgData name="Robyn Wright" userId="b126de916a897153" providerId="LiveId" clId="{8E4D1F2A-9691-2A48-8FD4-0B71FBADE1FC}" dt="2020-07-17T21:56:25.997" v="131" actId="2696"/>
+        <pc:sldMkLst>
+          <pc:docMk/>
+          <pc:sldMk cId="4098905601" sldId="263"/>
+        </pc:sldMkLst>
+      </pc:sldChg>
       <pc:sldChg chg="addSp delSp modSp">
-        <pc:chgData name="Robyn Wright" userId="b126de916a897153" providerId="LiveId" clId="{8E4D1F2A-9691-2A48-8FD4-0B71FBADE1FC}" dt="2020-07-13T21:17:20.665" v="7" actId="478"/>
+        <pc:chgData name="Robyn Wright" userId="b126de916a897153" providerId="LiveId" clId="{8E4D1F2A-9691-2A48-8FD4-0B71FBADE1FC}" dt="2020-07-17T22:01:57.536" v="196" actId="1076"/>
         <pc:sldMkLst>
           <pc:docMk/>
           <pc:sldMk cId="3126049724" sldId="264"/>
         </pc:sldMkLst>
+        <pc:spChg chg="mod">
+          <ac:chgData name="Robyn Wright" userId="b126de916a897153" providerId="LiveId" clId="{8E4D1F2A-9691-2A48-8FD4-0B71FBADE1FC}" dt="2020-07-17T21:59:58.597" v="147" actId="1035"/>
+          <ac:spMkLst>
+            <pc:docMk/>
+            <pc:sldMk cId="3126049724" sldId="264"/>
+            <ac:spMk id="73" creationId="{D70CE68F-3062-DE45-A104-554921417C6A}"/>
+          </ac:spMkLst>
+        </pc:spChg>
+        <pc:spChg chg="mod">
+          <ac:chgData name="Robyn Wright" userId="b126de916a897153" providerId="LiveId" clId="{8E4D1F2A-9691-2A48-8FD4-0B71FBADE1FC}" dt="2020-07-17T22:00:27.423" v="166" actId="1035"/>
+          <ac:spMkLst>
+            <pc:docMk/>
+            <pc:sldMk cId="3126049724" sldId="264"/>
+            <ac:spMk id="75" creationId="{0CF505E5-466D-3743-8A0F-D0D73B2D4A44}"/>
+          </ac:spMkLst>
+        </pc:spChg>
+        <pc:spChg chg="mod">
+          <ac:chgData name="Robyn Wright" userId="b126de916a897153" providerId="LiveId" clId="{8E4D1F2A-9691-2A48-8FD4-0B71FBADE1FC}" dt="2020-07-17T22:00:42.749" v="176" actId="1036"/>
+          <ac:spMkLst>
+            <pc:docMk/>
+            <pc:sldMk cId="3126049724" sldId="264"/>
+            <ac:spMk id="76" creationId="{EFF0681F-C426-264A-B933-9A382467151B}"/>
+          </ac:spMkLst>
+        </pc:spChg>
+        <pc:spChg chg="mod">
+          <ac:chgData name="Robyn Wright" userId="b126de916a897153" providerId="LiveId" clId="{8E4D1F2A-9691-2A48-8FD4-0B71FBADE1FC}" dt="2020-07-17T21:40:48.968" v="77" actId="1038"/>
+          <ac:spMkLst>
+            <pc:docMk/>
+            <pc:sldMk cId="3126049724" sldId="264"/>
+            <ac:spMk id="77" creationId="{89F7BBA3-60D7-3B4A-8E9E-4C35E000E9CA}"/>
+          </ac:spMkLst>
+        </pc:spChg>
+        <pc:spChg chg="mod">
+          <ac:chgData name="Robyn Wright" userId="b126de916a897153" providerId="LiveId" clId="{8E4D1F2A-9691-2A48-8FD4-0B71FBADE1FC}" dt="2020-07-17T22:00:27.423" v="166" actId="1035"/>
+          <ac:spMkLst>
+            <pc:docMk/>
+            <pc:sldMk cId="3126049724" sldId="264"/>
+            <ac:spMk id="78" creationId="{4DD28109-8A5A-E240-A3E0-20F982FC80EB}"/>
+          </ac:spMkLst>
+        </pc:spChg>
+        <pc:spChg chg="mod">
+          <ac:chgData name="Robyn Wright" userId="b126de916a897153" providerId="LiveId" clId="{8E4D1F2A-9691-2A48-8FD4-0B71FBADE1FC}" dt="2020-07-17T22:00:42.749" v="176" actId="1036"/>
+          <ac:spMkLst>
+            <pc:docMk/>
+            <pc:sldMk cId="3126049724" sldId="264"/>
+            <ac:spMk id="79" creationId="{E125531A-1F01-7247-9978-8550BDC5FD4D}"/>
+          </ac:spMkLst>
+        </pc:spChg>
+        <pc:spChg chg="mod">
+          <ac:chgData name="Robyn Wright" userId="b126de916a897153" providerId="LiveId" clId="{8E4D1F2A-9691-2A48-8FD4-0B71FBADE1FC}" dt="2020-07-17T22:00:42.749" v="176" actId="1036"/>
+          <ac:spMkLst>
+            <pc:docMk/>
+            <pc:sldMk cId="3126049724" sldId="264"/>
+            <ac:spMk id="80" creationId="{2AA02398-4909-C240-A02C-33AEC698F3D9}"/>
+          </ac:spMkLst>
+        </pc:spChg>
+        <pc:spChg chg="mod">
+          <ac:chgData name="Robyn Wright" userId="b126de916a897153" providerId="LiveId" clId="{8E4D1F2A-9691-2A48-8FD4-0B71FBADE1FC}" dt="2020-07-17T22:00:42.749" v="176" actId="1036"/>
+          <ac:spMkLst>
+            <pc:docMk/>
+            <pc:sldMk cId="3126049724" sldId="264"/>
+            <ac:spMk id="81" creationId="{A719D8E2-09DD-2242-9A61-80CF4DF0C5BD}"/>
+          </ac:spMkLst>
+        </pc:spChg>
+        <pc:spChg chg="mod">
+          <ac:chgData name="Robyn Wright" userId="b126de916a897153" providerId="LiveId" clId="{8E4D1F2A-9691-2A48-8FD4-0B71FBADE1FC}" dt="2020-07-17T22:00:42.749" v="176" actId="1036"/>
+          <ac:spMkLst>
+            <pc:docMk/>
+            <pc:sldMk cId="3126049724" sldId="264"/>
+            <ac:spMk id="134" creationId="{3B477666-2210-8442-8C11-3C9493F9C0CD}"/>
+          </ac:spMkLst>
+        </pc:spChg>
+        <pc:spChg chg="mod">
+          <ac:chgData name="Robyn Wright" userId="b126de916a897153" providerId="LiveId" clId="{8E4D1F2A-9691-2A48-8FD4-0B71FBADE1FC}" dt="2020-07-17T22:00:42.749" v="176" actId="1036"/>
+          <ac:spMkLst>
+            <pc:docMk/>
+            <pc:sldMk cId="3126049724" sldId="264"/>
+            <ac:spMk id="138" creationId="{675E42A3-46BF-7A40-B1B7-BD358D5EEB24}"/>
+          </ac:spMkLst>
+        </pc:spChg>
+        <pc:spChg chg="mod">
+          <ac:chgData name="Robyn Wright" userId="b126de916a897153" providerId="LiveId" clId="{8E4D1F2A-9691-2A48-8FD4-0B71FBADE1FC}" dt="2020-07-17T22:00:42.749" v="176" actId="1036"/>
+          <ac:spMkLst>
+            <pc:docMk/>
+            <pc:sldMk cId="3126049724" sldId="264"/>
+            <ac:spMk id="139" creationId="{DC7D8D87-DE7B-C047-B2FF-79DC92D4D4D7}"/>
+          </ac:spMkLst>
+        </pc:spChg>
+        <pc:spChg chg="mod">
+          <ac:chgData name="Robyn Wright" userId="b126de916a897153" providerId="LiveId" clId="{8E4D1F2A-9691-2A48-8FD4-0B71FBADE1FC}" dt="2020-07-17T22:00:42.749" v="176" actId="1036"/>
+          <ac:spMkLst>
+            <pc:docMk/>
+            <pc:sldMk cId="3126049724" sldId="264"/>
+            <ac:spMk id="140" creationId="{8466F0E3-34E8-0944-89D1-8BAE6D99B616}"/>
+          </ac:spMkLst>
+        </pc:spChg>
+        <pc:spChg chg="mod">
+          <ac:chgData name="Robyn Wright" userId="b126de916a897153" providerId="LiveId" clId="{8E4D1F2A-9691-2A48-8FD4-0B71FBADE1FC}" dt="2020-07-17T22:00:42.749" v="176" actId="1036"/>
+          <ac:spMkLst>
+            <pc:docMk/>
+            <pc:sldMk cId="3126049724" sldId="264"/>
+            <ac:spMk id="151" creationId="{4A6179E3-7C1E-E444-928D-23FCF3E30289}"/>
+          </ac:spMkLst>
+        </pc:spChg>
+        <pc:spChg chg="mod">
+          <ac:chgData name="Robyn Wright" userId="b126de916a897153" providerId="LiveId" clId="{8E4D1F2A-9691-2A48-8FD4-0B71FBADE1FC}" dt="2020-07-17T22:00:42.749" v="176" actId="1036"/>
+          <ac:spMkLst>
+            <pc:docMk/>
+            <pc:sldMk cId="3126049724" sldId="264"/>
+            <ac:spMk id="190" creationId="{C2E65929-EB3C-D84C-A821-949BBBDD740F}"/>
+          </ac:spMkLst>
+        </pc:spChg>
+        <pc:grpChg chg="mod">
+          <ac:chgData name="Robyn Wright" userId="b126de916a897153" providerId="LiveId" clId="{8E4D1F2A-9691-2A48-8FD4-0B71FBADE1FC}" dt="2020-07-17T22:00:27.423" v="166" actId="1035"/>
+          <ac:grpSpMkLst>
+            <pc:docMk/>
+            <pc:sldMk cId="3126049724" sldId="264"/>
+            <ac:grpSpMk id="100" creationId="{F1395A4E-C271-924F-AE64-D6FC05C65258}"/>
+          </ac:grpSpMkLst>
+        </pc:grpChg>
         <pc:picChg chg="add del mod">
           <ac:chgData name="Robyn Wright" userId="b126de916a897153" providerId="LiveId" clId="{8E4D1F2A-9691-2A48-8FD4-0B71FBADE1FC}" dt="2020-07-13T21:09:54.384" v="1" actId="478"/>
           <ac:picMkLst>
             <pc:docMk/>
             <pc:sldMk cId="3126049724" sldId="264"/>
             <ac:picMk id="2" creationId="{ED42B268-230A-BC4D-A56E-B7ABCA9A8F59}"/>
+          </ac:picMkLst>
+        </pc:picChg>
+        <pc:picChg chg="mod">
+          <ac:chgData name="Robyn Wright" userId="b126de916a897153" providerId="LiveId" clId="{8E4D1F2A-9691-2A48-8FD4-0B71FBADE1FC}" dt="2020-07-17T21:43:00.862" v="111" actId="1038"/>
+          <ac:picMkLst>
+            <pc:docMk/>
+            <pc:sldMk cId="3126049724" sldId="264"/>
+            <ac:picMk id="3" creationId="{279C7B4E-5481-F446-9380-A26A8CA3B611}"/>
+          </ac:picMkLst>
+        </pc:picChg>
+        <pc:picChg chg="mod">
+          <ac:chgData name="Robyn Wright" userId="b126de916a897153" providerId="LiveId" clId="{8E4D1F2A-9691-2A48-8FD4-0B71FBADE1FC}" dt="2020-07-17T21:42:00.399" v="92" actId="1076"/>
+          <ac:picMkLst>
+            <pc:docMk/>
+            <pc:sldMk cId="3126049724" sldId="264"/>
+            <ac:picMk id="5" creationId="{ACDAC6DD-F7C3-744C-AFF7-FBCD1C37EB9F}"/>
+          </ac:picMkLst>
+        </pc:picChg>
+        <pc:picChg chg="mod">
+          <ac:chgData name="Robyn Wright" userId="b126de916a897153" providerId="LiveId" clId="{8E4D1F2A-9691-2A48-8FD4-0B71FBADE1FC}" dt="2020-07-17T22:00:27.423" v="166" actId="1035"/>
+          <ac:picMkLst>
+            <pc:docMk/>
+            <pc:sldMk cId="3126049724" sldId="264"/>
+            <ac:picMk id="6" creationId="{49067429-41D7-614C-B00C-D4D53CBB6C5B}"/>
+          </ac:picMkLst>
+        </pc:picChg>
+        <pc:picChg chg="mod">
+          <ac:chgData name="Robyn Wright" userId="b126de916a897153" providerId="LiveId" clId="{8E4D1F2A-9691-2A48-8FD4-0B71FBADE1FC}" dt="2020-07-17T21:42:00.399" v="92" actId="1076"/>
+          <ac:picMkLst>
+            <pc:docMk/>
+            <pc:sldMk cId="3126049724" sldId="264"/>
+            <ac:picMk id="7" creationId="{520A6D35-D9B7-6846-A441-1BD34D705EA5}"/>
           </ac:picMkLst>
         </pc:picChg>
         <pc:picChg chg="add del mod">
@@ -165,6 +328,373 @@
             <ac:picMk id="12" creationId="{561A955E-E71C-D947-96F7-EE64472D5356}"/>
           </ac:picMkLst>
         </pc:picChg>
+        <pc:picChg chg="mod">
+          <ac:chgData name="Robyn Wright" userId="b126de916a897153" providerId="LiveId" clId="{8E4D1F2A-9691-2A48-8FD4-0B71FBADE1FC}" dt="2020-07-17T22:00:27.423" v="166" actId="1035"/>
+          <ac:picMkLst>
+            <pc:docMk/>
+            <pc:sldMk cId="3126049724" sldId="264"/>
+            <ac:picMk id="13" creationId="{E69D673D-3390-8C48-94C0-F869D1A82AC5}"/>
+          </ac:picMkLst>
+        </pc:picChg>
+        <pc:picChg chg="mod">
+          <ac:chgData name="Robyn Wright" userId="b126de916a897153" providerId="LiveId" clId="{8E4D1F2A-9691-2A48-8FD4-0B71FBADE1FC}" dt="2020-07-17T22:00:42.749" v="176" actId="1036"/>
+          <ac:picMkLst>
+            <pc:docMk/>
+            <pc:sldMk cId="3126049724" sldId="264"/>
+            <ac:picMk id="15" creationId="{4CBC49B3-9BAD-A442-9210-92617B1F0CE4}"/>
+          </ac:picMkLst>
+        </pc:picChg>
+        <pc:picChg chg="mod">
+          <ac:chgData name="Robyn Wright" userId="b126de916a897153" providerId="LiveId" clId="{8E4D1F2A-9691-2A48-8FD4-0B71FBADE1FC}" dt="2020-07-17T22:00:42.749" v="176" actId="1036"/>
+          <ac:picMkLst>
+            <pc:docMk/>
+            <pc:sldMk cId="3126049724" sldId="264"/>
+            <ac:picMk id="17" creationId="{6F914C29-09E3-FE44-9AD2-F2B97B9D6F9B}"/>
+          </ac:picMkLst>
+        </pc:picChg>
+        <pc:picChg chg="mod">
+          <ac:chgData name="Robyn Wright" userId="b126de916a897153" providerId="LiveId" clId="{8E4D1F2A-9691-2A48-8FD4-0B71FBADE1FC}" dt="2020-07-17T22:00:42.749" v="176" actId="1036"/>
+          <ac:picMkLst>
+            <pc:docMk/>
+            <pc:sldMk cId="3126049724" sldId="264"/>
+            <ac:picMk id="19" creationId="{7B901F43-7455-F54B-82E3-DFB6AD2D5921}"/>
+          </ac:picMkLst>
+        </pc:picChg>
+        <pc:picChg chg="mod">
+          <ac:chgData name="Robyn Wright" userId="b126de916a897153" providerId="LiveId" clId="{8E4D1F2A-9691-2A48-8FD4-0B71FBADE1FC}" dt="2020-07-17T21:59:58.597" v="147" actId="1035"/>
+          <ac:picMkLst>
+            <pc:docMk/>
+            <pc:sldMk cId="3126049724" sldId="264"/>
+            <ac:picMk id="60" creationId="{4607AC04-5763-004B-8F64-3B1CD0242044}"/>
+          </ac:picMkLst>
+        </pc:picChg>
+        <pc:picChg chg="mod">
+          <ac:chgData name="Robyn Wright" userId="b126de916a897153" providerId="LiveId" clId="{8E4D1F2A-9691-2A48-8FD4-0B71FBADE1FC}" dt="2020-07-17T22:00:56.978" v="187" actId="1038"/>
+          <ac:picMkLst>
+            <pc:docMk/>
+            <pc:sldMk cId="3126049724" sldId="264"/>
+            <ac:picMk id="62" creationId="{715BAF1F-AA27-9443-9712-8A6923141469}"/>
+          </ac:picMkLst>
+        </pc:picChg>
+        <pc:picChg chg="mod">
+          <ac:chgData name="Robyn Wright" userId="b126de916a897153" providerId="LiveId" clId="{8E4D1F2A-9691-2A48-8FD4-0B71FBADE1FC}" dt="2020-07-17T22:00:51.637" v="184" actId="167"/>
+          <ac:picMkLst>
+            <pc:docMk/>
+            <pc:sldMk cId="3126049724" sldId="264"/>
+            <ac:picMk id="64" creationId="{A2A1FE61-F9F7-9147-9266-4578CBB9B6DA}"/>
+          </ac:picMkLst>
+        </pc:picChg>
+        <pc:picChg chg="mod">
+          <ac:chgData name="Robyn Wright" userId="b126de916a897153" providerId="LiveId" clId="{8E4D1F2A-9691-2A48-8FD4-0B71FBADE1FC}" dt="2020-07-17T22:01:18.317" v="190" actId="1076"/>
+          <ac:picMkLst>
+            <pc:docMk/>
+            <pc:sldMk cId="3126049724" sldId="264"/>
+            <ac:picMk id="68" creationId="{8B0B1A90-D840-F242-8C2C-74EFE9759539}"/>
+          </ac:picMkLst>
+        </pc:picChg>
+        <pc:picChg chg="mod">
+          <ac:chgData name="Robyn Wright" userId="b126de916a897153" providerId="LiveId" clId="{8E4D1F2A-9691-2A48-8FD4-0B71FBADE1FC}" dt="2020-07-17T22:01:10.919" v="189" actId="1076"/>
+          <ac:picMkLst>
+            <pc:docMk/>
+            <pc:sldMk cId="3126049724" sldId="264"/>
+            <ac:picMk id="70" creationId="{0292C6E7-D2E4-D14A-867D-6DA5AAE96D3E}"/>
+          </ac:picMkLst>
+        </pc:picChg>
+        <pc:picChg chg="mod">
+          <ac:chgData name="Robyn Wright" userId="b126de916a897153" providerId="LiveId" clId="{8E4D1F2A-9691-2A48-8FD4-0B71FBADE1FC}" dt="2020-07-17T22:01:08.474" v="188" actId="1076"/>
+          <ac:picMkLst>
+            <pc:docMk/>
+            <pc:sldMk cId="3126049724" sldId="264"/>
+            <ac:picMk id="72" creationId="{8E11A081-6D9E-724D-84A0-13849D86E56B}"/>
+          </ac:picMkLst>
+        </pc:picChg>
+        <pc:picChg chg="mod">
+          <ac:chgData name="Robyn Wright" userId="b126de916a897153" providerId="LiveId" clId="{8E4D1F2A-9691-2A48-8FD4-0B71FBADE1FC}" dt="2020-07-17T22:00:42.749" v="176" actId="1036"/>
+          <ac:picMkLst>
+            <pc:docMk/>
+            <pc:sldMk cId="3126049724" sldId="264"/>
+            <ac:picMk id="82" creationId="{1CE61281-E3B7-0C40-A15A-FF136D5247F6}"/>
+          </ac:picMkLst>
+        </pc:picChg>
+        <pc:picChg chg="mod">
+          <ac:chgData name="Robyn Wright" userId="b126de916a897153" providerId="LiveId" clId="{8E4D1F2A-9691-2A48-8FD4-0B71FBADE1FC}" dt="2020-07-17T21:59:58.597" v="147" actId="1035"/>
+          <ac:picMkLst>
+            <pc:docMk/>
+            <pc:sldMk cId="3126049724" sldId="264"/>
+            <ac:picMk id="83" creationId="{41E617B2-208C-AD4B-836B-051606A9DC01}"/>
+          </ac:picMkLst>
+        </pc:picChg>
+        <pc:picChg chg="mod">
+          <ac:chgData name="Robyn Wright" userId="b126de916a897153" providerId="LiveId" clId="{8E4D1F2A-9691-2A48-8FD4-0B71FBADE1FC}" dt="2020-07-17T22:00:27.423" v="166" actId="1035"/>
+          <ac:picMkLst>
+            <pc:docMk/>
+            <pc:sldMk cId="3126049724" sldId="264"/>
+            <ac:picMk id="85" creationId="{B302E138-5937-354F-99A1-4F8A88EADF9C}"/>
+          </ac:picMkLst>
+        </pc:picChg>
+        <pc:picChg chg="mod">
+          <ac:chgData name="Robyn Wright" userId="b126de916a897153" providerId="LiveId" clId="{8E4D1F2A-9691-2A48-8FD4-0B71FBADE1FC}" dt="2020-07-17T21:43:00.862" v="111" actId="1038"/>
+          <ac:picMkLst>
+            <pc:docMk/>
+            <pc:sldMk cId="3126049724" sldId="264"/>
+            <ac:picMk id="89" creationId="{220AF4A9-4CDA-0B4A-B5FC-5EF825118CBF}"/>
+          </ac:picMkLst>
+        </pc:picChg>
+        <pc:picChg chg="mod">
+          <ac:chgData name="Robyn Wright" userId="b126de916a897153" providerId="LiveId" clId="{8E4D1F2A-9691-2A48-8FD4-0B71FBADE1FC}" dt="2020-07-17T22:00:27.423" v="166" actId="1035"/>
+          <ac:picMkLst>
+            <pc:docMk/>
+            <pc:sldMk cId="3126049724" sldId="264"/>
+            <ac:picMk id="90" creationId="{7E82292C-AA17-F540-8154-C299B7B463BD}"/>
+          </ac:picMkLst>
+        </pc:picChg>
+        <pc:picChg chg="mod">
+          <ac:chgData name="Robyn Wright" userId="b126de916a897153" providerId="LiveId" clId="{8E4D1F2A-9691-2A48-8FD4-0B71FBADE1FC}" dt="2020-07-17T22:01:24.312" v="191" actId="1076"/>
+          <ac:picMkLst>
+            <pc:docMk/>
+            <pc:sldMk cId="3126049724" sldId="264"/>
+            <ac:picMk id="97" creationId="{CDFC8A24-C486-A14F-B3A3-FEECA9E1FE32}"/>
+          </ac:picMkLst>
+        </pc:picChg>
+        <pc:picChg chg="mod">
+          <ac:chgData name="Robyn Wright" userId="b126de916a897153" providerId="LiveId" clId="{8E4D1F2A-9691-2A48-8FD4-0B71FBADE1FC}" dt="2020-07-17T22:01:33.063" v="192" actId="1076"/>
+          <ac:picMkLst>
+            <pc:docMk/>
+            <pc:sldMk cId="3126049724" sldId="264"/>
+            <ac:picMk id="102" creationId="{600FB950-46CC-064E-A72E-102B76190662}"/>
+          </ac:picMkLst>
+        </pc:picChg>
+        <pc:picChg chg="mod">
+          <ac:chgData name="Robyn Wright" userId="b126de916a897153" providerId="LiveId" clId="{8E4D1F2A-9691-2A48-8FD4-0B71FBADE1FC}" dt="2020-07-17T22:01:44.243" v="193" actId="1076"/>
+          <ac:picMkLst>
+            <pc:docMk/>
+            <pc:sldMk cId="3126049724" sldId="264"/>
+            <ac:picMk id="105" creationId="{DC056C36-11D4-6F43-9D5A-273DA43BAFCB}"/>
+          </ac:picMkLst>
+        </pc:picChg>
+        <pc:picChg chg="mod">
+          <ac:chgData name="Robyn Wright" userId="b126de916a897153" providerId="LiveId" clId="{8E4D1F2A-9691-2A48-8FD4-0B71FBADE1FC}" dt="2020-07-17T22:01:53.940" v="195" actId="1076"/>
+          <ac:picMkLst>
+            <pc:docMk/>
+            <pc:sldMk cId="3126049724" sldId="264"/>
+            <ac:picMk id="108" creationId="{64D456B3-C252-4547-A56F-8805C7620FD0}"/>
+          </ac:picMkLst>
+        </pc:picChg>
+        <pc:picChg chg="mod">
+          <ac:chgData name="Robyn Wright" userId="b126de916a897153" providerId="LiveId" clId="{8E4D1F2A-9691-2A48-8FD4-0B71FBADE1FC}" dt="2020-07-17T22:01:57.536" v="196" actId="1076"/>
+          <ac:picMkLst>
+            <pc:docMk/>
+            <pc:sldMk cId="3126049724" sldId="264"/>
+            <ac:picMk id="111" creationId="{DE690B00-161B-6E4D-89B1-301F9EA06922}"/>
+          </ac:picMkLst>
+        </pc:picChg>
+        <pc:picChg chg="mod">
+          <ac:chgData name="Robyn Wright" userId="b126de916a897153" providerId="LiveId" clId="{8E4D1F2A-9691-2A48-8FD4-0B71FBADE1FC}" dt="2020-07-17T21:40:48.968" v="77" actId="1038"/>
+          <ac:picMkLst>
+            <pc:docMk/>
+            <pc:sldMk cId="3126049724" sldId="264"/>
+            <ac:picMk id="130" creationId="{F97420E9-4504-2F4A-8A80-4509FCC3EB27}"/>
+          </ac:picMkLst>
+        </pc:picChg>
+        <pc:picChg chg="mod">
+          <ac:chgData name="Robyn Wright" userId="b126de916a897153" providerId="LiveId" clId="{8E4D1F2A-9691-2A48-8FD4-0B71FBADE1FC}" dt="2020-07-17T22:00:27.423" v="166" actId="1035"/>
+          <ac:picMkLst>
+            <pc:docMk/>
+            <pc:sldMk cId="3126049724" sldId="264"/>
+            <ac:picMk id="131" creationId="{CD96A6D1-F7A5-AE42-A963-45D46BD6B656}"/>
+          </ac:picMkLst>
+        </pc:picChg>
+        <pc:picChg chg="mod">
+          <ac:chgData name="Robyn Wright" userId="b126de916a897153" providerId="LiveId" clId="{8E4D1F2A-9691-2A48-8FD4-0B71FBADE1FC}" dt="2020-07-17T22:00:42.749" v="176" actId="1036"/>
+          <ac:picMkLst>
+            <pc:docMk/>
+            <pc:sldMk cId="3126049724" sldId="264"/>
+            <ac:picMk id="132" creationId="{F5825AEA-6ACF-7B4C-B85A-05FD4CAD9944}"/>
+          </ac:picMkLst>
+        </pc:picChg>
+        <pc:picChg chg="mod">
+          <ac:chgData name="Robyn Wright" userId="b126de916a897153" providerId="LiveId" clId="{8E4D1F2A-9691-2A48-8FD4-0B71FBADE1FC}" dt="2020-07-17T22:00:42.749" v="176" actId="1036"/>
+          <ac:picMkLst>
+            <pc:docMk/>
+            <pc:sldMk cId="3126049724" sldId="264"/>
+            <ac:picMk id="133" creationId="{E0930689-CEA2-DA40-95EB-D2168DACB759}"/>
+          </ac:picMkLst>
+        </pc:picChg>
+        <pc:picChg chg="mod">
+          <ac:chgData name="Robyn Wright" userId="b126de916a897153" providerId="LiveId" clId="{8E4D1F2A-9691-2A48-8FD4-0B71FBADE1FC}" dt="2020-07-17T22:00:42.749" v="176" actId="1036"/>
+          <ac:picMkLst>
+            <pc:docMk/>
+            <pc:sldMk cId="3126049724" sldId="264"/>
+            <ac:picMk id="152" creationId="{5790298A-30D7-2B49-80B1-A43D75EC5978}"/>
+          </ac:picMkLst>
+        </pc:picChg>
+        <pc:picChg chg="mod">
+          <ac:chgData name="Robyn Wright" userId="b126de916a897153" providerId="LiveId" clId="{8E4D1F2A-9691-2A48-8FD4-0B71FBADE1FC}" dt="2020-07-17T22:00:42.749" v="176" actId="1036"/>
+          <ac:picMkLst>
+            <pc:docMk/>
+            <pc:sldMk cId="3126049724" sldId="264"/>
+            <ac:picMk id="153" creationId="{AB542A52-08FB-8940-9108-4B7A7D0A0C69}"/>
+          </ac:picMkLst>
+        </pc:picChg>
+        <pc:picChg chg="mod">
+          <ac:chgData name="Robyn Wright" userId="b126de916a897153" providerId="LiveId" clId="{8E4D1F2A-9691-2A48-8FD4-0B71FBADE1FC}" dt="2020-07-17T22:01:49.805" v="194" actId="1076"/>
+          <ac:picMkLst>
+            <pc:docMk/>
+            <pc:sldMk cId="3126049724" sldId="264"/>
+            <ac:picMk id="154" creationId="{9D9B0149-2582-B642-B921-D3ADB2C1A41C}"/>
+          </ac:picMkLst>
+        </pc:picChg>
+        <pc:picChg chg="mod">
+          <ac:chgData name="Robyn Wright" userId="b126de916a897153" providerId="LiveId" clId="{8E4D1F2A-9691-2A48-8FD4-0B71FBADE1FC}" dt="2020-07-17T22:00:42.749" v="176" actId="1036"/>
+          <ac:picMkLst>
+            <pc:docMk/>
+            <pc:sldMk cId="3126049724" sldId="264"/>
+            <ac:picMk id="155" creationId="{2F99031C-19A1-A74E-B16B-3A8E2BCC803E}"/>
+          </ac:picMkLst>
+        </pc:picChg>
+        <pc:cxnChg chg="mod">
+          <ac:chgData name="Robyn Wright" userId="b126de916a897153" providerId="LiveId" clId="{8E4D1F2A-9691-2A48-8FD4-0B71FBADE1FC}" dt="2020-07-17T22:00:56.978" v="187" actId="1038"/>
+          <ac:cxnSpMkLst>
+            <pc:docMk/>
+            <pc:sldMk cId="3126049724" sldId="264"/>
+            <ac:cxnSpMk id="37" creationId="{CE603287-7078-164D-954A-9DF13089C884}"/>
+          </ac:cxnSpMkLst>
+        </pc:cxnChg>
+        <pc:cxnChg chg="mod">
+          <ac:chgData name="Robyn Wright" userId="b126de916a897153" providerId="LiveId" clId="{8E4D1F2A-9691-2A48-8FD4-0B71FBADE1FC}" dt="2020-07-17T21:59:58.597" v="147" actId="1035"/>
+          <ac:cxnSpMkLst>
+            <pc:docMk/>
+            <pc:sldMk cId="3126049724" sldId="264"/>
+            <ac:cxnSpMk id="86" creationId="{A33AC5E7-759C-4343-BB76-8F237D02994C}"/>
+          </ac:cxnSpMkLst>
+        </pc:cxnChg>
+        <pc:cxnChg chg="mod">
+          <ac:chgData name="Robyn Wright" userId="b126de916a897153" providerId="LiveId" clId="{8E4D1F2A-9691-2A48-8FD4-0B71FBADE1FC}" dt="2020-07-17T22:00:27.423" v="166" actId="1035"/>
+          <ac:cxnSpMkLst>
+            <pc:docMk/>
+            <pc:sldMk cId="3126049724" sldId="264"/>
+            <ac:cxnSpMk id="87" creationId="{46523230-38F2-FE46-AC52-78865D3A007B}"/>
+          </ac:cxnSpMkLst>
+        </pc:cxnChg>
+        <pc:cxnChg chg="mod">
+          <ac:chgData name="Robyn Wright" userId="b126de916a897153" providerId="LiveId" clId="{8E4D1F2A-9691-2A48-8FD4-0B71FBADE1FC}" dt="2020-07-17T22:00:42.749" v="176" actId="1036"/>
+          <ac:cxnSpMkLst>
+            <pc:docMk/>
+            <pc:sldMk cId="3126049724" sldId="264"/>
+            <ac:cxnSpMk id="88" creationId="{018362A7-80B5-B743-A400-2373671C7093}"/>
+          </ac:cxnSpMkLst>
+        </pc:cxnChg>
+        <pc:cxnChg chg="mod">
+          <ac:chgData name="Robyn Wright" userId="b126de916a897153" providerId="LiveId" clId="{8E4D1F2A-9691-2A48-8FD4-0B71FBADE1FC}" dt="2020-07-17T21:43:00.862" v="111" actId="1038"/>
+          <ac:cxnSpMkLst>
+            <pc:docMk/>
+            <pc:sldMk cId="3126049724" sldId="264"/>
+            <ac:cxnSpMk id="91" creationId="{456DA3FD-4175-1E47-8061-9E21201114EF}"/>
+          </ac:cxnSpMkLst>
+        </pc:cxnChg>
+        <pc:cxnChg chg="mod">
+          <ac:chgData name="Robyn Wright" userId="b126de916a897153" providerId="LiveId" clId="{8E4D1F2A-9691-2A48-8FD4-0B71FBADE1FC}" dt="2020-07-17T22:00:27.423" v="166" actId="1035"/>
+          <ac:cxnSpMkLst>
+            <pc:docMk/>
+            <pc:sldMk cId="3126049724" sldId="264"/>
+            <ac:cxnSpMk id="92" creationId="{5DAE5943-C158-244B-A357-1F701FA9AD0D}"/>
+          </ac:cxnSpMkLst>
+        </pc:cxnChg>
+        <pc:cxnChg chg="mod">
+          <ac:chgData name="Robyn Wright" userId="b126de916a897153" providerId="LiveId" clId="{8E4D1F2A-9691-2A48-8FD4-0B71FBADE1FC}" dt="2020-07-17T22:00:27.423" v="166" actId="1035"/>
+          <ac:cxnSpMkLst>
+            <pc:docMk/>
+            <pc:sldMk cId="3126049724" sldId="264"/>
+            <ac:cxnSpMk id="93" creationId="{1A95F307-4F06-6949-903B-D2C50B79BED0}"/>
+          </ac:cxnSpMkLst>
+        </pc:cxnChg>
+        <pc:cxnChg chg="mod">
+          <ac:chgData name="Robyn Wright" userId="b126de916a897153" providerId="LiveId" clId="{8E4D1F2A-9691-2A48-8FD4-0B71FBADE1FC}" dt="2020-07-17T22:00:47.160" v="183" actId="1035"/>
+          <ac:cxnSpMkLst>
+            <pc:docMk/>
+            <pc:sldMk cId="3126049724" sldId="264"/>
+            <ac:cxnSpMk id="95" creationId="{94F11EB1-BA6E-2247-BCA7-E7E98746E9B4}"/>
+          </ac:cxnSpMkLst>
+        </pc:cxnChg>
+        <pc:cxnChg chg="mod">
+          <ac:chgData name="Robyn Wright" userId="b126de916a897153" providerId="LiveId" clId="{8E4D1F2A-9691-2A48-8FD4-0B71FBADE1FC}" dt="2020-07-17T22:00:27.423" v="166" actId="1035"/>
+          <ac:cxnSpMkLst>
+            <pc:docMk/>
+            <pc:sldMk cId="3126049724" sldId="264"/>
+            <ac:cxnSpMk id="101" creationId="{6927CB09-2B62-2A40-98A7-C6B16F06931F}"/>
+          </ac:cxnSpMkLst>
+        </pc:cxnChg>
+        <pc:cxnChg chg="mod">
+          <ac:chgData name="Robyn Wright" userId="b126de916a897153" providerId="LiveId" clId="{8E4D1F2A-9691-2A48-8FD4-0B71FBADE1FC}" dt="2020-07-17T22:00:42.749" v="176" actId="1036"/>
+          <ac:cxnSpMkLst>
+            <pc:docMk/>
+            <pc:sldMk cId="3126049724" sldId="264"/>
+            <ac:cxnSpMk id="104" creationId="{D6969F14-A26D-4745-9897-35BCC8EEBED3}"/>
+          </ac:cxnSpMkLst>
+        </pc:cxnChg>
+        <pc:cxnChg chg="mod">
+          <ac:chgData name="Robyn Wright" userId="b126de916a897153" providerId="LiveId" clId="{8E4D1F2A-9691-2A48-8FD4-0B71FBADE1FC}" dt="2020-07-17T22:00:42.749" v="176" actId="1036"/>
+          <ac:cxnSpMkLst>
+            <pc:docMk/>
+            <pc:sldMk cId="3126049724" sldId="264"/>
+            <ac:cxnSpMk id="107" creationId="{DFFF00A5-BEDE-7640-BF9A-DEDE3905DA3E}"/>
+          </ac:cxnSpMkLst>
+        </pc:cxnChg>
+        <pc:cxnChg chg="mod">
+          <ac:chgData name="Robyn Wright" userId="b126de916a897153" providerId="LiveId" clId="{8E4D1F2A-9691-2A48-8FD4-0B71FBADE1FC}" dt="2020-07-17T22:00:42.749" v="176" actId="1036"/>
+          <ac:cxnSpMkLst>
+            <pc:docMk/>
+            <pc:sldMk cId="3126049724" sldId="264"/>
+            <ac:cxnSpMk id="110" creationId="{61891AD0-688F-BA49-A163-621AD3126A77}"/>
+          </ac:cxnSpMkLst>
+        </pc:cxnChg>
+        <pc:cxnChg chg="mod">
+          <ac:chgData name="Robyn Wright" userId="b126de916a897153" providerId="LiveId" clId="{8E4D1F2A-9691-2A48-8FD4-0B71FBADE1FC}" dt="2020-07-17T22:00:42.749" v="176" actId="1036"/>
+          <ac:cxnSpMkLst>
+            <pc:docMk/>
+            <pc:sldMk cId="3126049724" sldId="264"/>
+            <ac:cxnSpMk id="135" creationId="{36F92E6D-F82C-0148-8ABA-38D76E69913E}"/>
+          </ac:cxnSpMkLst>
+        </pc:cxnChg>
+        <pc:cxnChg chg="mod">
+          <ac:chgData name="Robyn Wright" userId="b126de916a897153" providerId="LiveId" clId="{8E4D1F2A-9691-2A48-8FD4-0B71FBADE1FC}" dt="2020-07-17T22:00:42.749" v="176" actId="1036"/>
+          <ac:cxnSpMkLst>
+            <pc:docMk/>
+            <pc:sldMk cId="3126049724" sldId="264"/>
+            <ac:cxnSpMk id="141" creationId="{35B2F6CC-F1DD-E24B-B8D4-7B9ACA11284C}"/>
+          </ac:cxnSpMkLst>
+        </pc:cxnChg>
+        <pc:cxnChg chg="mod">
+          <ac:chgData name="Robyn Wright" userId="b126de916a897153" providerId="LiveId" clId="{8E4D1F2A-9691-2A48-8FD4-0B71FBADE1FC}" dt="2020-07-17T22:00:42.749" v="176" actId="1036"/>
+          <ac:cxnSpMkLst>
+            <pc:docMk/>
+            <pc:sldMk cId="3126049724" sldId="264"/>
+            <ac:cxnSpMk id="145" creationId="{F064B69F-EF55-4842-856B-BCEFFCFF9A6E}"/>
+          </ac:cxnSpMkLst>
+        </pc:cxnChg>
+        <pc:cxnChg chg="mod">
+          <ac:chgData name="Robyn Wright" userId="b126de916a897153" providerId="LiveId" clId="{8E4D1F2A-9691-2A48-8FD4-0B71FBADE1FC}" dt="2020-07-17T22:00:42.749" v="176" actId="1036"/>
+          <ac:cxnSpMkLst>
+            <pc:docMk/>
+            <pc:sldMk cId="3126049724" sldId="264"/>
+            <ac:cxnSpMk id="148" creationId="{D27805A5-321C-524E-BC53-2376A652CDCA}"/>
+          </ac:cxnSpMkLst>
+        </pc:cxnChg>
+        <pc:cxnChg chg="mod">
+          <ac:chgData name="Robyn Wright" userId="b126de916a897153" providerId="LiveId" clId="{8E4D1F2A-9691-2A48-8FD4-0B71FBADE1FC}" dt="2020-07-17T22:00:42.749" v="176" actId="1036"/>
+          <ac:cxnSpMkLst>
+            <pc:docMk/>
+            <pc:sldMk cId="3126049724" sldId="264"/>
+            <ac:cxnSpMk id="156" creationId="{1F67320C-8812-B64E-A669-47629FD0C022}"/>
+          </ac:cxnSpMkLst>
+        </pc:cxnChg>
+      </pc:sldChg>
+      <pc:sldChg chg="del">
+        <pc:chgData name="Robyn Wright" userId="b126de916a897153" providerId="LiveId" clId="{8E4D1F2A-9691-2A48-8FD4-0B71FBADE1FC}" dt="2020-07-17T21:56:25.929" v="130" actId="2696"/>
+        <pc:sldMkLst>
+          <pc:docMk/>
+          <pc:sldMk cId="4028883597" sldId="265"/>
+        </pc:sldMkLst>
       </pc:sldChg>
     </pc:docChg>
   </pc:docChgLst>
@@ -253,7 +783,7 @@
           <a:p>
             <a:fld id="{8D0EB668-9A75-E644-9CE9-59AE31848407}" type="datetimeFigureOut">
               <a:rPr lang="en-US" smtClean="0"/>
-              <a:t>7/13/20</a:t>
+              <a:t>7/17/20</a:t>
             </a:fld>
             <a:endParaRPr lang="en-US"/>
           </a:p>
@@ -723,515 +1253,7 @@
     </p:spTree>
     <p:extLst>
       <p:ext uri="{BB962C8B-B14F-4D97-AF65-F5344CB8AC3E}">
-        <p14:creationId xmlns:p14="http://schemas.microsoft.com/office/powerpoint/2010/main" val="2884305104"/>
-      </p:ext>
-    </p:extLst>
-  </p:cSld>
-  <p:clrMapOvr>
-    <a:masterClrMapping/>
-  </p:clrMapOvr>
-</p:notes>
-</file>
-
-<file path=ppt/notesSlides/notesSlide2.xml><?xml version="1.0" encoding="utf-8"?>
-<p:notes xmlns:a="http://schemas.openxmlformats.org/drawingml/2006/main" xmlns:r="http://schemas.openxmlformats.org/officeDocument/2006/relationships" xmlns:p="http://schemas.openxmlformats.org/presentationml/2006/main">
-  <p:cSld>
-    <p:spTree>
-      <p:nvGrpSpPr>
-        <p:cNvPr id="1" name=""/>
-        <p:cNvGrpSpPr/>
-        <p:nvPr/>
-      </p:nvGrpSpPr>
-      <p:grpSpPr>
-        <a:xfrm>
-          <a:off x="0" y="0"/>
-          <a:ext cx="0" cy="0"/>
-          <a:chOff x="0" y="0"/>
-          <a:chExt cx="0" cy="0"/>
-        </a:xfrm>
-      </p:grpSpPr>
-      <p:sp>
-        <p:nvSpPr>
-          <p:cNvPr id="2" name="Slide Image Placeholder 1"/>
-          <p:cNvSpPr>
-            <a:spLocks noGrp="1" noRot="1" noChangeAspect="1"/>
-          </p:cNvSpPr>
-          <p:nvPr>
-            <p:ph type="sldImg"/>
-          </p:nvPr>
-        </p:nvSpPr>
-        <p:spPr/>
-      </p:sp>
-      <p:sp>
-        <p:nvSpPr>
-          <p:cNvPr id="3" name="Notes Placeholder 2"/>
-          <p:cNvSpPr>
-            <a:spLocks noGrp="1"/>
-          </p:cNvSpPr>
-          <p:nvPr>
-            <p:ph type="body" idx="1"/>
-          </p:nvPr>
-        </p:nvSpPr>
-        <p:spPr/>
-        <p:txBody>
-          <a:bodyPr/>
-          <a:lstStyle/>
-          <a:p>
-            <a:r>
-              <a:rPr lang="en-US" b="1" dirty="0"/>
-              <a:t>PET treatment:</a:t>
-            </a:r>
-          </a:p>
-          <a:p>
-            <a:pPr marL="171450" indent="-171450">
-              <a:buFont typeface="Arial" panose="020B0604020202020204" pitchFamily="34" charset="0"/>
-              <a:buChar char="•"/>
-            </a:pPr>
-            <a:r>
-              <a:rPr lang="en-US" dirty="0"/>
-              <a:t>BHET accumulates in all bugs, but this is only significant for Bacillus (close to detection limit)</a:t>
-            </a:r>
-          </a:p>
-          <a:p>
-            <a:pPr marL="171450" indent="-171450">
-              <a:buFont typeface="Arial" panose="020B0604020202020204" pitchFamily="34" charset="0"/>
-              <a:buChar char="•"/>
-            </a:pPr>
-            <a:r>
-              <a:rPr lang="en-US" dirty="0"/>
-              <a:t>MHET is not detected</a:t>
-            </a:r>
-          </a:p>
-          <a:p>
-            <a:pPr marL="171450" indent="-171450">
-              <a:buFont typeface="Arial" panose="020B0604020202020204" pitchFamily="34" charset="0"/>
-              <a:buChar char="•"/>
-            </a:pPr>
-            <a:r>
-              <a:rPr lang="en-US" dirty="0"/>
-              <a:t>TPA is approximately the same as in the no inoculum controls for all bugs</a:t>
-            </a:r>
-          </a:p>
-          <a:p>
-            <a:pPr marL="171450" indent="-171450">
-              <a:buFont typeface="Arial" panose="020B0604020202020204" pitchFamily="34" charset="0"/>
-              <a:buChar char="•"/>
-            </a:pPr>
-            <a:endParaRPr lang="en-US" b="1" dirty="0"/>
-          </a:p>
-          <a:p>
-            <a:pPr marL="0" indent="0">
-              <a:buFont typeface="Arial" panose="020B0604020202020204" pitchFamily="34" charset="0"/>
-              <a:buNone/>
-            </a:pPr>
-            <a:r>
-              <a:rPr lang="en-US" b="1" dirty="0"/>
-              <a:t>BHET treatment:</a:t>
-            </a:r>
-          </a:p>
-          <a:p>
-            <a:pPr marL="171450" indent="-171450">
-              <a:buFont typeface="Arial" panose="020B0604020202020204" pitchFamily="34" charset="0"/>
-              <a:buChar char="•"/>
-            </a:pPr>
-            <a:r>
-              <a:rPr lang="en-US" dirty="0"/>
-              <a:t>Lower BHET concentration in Ideonella (significant), but not much difference for Thioclava and Bacillus</a:t>
-            </a:r>
-          </a:p>
-          <a:p>
-            <a:pPr marL="171450" indent="-171450">
-              <a:buFont typeface="Arial" panose="020B0604020202020204" pitchFamily="34" charset="0"/>
-              <a:buChar char="•"/>
-            </a:pPr>
-            <a:r>
-              <a:rPr lang="en-US" dirty="0"/>
-              <a:t>MHET accumulates in Thioclava and Ideonella (significant), not a lot of change for Bacillus</a:t>
-            </a:r>
-          </a:p>
-          <a:p>
-            <a:pPr marL="171450" indent="-171450">
-              <a:buFont typeface="Arial" panose="020B0604020202020204" pitchFamily="34" charset="0"/>
-              <a:buChar char="•"/>
-            </a:pPr>
-            <a:r>
-              <a:rPr lang="en-US" dirty="0"/>
-              <a:t>TPA accumulates a lot for Bacillus and Ideonella (significant)</a:t>
-            </a:r>
-          </a:p>
-          <a:p>
-            <a:pPr marL="171450" indent="-171450">
-              <a:buFont typeface="Arial" panose="020B0604020202020204" pitchFamily="34" charset="0"/>
-              <a:buChar char="•"/>
-            </a:pPr>
-            <a:r>
-              <a:rPr lang="en-US" dirty="0"/>
-              <a:t>Two other intermediates (C2 and C3) accumulate significantly in Thioclava and Ideonella</a:t>
-            </a:r>
-          </a:p>
-          <a:p>
-            <a:pPr marL="171450" indent="-171450">
-              <a:buFont typeface="Arial" panose="020B0604020202020204" pitchFamily="34" charset="0"/>
-              <a:buChar char="•"/>
-            </a:pPr>
-            <a:endParaRPr lang="en-US" dirty="0"/>
-          </a:p>
-          <a:p>
-            <a:pPr marL="0" indent="0">
-              <a:buFont typeface="Arial" panose="020B0604020202020204" pitchFamily="34" charset="0"/>
-              <a:buNone/>
-            </a:pPr>
-            <a:r>
-              <a:rPr lang="en-US" b="1" dirty="0"/>
-              <a:t>TPA treatment:</a:t>
-            </a:r>
-            <a:endParaRPr lang="en-US" b="0" dirty="0"/>
-          </a:p>
-          <a:p>
-            <a:pPr marL="171450" indent="-171450">
-              <a:buFont typeface="Arial" panose="020B0604020202020204" pitchFamily="34" charset="0"/>
-              <a:buChar char="•"/>
-            </a:pPr>
-            <a:r>
-              <a:rPr lang="en-US" b="0" dirty="0"/>
-              <a:t>TPA is at similar levels to no inoculum control in all</a:t>
-            </a:r>
-            <a:endParaRPr lang="en-US" b="1" dirty="0"/>
-          </a:p>
-          <a:p>
-            <a:endParaRPr lang="en-US" dirty="0"/>
-          </a:p>
-          <a:p>
-            <a:endParaRPr lang="en-US" dirty="0"/>
-          </a:p>
-          <a:p>
-            <a:endParaRPr lang="en-US" dirty="0"/>
-          </a:p>
-        </p:txBody>
-      </p:sp>
-      <p:sp>
-        <p:nvSpPr>
-          <p:cNvPr id="4" name="Slide Number Placeholder 3"/>
-          <p:cNvSpPr>
-            <a:spLocks noGrp="1"/>
-          </p:cNvSpPr>
-          <p:nvPr>
-            <p:ph type="sldNum" sz="quarter" idx="5"/>
-          </p:nvPr>
-        </p:nvSpPr>
-        <p:spPr/>
-        <p:txBody>
-          <a:bodyPr/>
-          <a:lstStyle/>
-          <a:p>
-            <a:fld id="{FC4B1A21-FD2F-5F40-98C2-299E67B4EAF6}" type="slidenum">
-              <a:rPr lang="en-US" smtClean="0"/>
-              <a:t>2</a:t>
-            </a:fld>
-            <a:endParaRPr lang="en-US"/>
-          </a:p>
-        </p:txBody>
-      </p:sp>
-    </p:spTree>
-    <p:extLst>
-      <p:ext uri="{BB962C8B-B14F-4D97-AF65-F5344CB8AC3E}">
         <p14:creationId xmlns:p14="http://schemas.microsoft.com/office/powerpoint/2010/main" val="2422583840"/>
-      </p:ext>
-    </p:extLst>
-  </p:cSld>
-  <p:clrMapOvr>
-    <a:masterClrMapping/>
-  </p:clrMapOvr>
-</p:notes>
-</file>
-
-<file path=ppt/notesSlides/notesSlide3.xml><?xml version="1.0" encoding="utf-8"?>
-<p:notes xmlns:a="http://schemas.openxmlformats.org/drawingml/2006/main" xmlns:r="http://schemas.openxmlformats.org/officeDocument/2006/relationships" xmlns:p="http://schemas.openxmlformats.org/presentationml/2006/main">
-  <p:cSld>
-    <p:spTree>
-      <p:nvGrpSpPr>
-        <p:cNvPr id="1" name=""/>
-        <p:cNvGrpSpPr/>
-        <p:nvPr/>
-      </p:nvGrpSpPr>
-      <p:grpSpPr>
-        <a:xfrm>
-          <a:off x="0" y="0"/>
-          <a:ext cx="0" cy="0"/>
-          <a:chOff x="0" y="0"/>
-          <a:chExt cx="0" cy="0"/>
-        </a:xfrm>
-      </p:grpSpPr>
-      <p:sp>
-        <p:nvSpPr>
-          <p:cNvPr id="2" name="Slide Image Placeholder 1"/>
-          <p:cNvSpPr>
-            <a:spLocks noGrp="1" noRot="1" noChangeAspect="1"/>
-          </p:cNvSpPr>
-          <p:nvPr>
-            <p:ph type="sldImg"/>
-          </p:nvPr>
-        </p:nvSpPr>
-        <p:spPr/>
-      </p:sp>
-      <p:sp>
-        <p:nvSpPr>
-          <p:cNvPr id="3" name="Notes Placeholder 2"/>
-          <p:cNvSpPr>
-            <a:spLocks noGrp="1"/>
-          </p:cNvSpPr>
-          <p:nvPr>
-            <p:ph type="body" idx="1"/>
-          </p:nvPr>
-        </p:nvSpPr>
-        <p:spPr/>
-        <p:txBody>
-          <a:bodyPr/>
-          <a:lstStyle/>
-          <a:p>
-            <a:r>
-              <a:rPr lang="en-US" b="1" dirty="0"/>
-              <a:t>PET treatment:</a:t>
-            </a:r>
-          </a:p>
-          <a:p>
-            <a:pPr marL="171450" indent="-171450">
-              <a:buFont typeface="Arial" panose="020B0604020202020204" pitchFamily="34" charset="0"/>
-              <a:buChar char="•"/>
-            </a:pPr>
-            <a:r>
-              <a:rPr lang="en-US" dirty="0"/>
-              <a:t>BHET accumulates in all bugs, but this is only significant for Bacillus (close to detection limit)</a:t>
-            </a:r>
-          </a:p>
-          <a:p>
-            <a:pPr marL="171450" indent="-171450">
-              <a:buFont typeface="Arial" panose="020B0604020202020204" pitchFamily="34" charset="0"/>
-              <a:buChar char="•"/>
-            </a:pPr>
-            <a:r>
-              <a:rPr lang="en-US" dirty="0"/>
-              <a:t>MHET is not detected</a:t>
-            </a:r>
-          </a:p>
-          <a:p>
-            <a:pPr marL="171450" indent="-171450">
-              <a:buFont typeface="Arial" panose="020B0604020202020204" pitchFamily="34" charset="0"/>
-              <a:buChar char="•"/>
-            </a:pPr>
-            <a:r>
-              <a:rPr lang="en-US" dirty="0"/>
-              <a:t>TPA is approximately the same as in the no inoculum controls for all bugs</a:t>
-            </a:r>
-          </a:p>
-          <a:p>
-            <a:pPr marL="171450" indent="-171450">
-              <a:buFont typeface="Arial" panose="020B0604020202020204" pitchFamily="34" charset="0"/>
-              <a:buChar char="•"/>
-            </a:pPr>
-            <a:endParaRPr lang="en-US" b="1" dirty="0"/>
-          </a:p>
-          <a:p>
-            <a:pPr marL="0" indent="0">
-              <a:buFont typeface="Arial" panose="020B0604020202020204" pitchFamily="34" charset="0"/>
-              <a:buNone/>
-            </a:pPr>
-            <a:r>
-              <a:rPr lang="en-US" b="1" dirty="0"/>
-              <a:t>BHET treatment:</a:t>
-            </a:r>
-          </a:p>
-          <a:p>
-            <a:pPr marL="171450" indent="-171450">
-              <a:buFont typeface="Arial" panose="020B0604020202020204" pitchFamily="34" charset="0"/>
-              <a:buChar char="•"/>
-            </a:pPr>
-            <a:r>
-              <a:rPr lang="en-US" dirty="0"/>
-              <a:t>Lower BHET concentration in Ideonella (significant), but not much difference for Thioclava and Bacillus</a:t>
-            </a:r>
-          </a:p>
-          <a:p>
-            <a:pPr marL="171450" indent="-171450">
-              <a:buFont typeface="Arial" panose="020B0604020202020204" pitchFamily="34" charset="0"/>
-              <a:buChar char="•"/>
-            </a:pPr>
-            <a:r>
-              <a:rPr lang="en-US" dirty="0"/>
-              <a:t>MHET accumulates in Thioclava and Ideonella (significant), not a lot of change for Bacillus</a:t>
-            </a:r>
-          </a:p>
-          <a:p>
-            <a:pPr marL="171450" indent="-171450">
-              <a:buFont typeface="Arial" panose="020B0604020202020204" pitchFamily="34" charset="0"/>
-              <a:buChar char="•"/>
-            </a:pPr>
-            <a:r>
-              <a:rPr lang="en-US" dirty="0"/>
-              <a:t>TPA accumulates a lot for Bacillus and Ideonella (significant)</a:t>
-            </a:r>
-          </a:p>
-          <a:p>
-            <a:pPr marL="171450" indent="-171450">
-              <a:buFont typeface="Arial" panose="020B0604020202020204" pitchFamily="34" charset="0"/>
-              <a:buChar char="•"/>
-            </a:pPr>
-            <a:r>
-              <a:rPr lang="en-US" dirty="0"/>
-              <a:t>Two other intermediates (C2 and C3) accumulate significantly in Thioclava and Ideonella</a:t>
-            </a:r>
-          </a:p>
-          <a:p>
-            <a:pPr marL="171450" indent="-171450">
-              <a:buFont typeface="Arial" panose="020B0604020202020204" pitchFamily="34" charset="0"/>
-              <a:buChar char="•"/>
-            </a:pPr>
-            <a:endParaRPr lang="en-US" dirty="0"/>
-          </a:p>
-          <a:p>
-            <a:pPr marL="0" indent="0">
-              <a:buFont typeface="Arial" panose="020B0604020202020204" pitchFamily="34" charset="0"/>
-              <a:buNone/>
-            </a:pPr>
-            <a:r>
-              <a:rPr lang="en-US" b="1" dirty="0"/>
-              <a:t>TPA treatment:</a:t>
-            </a:r>
-            <a:endParaRPr lang="en-US" b="0" dirty="0"/>
-          </a:p>
-          <a:p>
-            <a:pPr marL="171450" indent="-171450">
-              <a:buFont typeface="Arial" panose="020B0604020202020204" pitchFamily="34" charset="0"/>
-              <a:buChar char="•"/>
-            </a:pPr>
-            <a:r>
-              <a:rPr lang="en-US" b="0" dirty="0"/>
-              <a:t>TPA is at similar levels to no inoculum control in all</a:t>
-            </a:r>
-            <a:endParaRPr lang="en-US" b="1" dirty="0"/>
-          </a:p>
-          <a:p>
-            <a:endParaRPr lang="en-US" dirty="0"/>
-          </a:p>
-          <a:p>
-            <a:endParaRPr lang="en-US" dirty="0"/>
-          </a:p>
-          <a:p>
-            <a:endParaRPr lang="en-US" dirty="0"/>
-          </a:p>
-        </p:txBody>
-      </p:sp>
-      <p:sp>
-        <p:nvSpPr>
-          <p:cNvPr id="4" name="Slide Number Placeholder 3"/>
-          <p:cNvSpPr>
-            <a:spLocks noGrp="1"/>
-          </p:cNvSpPr>
-          <p:nvPr>
-            <p:ph type="sldNum" sz="quarter" idx="5"/>
-          </p:nvPr>
-        </p:nvSpPr>
-        <p:spPr/>
-        <p:txBody>
-          <a:bodyPr/>
-          <a:lstStyle/>
-          <a:p>
-            <a:fld id="{FC4B1A21-FD2F-5F40-98C2-299E67B4EAF6}" type="slidenum">
-              <a:rPr lang="en-US" smtClean="0"/>
-              <a:t>3</a:t>
-            </a:fld>
-            <a:endParaRPr lang="en-US"/>
-          </a:p>
-        </p:txBody>
-      </p:sp>
-    </p:spTree>
-    <p:extLst>
-      <p:ext uri="{BB962C8B-B14F-4D97-AF65-F5344CB8AC3E}">
-        <p14:creationId xmlns:p14="http://schemas.microsoft.com/office/powerpoint/2010/main" val="3074177584"/>
-      </p:ext>
-    </p:extLst>
-  </p:cSld>
-  <p:clrMapOvr>
-    <a:masterClrMapping/>
-  </p:clrMapOvr>
-</p:notes>
-</file>
-
-<file path=ppt/notesSlides/notesSlide4.xml><?xml version="1.0" encoding="utf-8"?>
-<p:notes xmlns:a="http://schemas.openxmlformats.org/drawingml/2006/main" xmlns:r="http://schemas.openxmlformats.org/officeDocument/2006/relationships" xmlns:p="http://schemas.openxmlformats.org/presentationml/2006/main">
-  <p:cSld>
-    <p:spTree>
-      <p:nvGrpSpPr>
-        <p:cNvPr id="1" name=""/>
-        <p:cNvGrpSpPr/>
-        <p:nvPr/>
-      </p:nvGrpSpPr>
-      <p:grpSpPr>
-        <a:xfrm>
-          <a:off x="0" y="0"/>
-          <a:ext cx="0" cy="0"/>
-          <a:chOff x="0" y="0"/>
-          <a:chExt cx="0" cy="0"/>
-        </a:xfrm>
-      </p:grpSpPr>
-      <p:sp>
-        <p:nvSpPr>
-          <p:cNvPr id="2" name="Slide Image Placeholder 1"/>
-          <p:cNvSpPr>
-            <a:spLocks noGrp="1" noRot="1" noChangeAspect="1"/>
-          </p:cNvSpPr>
-          <p:nvPr>
-            <p:ph type="sldImg"/>
-          </p:nvPr>
-        </p:nvSpPr>
-        <p:spPr/>
-      </p:sp>
-      <p:sp>
-        <p:nvSpPr>
-          <p:cNvPr id="3" name="Notes Placeholder 2"/>
-          <p:cNvSpPr>
-            <a:spLocks noGrp="1"/>
-          </p:cNvSpPr>
-          <p:nvPr>
-            <p:ph type="body" idx="1"/>
-          </p:nvPr>
-        </p:nvSpPr>
-        <p:spPr/>
-        <p:txBody>
-          <a:bodyPr/>
-          <a:lstStyle/>
-          <a:p>
-            <a:endParaRPr lang="en-US" dirty="0"/>
-          </a:p>
-        </p:txBody>
-      </p:sp>
-      <p:sp>
-        <p:nvSpPr>
-          <p:cNvPr id="4" name="Slide Number Placeholder 3"/>
-          <p:cNvSpPr>
-            <a:spLocks noGrp="1"/>
-          </p:cNvSpPr>
-          <p:nvPr>
-            <p:ph type="sldNum" sz="quarter" idx="5"/>
-          </p:nvPr>
-        </p:nvSpPr>
-        <p:spPr/>
-        <p:txBody>
-          <a:bodyPr/>
-          <a:lstStyle/>
-          <a:p>
-            <a:fld id="{FC4B1A21-FD2F-5F40-98C2-299E67B4EAF6}" type="slidenum">
-              <a:rPr lang="en-US" smtClean="0"/>
-              <a:t>4</a:t>
-            </a:fld>
-            <a:endParaRPr lang="en-US"/>
-          </a:p>
-        </p:txBody>
-      </p:sp>
-    </p:spTree>
-    <p:extLst>
-      <p:ext uri="{BB962C8B-B14F-4D97-AF65-F5344CB8AC3E}">
-        <p14:creationId xmlns:p14="http://schemas.microsoft.com/office/powerpoint/2010/main" val="1881656672"/>
       </p:ext>
     </p:extLst>
   </p:cSld>
@@ -1372,7 +1394,7 @@
           <a:p>
             <a:fld id="{629CF140-EA73-5040-A33C-8C772358294B}" type="datetimeFigureOut">
               <a:rPr lang="en-US" smtClean="0"/>
-              <a:t>7/13/20</a:t>
+              <a:t>7/17/20</a:t>
             </a:fld>
             <a:endParaRPr lang="en-US"/>
           </a:p>
@@ -1542,7 +1564,7 @@
           <a:p>
             <a:fld id="{629CF140-EA73-5040-A33C-8C772358294B}" type="datetimeFigureOut">
               <a:rPr lang="en-US" smtClean="0"/>
-              <a:t>7/13/20</a:t>
+              <a:t>7/17/20</a:t>
             </a:fld>
             <a:endParaRPr lang="en-US"/>
           </a:p>
@@ -1722,7 +1744,7 @@
           <a:p>
             <a:fld id="{629CF140-EA73-5040-A33C-8C772358294B}" type="datetimeFigureOut">
               <a:rPr lang="en-US" smtClean="0"/>
-              <a:t>7/13/20</a:t>
+              <a:t>7/17/20</a:t>
             </a:fld>
             <a:endParaRPr lang="en-US"/>
           </a:p>
@@ -1892,7 +1914,7 @@
           <a:p>
             <a:fld id="{629CF140-EA73-5040-A33C-8C772358294B}" type="datetimeFigureOut">
               <a:rPr lang="en-US" smtClean="0"/>
-              <a:t>7/13/20</a:t>
+              <a:t>7/17/20</a:t>
             </a:fld>
             <a:endParaRPr lang="en-US"/>
           </a:p>
@@ -2136,7 +2158,7 @@
           <a:p>
             <a:fld id="{629CF140-EA73-5040-A33C-8C772358294B}" type="datetimeFigureOut">
               <a:rPr lang="en-US" smtClean="0"/>
-              <a:t>7/13/20</a:t>
+              <a:t>7/17/20</a:t>
             </a:fld>
             <a:endParaRPr lang="en-US"/>
           </a:p>
@@ -2368,7 +2390,7 @@
           <a:p>
             <a:fld id="{629CF140-EA73-5040-A33C-8C772358294B}" type="datetimeFigureOut">
               <a:rPr lang="en-US" smtClean="0"/>
-              <a:t>7/13/20</a:t>
+              <a:t>7/17/20</a:t>
             </a:fld>
             <a:endParaRPr lang="en-US"/>
           </a:p>
@@ -2735,7 +2757,7 @@
           <a:p>
             <a:fld id="{629CF140-EA73-5040-A33C-8C772358294B}" type="datetimeFigureOut">
               <a:rPr lang="en-US" smtClean="0"/>
-              <a:t>7/13/20</a:t>
+              <a:t>7/17/20</a:t>
             </a:fld>
             <a:endParaRPr lang="en-US"/>
           </a:p>
@@ -2853,7 +2875,7 @@
           <a:p>
             <a:fld id="{629CF140-EA73-5040-A33C-8C772358294B}" type="datetimeFigureOut">
               <a:rPr lang="en-US" smtClean="0"/>
-              <a:t>7/13/20</a:t>
+              <a:t>7/17/20</a:t>
             </a:fld>
             <a:endParaRPr lang="en-US"/>
           </a:p>
@@ -2948,7 +2970,7 @@
           <a:p>
             <a:fld id="{629CF140-EA73-5040-A33C-8C772358294B}" type="datetimeFigureOut">
               <a:rPr lang="en-US" smtClean="0"/>
-              <a:t>7/13/20</a:t>
+              <a:t>7/17/20</a:t>
             </a:fld>
             <a:endParaRPr lang="en-US"/>
           </a:p>
@@ -3225,7 +3247,7 @@
           <a:p>
             <a:fld id="{629CF140-EA73-5040-A33C-8C772358294B}" type="datetimeFigureOut">
               <a:rPr lang="en-US" smtClean="0"/>
-              <a:t>7/13/20</a:t>
+              <a:t>7/17/20</a:t>
             </a:fld>
             <a:endParaRPr lang="en-US"/>
           </a:p>
@@ -3482,7 +3504,7 @@
           <a:p>
             <a:fld id="{629CF140-EA73-5040-A33C-8C772358294B}" type="datetimeFigureOut">
               <a:rPr lang="en-US" smtClean="0"/>
-              <a:t>7/13/20</a:t>
+              <a:t>7/17/20</a:t>
             </a:fld>
             <a:endParaRPr lang="en-US"/>
           </a:p>
@@ -3695,7 +3717,7 @@
           <a:p>
             <a:fld id="{629CF140-EA73-5040-A33C-8C772358294B}" type="datetimeFigureOut">
               <a:rPr lang="en-US" smtClean="0"/>
-              <a:t>7/13/20</a:t>
+              <a:t>7/17/20</a:t>
             </a:fld>
             <a:endParaRPr lang="en-US"/>
           </a:p>
@@ -4100,12 +4122,71 @@
           <a:chExt cx="0" cy="0"/>
         </a:xfrm>
       </p:grpSpPr>
-      <p:sp>
-        <p:nvSpPr>
-          <p:cNvPr id="6" name="Rectangle 5">
+      <p:pic>
+        <p:nvPicPr>
+          <p:cNvPr id="64" name="Picture 63">
             <a:extLst>
               <a:ext uri="{FF2B5EF4-FFF2-40B4-BE49-F238E27FC236}">
-                <a16:creationId xmlns:a16="http://schemas.microsoft.com/office/drawing/2014/main" id="{109EE1A2-3CF5-2D44-A48F-0A397FBD9B86}"/>
+                <a16:creationId xmlns:a16="http://schemas.microsoft.com/office/drawing/2014/main" id="{A2A1FE61-F9F7-9147-9266-4578CBB9B6DA}"/>
+              </a:ext>
+            </a:extLst>
+          </p:cNvPr>
+          <p:cNvPicPr>
+            <a:picLocks noChangeAspect="1"/>
+          </p:cNvPicPr>
+          <p:nvPr/>
+        </p:nvPicPr>
+        <p:blipFill>
+          <a:blip r:embed="rId3"/>
+          <a:stretch>
+            <a:fillRect/>
+          </a:stretch>
+        </p:blipFill>
+        <p:spPr>
+          <a:xfrm>
+            <a:off x="3458250" y="3467856"/>
+            <a:ext cx="463965" cy="828000"/>
+          </a:xfrm>
+          <a:prstGeom prst="rect">
+            <a:avLst/>
+          </a:prstGeom>
+        </p:spPr>
+      </p:pic>
+      <p:pic>
+        <p:nvPicPr>
+          <p:cNvPr id="154" name="Picture 153">
+            <a:extLst>
+              <a:ext uri="{FF2B5EF4-FFF2-40B4-BE49-F238E27FC236}">
+                <a16:creationId xmlns:a16="http://schemas.microsoft.com/office/drawing/2014/main" id="{9D9B0149-2582-B642-B921-D3ADB2C1A41C}"/>
+              </a:ext>
+            </a:extLst>
+          </p:cNvPr>
+          <p:cNvPicPr>
+            <a:picLocks noChangeAspect="1"/>
+          </p:cNvPicPr>
+          <p:nvPr/>
+        </p:nvPicPr>
+        <p:blipFill rotWithShape="1">
+          <a:blip r:embed="rId4"/>
+          <a:srcRect l="23462" t="5905" r="51332" b="80076"/>
+          <a:stretch/>
+        </p:blipFill>
+        <p:spPr>
+          <a:xfrm>
+            <a:off x="3768513" y="7285582"/>
+            <a:ext cx="529200" cy="416485"/>
+          </a:xfrm>
+          <a:prstGeom prst="rect">
+            <a:avLst/>
+          </a:prstGeom>
+        </p:spPr>
+      </p:pic>
+      <p:sp>
+        <p:nvSpPr>
+          <p:cNvPr id="73" name="Rectangle 72">
+            <a:extLst>
+              <a:ext uri="{FF2B5EF4-FFF2-40B4-BE49-F238E27FC236}">
+                <a16:creationId xmlns:a16="http://schemas.microsoft.com/office/drawing/2014/main" id="{D70CE68F-3062-DE45-A104-554921417C6A}"/>
               </a:ext>
             </a:extLst>
           </p:cNvPr>
@@ -4114,14 +4195,14 @@
         </p:nvSpPr>
         <p:spPr>
           <a:xfrm>
-            <a:off x="651115" y="2246028"/>
+            <a:off x="3069000" y="448013"/>
             <a:ext cx="720000" cy="196552"/>
           </a:xfrm>
           <a:prstGeom prst="rect">
             <a:avLst/>
           </a:prstGeom>
           <a:solidFill>
-            <a:schemeClr val="accent3"/>
+            <a:schemeClr val="tx1"/>
           </a:solidFill>
           <a:ln>
             <a:noFill/>
@@ -4151,7 +4232,7 @@
             <a:r>
               <a:rPr lang="en-US" sz="1200" dirty="0">
                 <a:solidFill>
-                  <a:schemeClr val="tx1"/>
+                  <a:schemeClr val="bg1"/>
                 </a:solidFill>
               </a:rPr>
               <a:t>PET</a:t>
@@ -4161,10 +4242,10 @@
       </p:sp>
       <p:sp>
         <p:nvSpPr>
-          <p:cNvPr id="7" name="Rectangle 6">
+          <p:cNvPr id="74" name="Rectangle 73">
             <a:extLst>
               <a:ext uri="{FF2B5EF4-FFF2-40B4-BE49-F238E27FC236}">
-                <a16:creationId xmlns:a16="http://schemas.microsoft.com/office/drawing/2014/main" id="{EFA73439-63D6-BC4A-A3FF-324AA6AE1C51}"/>
+                <a16:creationId xmlns:a16="http://schemas.microsoft.com/office/drawing/2014/main" id="{546810A2-A457-F440-80F1-E417534FFDEB}"/>
               </a:ext>
             </a:extLst>
           </p:cNvPr>
@@ -4173,14 +4254,14 @@
         </p:nvSpPr>
         <p:spPr>
           <a:xfrm>
-            <a:off x="2361115" y="2246028"/>
+            <a:off x="3069000" y="1539176"/>
             <a:ext cx="720000" cy="196552"/>
           </a:xfrm>
           <a:prstGeom prst="rect">
             <a:avLst/>
           </a:prstGeom>
           <a:solidFill>
-            <a:schemeClr val="accent3"/>
+            <a:schemeClr val="tx1"/>
           </a:solidFill>
           <a:ln>
             <a:noFill/>
@@ -4210,7 +4291,7 @@
             <a:r>
               <a:rPr lang="en-US" sz="1200" dirty="0">
                 <a:solidFill>
-                  <a:schemeClr val="tx1"/>
+                  <a:schemeClr val="bg1"/>
                 </a:solidFill>
               </a:rPr>
               <a:t>BHET</a:t>
@@ -4220,10 +4301,10 @@
       </p:sp>
       <p:sp>
         <p:nvSpPr>
-          <p:cNvPr id="8" name="Rectangle 7">
+          <p:cNvPr id="75" name="Rectangle 74">
             <a:extLst>
               <a:ext uri="{FF2B5EF4-FFF2-40B4-BE49-F238E27FC236}">
-                <a16:creationId xmlns:a16="http://schemas.microsoft.com/office/drawing/2014/main" id="{7463D1F6-18D9-8B4E-87ED-5D35A2353117}"/>
+                <a16:creationId xmlns:a16="http://schemas.microsoft.com/office/drawing/2014/main" id="{0CF505E5-466D-3743-8A0F-D0D73B2D4A44}"/>
               </a:ext>
             </a:extLst>
           </p:cNvPr>
@@ -4232,7 +4313,7 @@
         </p:nvSpPr>
         <p:spPr>
           <a:xfrm>
-            <a:off x="4089115" y="2246028"/>
+            <a:off x="3069000" y="3027041"/>
             <a:ext cx="720000" cy="196552"/>
           </a:xfrm>
           <a:prstGeom prst="rect">
@@ -4277,10 +4358,10 @@
       </p:sp>
       <p:sp>
         <p:nvSpPr>
-          <p:cNvPr id="9" name="Rectangle 8">
+          <p:cNvPr id="76" name="Rectangle 75">
             <a:extLst>
               <a:ext uri="{FF2B5EF4-FFF2-40B4-BE49-F238E27FC236}">
-                <a16:creationId xmlns:a16="http://schemas.microsoft.com/office/drawing/2014/main" id="{6608C9F4-940E-0546-B91F-8703A382E375}"/>
+                <a16:creationId xmlns:a16="http://schemas.microsoft.com/office/drawing/2014/main" id="{EFF0681F-C426-264A-B933-9A382467151B}"/>
               </a:ext>
             </a:extLst>
           </p:cNvPr>
@@ -4289,14 +4370,14 @@
         </p:nvSpPr>
         <p:spPr>
           <a:xfrm>
-            <a:off x="5817115" y="2246028"/>
+            <a:off x="3069000" y="4359041"/>
             <a:ext cx="720000" cy="196552"/>
           </a:xfrm>
           <a:prstGeom prst="rect">
             <a:avLst/>
           </a:prstGeom>
           <a:solidFill>
-            <a:schemeClr val="accent3"/>
+            <a:schemeClr val="tx1"/>
           </a:solidFill>
           <a:ln>
             <a:noFill/>
@@ -4326,7 +4407,7 @@
             <a:r>
               <a:rPr lang="en-US" sz="1200" dirty="0">
                 <a:solidFill>
-                  <a:schemeClr val="tx1"/>
+                  <a:schemeClr val="bg1"/>
                 </a:solidFill>
               </a:rPr>
               <a:t>TPA</a:t>
@@ -4334,329 +4415,12 @@
           </a:p>
         </p:txBody>
       </p:sp>
-      <p:pic>
-        <p:nvPicPr>
-          <p:cNvPr id="10" name="Picture 9">
+      <p:sp>
+        <p:nvSpPr>
+          <p:cNvPr id="77" name="Rectangle 76">
             <a:extLst>
               <a:ext uri="{FF2B5EF4-FFF2-40B4-BE49-F238E27FC236}">
-                <a16:creationId xmlns:a16="http://schemas.microsoft.com/office/drawing/2014/main" id="{A685F7E9-5886-A74D-8BE5-8C39B4C9F54D}"/>
-              </a:ext>
-            </a:extLst>
-          </p:cNvPr>
-          <p:cNvPicPr>
-            <a:picLocks noChangeAspect="1"/>
-          </p:cNvPicPr>
-          <p:nvPr/>
-        </p:nvPicPr>
-        <p:blipFill>
-          <a:blip r:embed="rId3"/>
-          <a:stretch>
-            <a:fillRect/>
-          </a:stretch>
-        </p:blipFill>
-        <p:spPr>
-          <a:xfrm>
-            <a:off x="2190115" y="2684716"/>
-            <a:ext cx="1080000" cy="242135"/>
-          </a:xfrm>
-          <a:prstGeom prst="rect">
-            <a:avLst/>
-          </a:prstGeom>
-        </p:spPr>
-      </p:pic>
-      <p:pic>
-        <p:nvPicPr>
-          <p:cNvPr id="11" name="Picture 10">
-            <a:extLst>
-              <a:ext uri="{FF2B5EF4-FFF2-40B4-BE49-F238E27FC236}">
-                <a16:creationId xmlns:a16="http://schemas.microsoft.com/office/drawing/2014/main" id="{BB3CDC34-EEAE-8244-BA99-FA30041EA8FB}"/>
-              </a:ext>
-            </a:extLst>
-          </p:cNvPr>
-          <p:cNvPicPr>
-            <a:picLocks noChangeAspect="1"/>
-          </p:cNvPicPr>
-          <p:nvPr/>
-        </p:nvPicPr>
-        <p:blipFill>
-          <a:blip r:embed="rId4"/>
-          <a:stretch>
-            <a:fillRect/>
-          </a:stretch>
-        </p:blipFill>
-        <p:spPr>
-          <a:xfrm>
-            <a:off x="2190115" y="2442581"/>
-            <a:ext cx="1080000" cy="242135"/>
-          </a:xfrm>
-          <a:prstGeom prst="rect">
-            <a:avLst/>
-          </a:prstGeom>
-        </p:spPr>
-      </p:pic>
-      <p:pic>
-        <p:nvPicPr>
-          <p:cNvPr id="12" name="Picture 11">
-            <a:extLst>
-              <a:ext uri="{FF2B5EF4-FFF2-40B4-BE49-F238E27FC236}">
-                <a16:creationId xmlns:a16="http://schemas.microsoft.com/office/drawing/2014/main" id="{6CB32DAA-A828-FD42-9E0C-8DF11A1AF2D9}"/>
-              </a:ext>
-            </a:extLst>
-          </p:cNvPr>
-          <p:cNvPicPr>
-            <a:picLocks noChangeAspect="1"/>
-          </p:cNvPicPr>
-          <p:nvPr/>
-        </p:nvPicPr>
-        <p:blipFill>
-          <a:blip r:embed="rId5"/>
-          <a:stretch>
-            <a:fillRect/>
-          </a:stretch>
-        </p:blipFill>
-        <p:spPr>
-          <a:xfrm>
-            <a:off x="3909115" y="2442581"/>
-            <a:ext cx="1080000" cy="242135"/>
-          </a:xfrm>
-          <a:prstGeom prst="rect">
-            <a:avLst/>
-          </a:prstGeom>
-        </p:spPr>
-      </p:pic>
-      <p:pic>
-        <p:nvPicPr>
-          <p:cNvPr id="13" name="Picture 12">
-            <a:extLst>
-              <a:ext uri="{FF2B5EF4-FFF2-40B4-BE49-F238E27FC236}">
-                <a16:creationId xmlns:a16="http://schemas.microsoft.com/office/drawing/2014/main" id="{1B52C406-DD77-7A47-9C70-A22CBD56E521}"/>
-              </a:ext>
-            </a:extLst>
-          </p:cNvPr>
-          <p:cNvPicPr>
-            <a:picLocks noChangeAspect="1"/>
-          </p:cNvPicPr>
-          <p:nvPr/>
-        </p:nvPicPr>
-        <p:blipFill>
-          <a:blip r:embed="rId6"/>
-          <a:stretch>
-            <a:fillRect/>
-          </a:stretch>
-        </p:blipFill>
-        <p:spPr>
-          <a:xfrm>
-            <a:off x="5628115" y="2444439"/>
-            <a:ext cx="1080000" cy="242135"/>
-          </a:xfrm>
-          <a:prstGeom prst="rect">
-            <a:avLst/>
-          </a:prstGeom>
-        </p:spPr>
-      </p:pic>
-      <p:pic>
-        <p:nvPicPr>
-          <p:cNvPr id="14" name="Picture 13">
-            <a:extLst>
-              <a:ext uri="{FF2B5EF4-FFF2-40B4-BE49-F238E27FC236}">
-                <a16:creationId xmlns:a16="http://schemas.microsoft.com/office/drawing/2014/main" id="{6572DE8D-E725-2F4F-B166-21E1720A53EC}"/>
-              </a:ext>
-            </a:extLst>
-          </p:cNvPr>
-          <p:cNvPicPr>
-            <a:picLocks noChangeAspect="1"/>
-          </p:cNvPicPr>
-          <p:nvPr/>
-        </p:nvPicPr>
-        <p:blipFill>
-          <a:blip r:embed="rId7"/>
-          <a:stretch>
-            <a:fillRect/>
-          </a:stretch>
-        </p:blipFill>
-        <p:spPr>
-          <a:xfrm>
-            <a:off x="5628115" y="2933937"/>
-            <a:ext cx="1080000" cy="242135"/>
-          </a:xfrm>
-          <a:prstGeom prst="rect">
-            <a:avLst/>
-          </a:prstGeom>
-        </p:spPr>
-      </p:pic>
-      <p:pic>
-        <p:nvPicPr>
-          <p:cNvPr id="15" name="Picture 14">
-            <a:extLst>
-              <a:ext uri="{FF2B5EF4-FFF2-40B4-BE49-F238E27FC236}">
-                <a16:creationId xmlns:a16="http://schemas.microsoft.com/office/drawing/2014/main" id="{B74CA3B5-7112-5349-886F-0E65F366A13D}"/>
-              </a:ext>
-            </a:extLst>
-          </p:cNvPr>
-          <p:cNvPicPr>
-            <a:picLocks noChangeAspect="1"/>
-          </p:cNvPicPr>
-          <p:nvPr/>
-        </p:nvPicPr>
-        <p:blipFill>
-          <a:blip r:embed="rId8"/>
-          <a:stretch>
-            <a:fillRect/>
-          </a:stretch>
-        </p:blipFill>
-        <p:spPr>
-          <a:xfrm>
-            <a:off x="5628115" y="2691802"/>
-            <a:ext cx="1080000" cy="242135"/>
-          </a:xfrm>
-          <a:prstGeom prst="rect">
-            <a:avLst/>
-          </a:prstGeom>
-        </p:spPr>
-      </p:pic>
-      <p:cxnSp>
-        <p:nvCxnSpPr>
-          <p:cNvPr id="17" name="Straight Arrow Connector 16">
-            <a:extLst>
-              <a:ext uri="{FF2B5EF4-FFF2-40B4-BE49-F238E27FC236}">
-                <a16:creationId xmlns:a16="http://schemas.microsoft.com/office/drawing/2014/main" id="{51B0BE54-EC06-C849-ACE1-86E3E50F2072}"/>
-              </a:ext>
-            </a:extLst>
-          </p:cNvPr>
-          <p:cNvCxnSpPr>
-            <a:stCxn id="6" idx="3"/>
-            <a:endCxn id="7" idx="1"/>
-          </p:cNvCxnSpPr>
-          <p:nvPr/>
-        </p:nvCxnSpPr>
-        <p:spPr>
-          <a:xfrm>
-            <a:off x="1371115" y="2344304"/>
-            <a:ext cx="990000" cy="0"/>
-          </a:xfrm>
-          <a:prstGeom prst="straightConnector1">
-            <a:avLst/>
-          </a:prstGeom>
-          <a:ln w="19050">
-            <a:solidFill>
-              <a:schemeClr val="tx1"/>
-            </a:solidFill>
-            <a:tailEnd type="triangle"/>
-          </a:ln>
-        </p:spPr>
-        <p:style>
-          <a:lnRef idx="1">
-            <a:schemeClr val="accent1"/>
-          </a:lnRef>
-          <a:fillRef idx="0">
-            <a:schemeClr val="accent1"/>
-          </a:fillRef>
-          <a:effectRef idx="0">
-            <a:schemeClr val="accent1"/>
-          </a:effectRef>
-          <a:fontRef idx="minor">
-            <a:schemeClr val="tx1"/>
-          </a:fontRef>
-        </p:style>
-      </p:cxnSp>
-      <p:cxnSp>
-        <p:nvCxnSpPr>
-          <p:cNvPr id="18" name="Straight Arrow Connector 17">
-            <a:extLst>
-              <a:ext uri="{FF2B5EF4-FFF2-40B4-BE49-F238E27FC236}">
-                <a16:creationId xmlns:a16="http://schemas.microsoft.com/office/drawing/2014/main" id="{CE769B6C-EB07-2641-8304-1F65F4C2AFDA}"/>
-              </a:ext>
-            </a:extLst>
-          </p:cNvPr>
-          <p:cNvCxnSpPr>
-            <a:cxnSpLocks/>
-            <a:stCxn id="7" idx="3"/>
-            <a:endCxn id="8" idx="1"/>
-          </p:cNvCxnSpPr>
-          <p:nvPr/>
-        </p:nvCxnSpPr>
-        <p:spPr>
-          <a:xfrm>
-            <a:off x="3081115" y="2344304"/>
-            <a:ext cx="1008000" cy="0"/>
-          </a:xfrm>
-          <a:prstGeom prst="straightConnector1">
-            <a:avLst/>
-          </a:prstGeom>
-          <a:ln w="19050">
-            <a:solidFill>
-              <a:schemeClr val="tx1"/>
-            </a:solidFill>
-            <a:tailEnd type="triangle"/>
-          </a:ln>
-        </p:spPr>
-        <p:style>
-          <a:lnRef idx="1">
-            <a:schemeClr val="accent1"/>
-          </a:lnRef>
-          <a:fillRef idx="0">
-            <a:schemeClr val="accent1"/>
-          </a:fillRef>
-          <a:effectRef idx="0">
-            <a:schemeClr val="accent1"/>
-          </a:effectRef>
-          <a:fontRef idx="minor">
-            <a:schemeClr val="tx1"/>
-          </a:fontRef>
-        </p:style>
-      </p:cxnSp>
-      <p:cxnSp>
-        <p:nvCxnSpPr>
-          <p:cNvPr id="21" name="Straight Arrow Connector 20">
-            <a:extLst>
-              <a:ext uri="{FF2B5EF4-FFF2-40B4-BE49-F238E27FC236}">
-                <a16:creationId xmlns:a16="http://schemas.microsoft.com/office/drawing/2014/main" id="{A64C4222-178B-D949-AFF0-23D09C95A743}"/>
-              </a:ext>
-            </a:extLst>
-          </p:cNvPr>
-          <p:cNvCxnSpPr>
-            <a:cxnSpLocks/>
-            <a:stCxn id="8" idx="3"/>
-            <a:endCxn id="9" idx="1"/>
-          </p:cNvCxnSpPr>
-          <p:nvPr/>
-        </p:nvCxnSpPr>
-        <p:spPr>
-          <a:xfrm>
-            <a:off x="4809115" y="2344304"/>
-            <a:ext cx="1008000" cy="0"/>
-          </a:xfrm>
-          <a:prstGeom prst="straightConnector1">
-            <a:avLst/>
-          </a:prstGeom>
-          <a:ln w="19050">
-            <a:solidFill>
-              <a:schemeClr val="tx1"/>
-            </a:solidFill>
-            <a:tailEnd type="triangle"/>
-          </a:ln>
-        </p:spPr>
-        <p:style>
-          <a:lnRef idx="1">
-            <a:schemeClr val="accent1"/>
-          </a:lnRef>
-          <a:fillRef idx="0">
-            <a:schemeClr val="accent1"/>
-          </a:fillRef>
-          <a:effectRef idx="0">
-            <a:schemeClr val="accent1"/>
-          </a:effectRef>
-          <a:fontRef idx="minor">
-            <a:schemeClr val="tx1"/>
-          </a:fontRef>
-        </p:style>
-      </p:cxnSp>
-      <p:sp>
-        <p:nvSpPr>
-          <p:cNvPr id="24" name="Rectangle 23">
-            <a:extLst>
-              <a:ext uri="{FF2B5EF4-FFF2-40B4-BE49-F238E27FC236}">
-                <a16:creationId xmlns:a16="http://schemas.microsoft.com/office/drawing/2014/main" id="{1A0E83D7-0AC5-8143-8C1D-2F55FB381F0D}"/>
+                <a16:creationId xmlns:a16="http://schemas.microsoft.com/office/drawing/2014/main" id="{89F7BBA3-60D7-3B4A-8E9E-4C35E000E9CA}"/>
               </a:ext>
             </a:extLst>
           </p:cNvPr>
@@ -4665,7 +4429,7 @@
         </p:nvSpPr>
         <p:spPr>
           <a:xfrm>
-            <a:off x="4089115" y="3290667"/>
+            <a:off x="1366205" y="1544576"/>
             <a:ext cx="720000" cy="196552"/>
           </a:xfrm>
           <a:prstGeom prst="rect">
@@ -4710,10 +4474,10 @@
       </p:sp>
       <p:sp>
         <p:nvSpPr>
-          <p:cNvPr id="25" name="Rectangle 24">
+          <p:cNvPr id="78" name="Rectangle 77">
             <a:extLst>
               <a:ext uri="{FF2B5EF4-FFF2-40B4-BE49-F238E27FC236}">
-                <a16:creationId xmlns:a16="http://schemas.microsoft.com/office/drawing/2014/main" id="{4C1B8979-E4D5-DA4A-804D-149499D5146D}"/>
+                <a16:creationId xmlns:a16="http://schemas.microsoft.com/office/drawing/2014/main" id="{4DD28109-8A5A-E240-A3E0-20F982FC80EB}"/>
               </a:ext>
             </a:extLst>
           </p:cNvPr>
@@ -4722,8 +4486,8 @@
         </p:nvSpPr>
         <p:spPr>
           <a:xfrm>
-            <a:off x="3063115" y="2154734"/>
-            <a:ext cx="1008000" cy="189570"/>
+            <a:off x="1114205" y="3032441"/>
+            <a:ext cx="1224001" cy="196552"/>
           </a:xfrm>
           <a:prstGeom prst="rect">
             <a:avLst/>
@@ -4754,64 +4518,23 @@
           <a:lstStyle/>
           <a:p>
             <a:pPr algn="ctr"/>
-            <a:endParaRPr lang="en-US"/>
-          </a:p>
-        </p:txBody>
-      </p:sp>
-      <p:cxnSp>
-        <p:nvCxnSpPr>
-          <p:cNvPr id="26" name="Curved Connector 25">
+            <a:r>
+              <a:rPr lang="en-US" sz="1200" dirty="0">
+                <a:solidFill>
+                  <a:schemeClr val="tx1"/>
+                </a:solidFill>
+              </a:rPr>
+              <a:t>Acetaldehyde</a:t>
+            </a:r>
+          </a:p>
+        </p:txBody>
+      </p:sp>
+      <p:sp>
+        <p:nvSpPr>
+          <p:cNvPr id="79" name="Rectangle 78">
             <a:extLst>
               <a:ext uri="{FF2B5EF4-FFF2-40B4-BE49-F238E27FC236}">
-                <a16:creationId xmlns:a16="http://schemas.microsoft.com/office/drawing/2014/main" id="{DA0CACE5-26E6-3642-A198-802BF8977937}"/>
-              </a:ext>
-            </a:extLst>
-          </p:cNvPr>
-          <p:cNvCxnSpPr>
-            <a:cxnSpLocks/>
-            <a:endCxn id="24" idx="0"/>
-          </p:cNvCxnSpPr>
-          <p:nvPr/>
-        </p:nvCxnSpPr>
-        <p:spPr>
-          <a:xfrm rot="16200000" flipH="1">
-            <a:off x="3547426" y="2388978"/>
-            <a:ext cx="939380" cy="863998"/>
-          </a:xfrm>
-          <a:prstGeom prst="curvedConnector3">
-            <a:avLst>
-              <a:gd name="adj1" fmla="val 50000"/>
-            </a:avLst>
-          </a:prstGeom>
-          <a:ln w="19050">
-            <a:solidFill>
-              <a:schemeClr val="tx1"/>
-            </a:solidFill>
-            <a:prstDash val="sysDot"/>
-            <a:tailEnd type="triangle"/>
-          </a:ln>
-        </p:spPr>
-        <p:style>
-          <a:lnRef idx="1">
-            <a:schemeClr val="accent1"/>
-          </a:lnRef>
-          <a:fillRef idx="0">
-            <a:schemeClr val="accent1"/>
-          </a:fillRef>
-          <a:effectRef idx="0">
-            <a:schemeClr val="accent1"/>
-          </a:effectRef>
-          <a:fontRef idx="minor">
-            <a:schemeClr val="tx1"/>
-          </a:fontRef>
-        </p:style>
-      </p:cxnSp>
-      <p:sp>
-        <p:nvSpPr>
-          <p:cNvPr id="34" name="Rectangle 33">
-            <a:extLst>
-              <a:ext uri="{FF2B5EF4-FFF2-40B4-BE49-F238E27FC236}">
-                <a16:creationId xmlns:a16="http://schemas.microsoft.com/office/drawing/2014/main" id="{8252AB1E-134E-3142-87E4-4527691DEB3F}"/>
+                <a16:creationId xmlns:a16="http://schemas.microsoft.com/office/drawing/2014/main" id="{E125531A-1F01-7247-9978-8550BDC5FD4D}"/>
               </a:ext>
             </a:extLst>
           </p:cNvPr>
@@ -4820,8 +4543,8 @@
         </p:nvSpPr>
         <p:spPr>
           <a:xfrm>
-            <a:off x="4809115" y="2140289"/>
-            <a:ext cx="1008000" cy="189570"/>
+            <a:off x="1114204" y="4364441"/>
+            <a:ext cx="1224001" cy="196552"/>
           </a:xfrm>
           <a:prstGeom prst="rect">
             <a:avLst/>
@@ -4852,443 +4575,23 @@
           <a:lstStyle/>
           <a:p>
             <a:pPr algn="ctr"/>
-            <a:endParaRPr lang="en-US"/>
-          </a:p>
-        </p:txBody>
-      </p:sp>
-      <p:cxnSp>
-        <p:nvCxnSpPr>
-          <p:cNvPr id="35" name="Curved Connector 34">
+            <a:r>
+              <a:rPr lang="en-US" sz="1200" dirty="0">
+                <a:solidFill>
+                  <a:schemeClr val="tx1"/>
+                </a:solidFill>
+              </a:rPr>
+              <a:t>Acetate</a:t>
+            </a:r>
+          </a:p>
+        </p:txBody>
+      </p:sp>
+      <p:sp>
+        <p:nvSpPr>
+          <p:cNvPr id="80" name="Rectangle 79">
             <a:extLst>
               <a:ext uri="{FF2B5EF4-FFF2-40B4-BE49-F238E27FC236}">
-                <a16:creationId xmlns:a16="http://schemas.microsoft.com/office/drawing/2014/main" id="{B15B8CB8-C595-6345-8047-9F1A986A6E8C}"/>
-              </a:ext>
-            </a:extLst>
-          </p:cNvPr>
-          <p:cNvCxnSpPr>
-            <a:cxnSpLocks/>
-            <a:stCxn id="34" idx="2"/>
-            <a:endCxn id="24" idx="0"/>
-          </p:cNvCxnSpPr>
-          <p:nvPr/>
-        </p:nvCxnSpPr>
-        <p:spPr>
-          <a:xfrm rot="5400000">
-            <a:off x="4400711" y="2378263"/>
-            <a:ext cx="960808" cy="864000"/>
-          </a:xfrm>
-          <a:prstGeom prst="curvedConnector3">
-            <a:avLst>
-              <a:gd name="adj1" fmla="val 50000"/>
-            </a:avLst>
-          </a:prstGeom>
-          <a:ln w="19050">
-            <a:solidFill>
-              <a:schemeClr val="tx1"/>
-            </a:solidFill>
-            <a:prstDash val="sysDot"/>
-            <a:tailEnd type="triangle"/>
-          </a:ln>
-        </p:spPr>
-        <p:style>
-          <a:lnRef idx="1">
-            <a:schemeClr val="accent1"/>
-          </a:lnRef>
-          <a:fillRef idx="0">
-            <a:schemeClr val="accent1"/>
-          </a:fillRef>
-          <a:effectRef idx="0">
-            <a:schemeClr val="accent1"/>
-          </a:effectRef>
-          <a:fontRef idx="minor">
-            <a:schemeClr val="tx1"/>
-          </a:fontRef>
-        </p:style>
-      </p:cxnSp>
-      <p:pic>
-        <p:nvPicPr>
-          <p:cNvPr id="42" name="Picture 41">
-            <a:extLst>
-              <a:ext uri="{FF2B5EF4-FFF2-40B4-BE49-F238E27FC236}">
-                <a16:creationId xmlns:a16="http://schemas.microsoft.com/office/drawing/2014/main" id="{7DBF987D-2C7A-064A-ADE1-9B9F0C7F1CD5}"/>
-              </a:ext>
-            </a:extLst>
-          </p:cNvPr>
-          <p:cNvPicPr>
-            <a:picLocks noChangeAspect="1"/>
-          </p:cNvPicPr>
-          <p:nvPr/>
-        </p:nvPicPr>
-        <p:blipFill>
-          <a:blip r:embed="rId9"/>
-          <a:stretch>
-            <a:fillRect/>
-          </a:stretch>
-        </p:blipFill>
-        <p:spPr>
-          <a:xfrm>
-            <a:off x="5816332" y="1967722"/>
-            <a:ext cx="721567" cy="266666"/>
-          </a:xfrm>
-          <a:prstGeom prst="rect">
-            <a:avLst/>
-          </a:prstGeom>
-        </p:spPr>
-      </p:pic>
-      <p:pic>
-        <p:nvPicPr>
-          <p:cNvPr id="44" name="Picture 43">
-            <a:extLst>
-              <a:ext uri="{FF2B5EF4-FFF2-40B4-BE49-F238E27FC236}">
-                <a16:creationId xmlns:a16="http://schemas.microsoft.com/office/drawing/2014/main" id="{D12552A9-0F71-1D45-A087-9988FEE19055}"/>
-              </a:ext>
-            </a:extLst>
-          </p:cNvPr>
-          <p:cNvPicPr>
-            <a:picLocks noChangeAspect="1"/>
-          </p:cNvPicPr>
-          <p:nvPr/>
-        </p:nvPicPr>
-        <p:blipFill>
-          <a:blip r:embed="rId10"/>
-          <a:stretch>
-            <a:fillRect/>
-          </a:stretch>
-        </p:blipFill>
-        <p:spPr>
-          <a:xfrm>
-            <a:off x="91511" y="1831154"/>
-            <a:ext cx="1839208" cy="403920"/>
-          </a:xfrm>
-          <a:prstGeom prst="rect">
-            <a:avLst/>
-          </a:prstGeom>
-        </p:spPr>
-      </p:pic>
-      <p:pic>
-        <p:nvPicPr>
-          <p:cNvPr id="45" name="Picture 44">
-            <a:extLst>
-              <a:ext uri="{FF2B5EF4-FFF2-40B4-BE49-F238E27FC236}">
-                <a16:creationId xmlns:a16="http://schemas.microsoft.com/office/drawing/2014/main" id="{49DECFDC-870A-AF46-BE17-80F05D44CB7D}"/>
-              </a:ext>
-            </a:extLst>
-          </p:cNvPr>
-          <p:cNvPicPr>
-            <a:picLocks noChangeAspect="1"/>
-          </p:cNvPicPr>
-          <p:nvPr/>
-        </p:nvPicPr>
-        <p:blipFill>
-          <a:blip r:embed="rId11"/>
-          <a:stretch>
-            <a:fillRect/>
-          </a:stretch>
-        </p:blipFill>
-        <p:spPr>
-          <a:xfrm>
-            <a:off x="2122598" y="1778933"/>
-            <a:ext cx="1309797" cy="470586"/>
-          </a:xfrm>
-          <a:prstGeom prst="rect">
-            <a:avLst/>
-          </a:prstGeom>
-        </p:spPr>
-      </p:pic>
-      <p:pic>
-        <p:nvPicPr>
-          <p:cNvPr id="46" name="Picture 45">
-            <a:extLst>
-              <a:ext uri="{FF2B5EF4-FFF2-40B4-BE49-F238E27FC236}">
-                <a16:creationId xmlns:a16="http://schemas.microsoft.com/office/drawing/2014/main" id="{61597BB1-D927-294F-91CB-8B274B9776E5}"/>
-              </a:ext>
-            </a:extLst>
-          </p:cNvPr>
-          <p:cNvPicPr>
-            <a:picLocks noChangeAspect="1"/>
-          </p:cNvPicPr>
-          <p:nvPr/>
-        </p:nvPicPr>
-        <p:blipFill>
-          <a:blip r:embed="rId12"/>
-          <a:stretch>
-            <a:fillRect/>
-          </a:stretch>
-        </p:blipFill>
-        <p:spPr>
-          <a:xfrm>
-            <a:off x="3939452" y="1880894"/>
-            <a:ext cx="1015680" cy="368625"/>
-          </a:xfrm>
-          <a:prstGeom prst="rect">
-            <a:avLst/>
-          </a:prstGeom>
-        </p:spPr>
-      </p:pic>
-      <p:pic>
-        <p:nvPicPr>
-          <p:cNvPr id="47" name="Picture 46">
-            <a:extLst>
-              <a:ext uri="{FF2B5EF4-FFF2-40B4-BE49-F238E27FC236}">
-                <a16:creationId xmlns:a16="http://schemas.microsoft.com/office/drawing/2014/main" id="{6E911C2C-4E74-B745-9EC1-64659B469D27}"/>
-              </a:ext>
-            </a:extLst>
-          </p:cNvPr>
-          <p:cNvPicPr>
-            <a:picLocks noChangeAspect="1"/>
-          </p:cNvPicPr>
-          <p:nvPr/>
-        </p:nvPicPr>
-        <p:blipFill>
-          <a:blip r:embed="rId13"/>
-          <a:stretch>
-            <a:fillRect/>
-          </a:stretch>
-        </p:blipFill>
-        <p:spPr>
-          <a:xfrm>
-            <a:off x="2124096" y="717994"/>
-            <a:ext cx="1306800" cy="475933"/>
-          </a:xfrm>
-          <a:prstGeom prst="rect">
-            <a:avLst/>
-          </a:prstGeom>
-        </p:spPr>
-      </p:pic>
-      <p:pic>
-        <p:nvPicPr>
-          <p:cNvPr id="48" name="Picture 47">
-            <a:extLst>
-              <a:ext uri="{FF2B5EF4-FFF2-40B4-BE49-F238E27FC236}">
-                <a16:creationId xmlns:a16="http://schemas.microsoft.com/office/drawing/2014/main" id="{20D47009-560C-654B-A6EA-7920CD72EE5A}"/>
-              </a:ext>
-            </a:extLst>
-          </p:cNvPr>
-          <p:cNvPicPr>
-            <a:picLocks noChangeAspect="1"/>
-          </p:cNvPicPr>
-          <p:nvPr/>
-        </p:nvPicPr>
-        <p:blipFill>
-          <a:blip r:embed="rId14"/>
-          <a:stretch>
-            <a:fillRect/>
-          </a:stretch>
-        </p:blipFill>
-        <p:spPr>
-          <a:xfrm>
-            <a:off x="3793892" y="596436"/>
-            <a:ext cx="1306800" cy="588867"/>
-          </a:xfrm>
-          <a:prstGeom prst="rect">
-            <a:avLst/>
-          </a:prstGeom>
-        </p:spPr>
-      </p:pic>
-      <p:pic>
-        <p:nvPicPr>
-          <p:cNvPr id="50" name="Picture 49">
-            <a:extLst>
-              <a:ext uri="{FF2B5EF4-FFF2-40B4-BE49-F238E27FC236}">
-                <a16:creationId xmlns:a16="http://schemas.microsoft.com/office/drawing/2014/main" id="{833E6032-BF6C-2F4F-8770-3C2C6E876F71}"/>
-              </a:ext>
-            </a:extLst>
-          </p:cNvPr>
-          <p:cNvPicPr>
-            <a:picLocks noChangeAspect="1"/>
-          </p:cNvPicPr>
-          <p:nvPr/>
-        </p:nvPicPr>
-        <p:blipFill>
-          <a:blip r:embed="rId15"/>
-          <a:stretch>
-            <a:fillRect/>
-          </a:stretch>
-        </p:blipFill>
-        <p:spPr>
-          <a:xfrm>
-            <a:off x="2237496" y="1193927"/>
-            <a:ext cx="1080000" cy="242135"/>
-          </a:xfrm>
-          <a:prstGeom prst="rect">
-            <a:avLst/>
-          </a:prstGeom>
-        </p:spPr>
-      </p:pic>
-      <p:pic>
-        <p:nvPicPr>
-          <p:cNvPr id="52" name="Picture 51">
-            <a:extLst>
-              <a:ext uri="{FF2B5EF4-FFF2-40B4-BE49-F238E27FC236}">
-                <a16:creationId xmlns:a16="http://schemas.microsoft.com/office/drawing/2014/main" id="{F8C0A40C-C20A-764E-BA49-97365F423BA8}"/>
-              </a:ext>
-            </a:extLst>
-          </p:cNvPr>
-          <p:cNvPicPr>
-            <a:picLocks noChangeAspect="1"/>
-          </p:cNvPicPr>
-          <p:nvPr/>
-        </p:nvPicPr>
-        <p:blipFill>
-          <a:blip r:embed="rId16"/>
-          <a:stretch>
-            <a:fillRect/>
-          </a:stretch>
-        </p:blipFill>
-        <p:spPr>
-          <a:xfrm>
-            <a:off x="3907292" y="1188794"/>
-            <a:ext cx="1080000" cy="242135"/>
-          </a:xfrm>
-          <a:prstGeom prst="rect">
-            <a:avLst/>
-          </a:prstGeom>
-        </p:spPr>
-      </p:pic>
-      <p:cxnSp>
-        <p:nvCxnSpPr>
-          <p:cNvPr id="53" name="Straight Arrow Connector 52">
-            <a:extLst>
-              <a:ext uri="{FF2B5EF4-FFF2-40B4-BE49-F238E27FC236}">
-                <a16:creationId xmlns:a16="http://schemas.microsoft.com/office/drawing/2014/main" id="{E5B7665F-4AD2-4C45-875E-806082DF442D}"/>
-              </a:ext>
-            </a:extLst>
-          </p:cNvPr>
-          <p:cNvCxnSpPr>
-            <a:cxnSpLocks/>
-            <a:stCxn id="45" idx="0"/>
-            <a:endCxn id="50" idx="2"/>
-          </p:cNvCxnSpPr>
-          <p:nvPr/>
-        </p:nvCxnSpPr>
-        <p:spPr>
-          <a:xfrm flipH="1" flipV="1">
-            <a:off x="2777496" y="1436062"/>
-            <a:ext cx="1" cy="342871"/>
-          </a:xfrm>
-          <a:prstGeom prst="straightConnector1">
-            <a:avLst/>
-          </a:prstGeom>
-          <a:ln w="19050">
-            <a:solidFill>
-              <a:schemeClr val="tx1"/>
-            </a:solidFill>
-            <a:tailEnd type="triangle"/>
-          </a:ln>
-        </p:spPr>
-        <p:style>
-          <a:lnRef idx="1">
-            <a:schemeClr val="accent1"/>
-          </a:lnRef>
-          <a:fillRef idx="0">
-            <a:schemeClr val="accent1"/>
-          </a:fillRef>
-          <a:effectRef idx="0">
-            <a:schemeClr val="accent1"/>
-          </a:effectRef>
-          <a:fontRef idx="minor">
-            <a:schemeClr val="tx1"/>
-          </a:fontRef>
-        </p:style>
-      </p:cxnSp>
-      <p:cxnSp>
-        <p:nvCxnSpPr>
-          <p:cNvPr id="56" name="Straight Arrow Connector 55">
-            <a:extLst>
-              <a:ext uri="{FF2B5EF4-FFF2-40B4-BE49-F238E27FC236}">
-                <a16:creationId xmlns:a16="http://schemas.microsoft.com/office/drawing/2014/main" id="{F19B11C5-EBBC-C54E-B921-6078A9E25C59}"/>
-              </a:ext>
-            </a:extLst>
-          </p:cNvPr>
-          <p:cNvCxnSpPr>
-            <a:cxnSpLocks/>
-            <a:stCxn id="47" idx="3"/>
-            <a:endCxn id="48" idx="1"/>
-          </p:cNvCxnSpPr>
-          <p:nvPr/>
-        </p:nvCxnSpPr>
-        <p:spPr>
-          <a:xfrm flipV="1">
-            <a:off x="3430896" y="890870"/>
-            <a:ext cx="362996" cy="0"/>
-          </a:xfrm>
-          <a:prstGeom prst="straightConnector1">
-            <a:avLst/>
-          </a:prstGeom>
-          <a:ln w="19050">
-            <a:solidFill>
-              <a:schemeClr val="tx1"/>
-            </a:solidFill>
-            <a:tailEnd type="triangle"/>
-          </a:ln>
-        </p:spPr>
-        <p:style>
-          <a:lnRef idx="1">
-            <a:schemeClr val="accent1"/>
-          </a:lnRef>
-          <a:fillRef idx="0">
-            <a:schemeClr val="accent1"/>
-          </a:fillRef>
-          <a:effectRef idx="0">
-            <a:schemeClr val="accent1"/>
-          </a:effectRef>
-          <a:fontRef idx="minor">
-            <a:schemeClr val="tx1"/>
-          </a:fontRef>
-        </p:style>
-      </p:cxnSp>
-      <p:cxnSp>
-        <p:nvCxnSpPr>
-          <p:cNvPr id="59" name="Straight Arrow Connector 58">
-            <a:extLst>
-              <a:ext uri="{FF2B5EF4-FFF2-40B4-BE49-F238E27FC236}">
-                <a16:creationId xmlns:a16="http://schemas.microsoft.com/office/drawing/2014/main" id="{889E1314-6096-1042-97BC-F6D5D4B6E185}"/>
-              </a:ext>
-            </a:extLst>
-          </p:cNvPr>
-          <p:cNvCxnSpPr>
-            <a:cxnSpLocks/>
-            <a:stCxn id="52" idx="2"/>
-            <a:endCxn id="46" idx="0"/>
-          </p:cNvCxnSpPr>
-          <p:nvPr/>
-        </p:nvCxnSpPr>
-        <p:spPr>
-          <a:xfrm>
-            <a:off x="4447292" y="1430929"/>
-            <a:ext cx="0" cy="449965"/>
-          </a:xfrm>
-          <a:prstGeom prst="straightConnector1">
-            <a:avLst/>
-          </a:prstGeom>
-          <a:ln w="19050">
-            <a:solidFill>
-              <a:schemeClr val="tx1"/>
-            </a:solidFill>
-            <a:tailEnd type="triangle"/>
-          </a:ln>
-        </p:spPr>
-        <p:style>
-          <a:lnRef idx="1">
-            <a:schemeClr val="accent1"/>
-          </a:lnRef>
-          <a:fillRef idx="0">
-            <a:schemeClr val="accent1"/>
-          </a:fillRef>
-          <a:effectRef idx="0">
-            <a:schemeClr val="accent1"/>
-          </a:effectRef>
-          <a:fontRef idx="minor">
-            <a:schemeClr val="tx1"/>
-          </a:fontRef>
-        </p:style>
-      </p:cxnSp>
-      <p:sp>
-        <p:nvSpPr>
-          <p:cNvPr id="31" name="Rectangle 30">
-            <a:extLst>
-              <a:ext uri="{FF2B5EF4-FFF2-40B4-BE49-F238E27FC236}">
-                <a16:creationId xmlns:a16="http://schemas.microsoft.com/office/drawing/2014/main" id="{0DD10A24-A80D-544F-A270-D8B6EFDCB064}"/>
+                <a16:creationId xmlns:a16="http://schemas.microsoft.com/office/drawing/2014/main" id="{2AA02398-4909-C240-A02C-33AEC698F3D9}"/>
               </a:ext>
             </a:extLst>
           </p:cNvPr>
@@ -5297,7 +4600,7 @@
         </p:nvSpPr>
         <p:spPr>
           <a:xfrm>
-            <a:off x="3835291" y="4354817"/>
+            <a:off x="1114204" y="5689945"/>
             <a:ext cx="1224001" cy="196552"/>
           </a:xfrm>
           <a:prstGeom prst="rect">
@@ -5335,1056 +4638,6 @@
                   <a:schemeClr val="tx1"/>
                 </a:solidFill>
               </a:rPr>
-              <a:t>Acetaldehyde</a:t>
-            </a:r>
-          </a:p>
-        </p:txBody>
-      </p:sp>
-      <p:cxnSp>
-        <p:nvCxnSpPr>
-          <p:cNvPr id="3" name="Straight Arrow Connector 2">
-            <a:extLst>
-              <a:ext uri="{FF2B5EF4-FFF2-40B4-BE49-F238E27FC236}">
-                <a16:creationId xmlns:a16="http://schemas.microsoft.com/office/drawing/2014/main" id="{3B7C5BB7-1D07-8A4F-BE38-BB48B3378B1E}"/>
-              </a:ext>
-            </a:extLst>
-          </p:cNvPr>
-          <p:cNvCxnSpPr>
-            <a:cxnSpLocks/>
-            <a:stCxn id="24" idx="2"/>
-            <a:endCxn id="31" idx="0"/>
-          </p:cNvCxnSpPr>
-          <p:nvPr/>
-        </p:nvCxnSpPr>
-        <p:spPr>
-          <a:xfrm flipH="1">
-            <a:off x="4447292" y="3487219"/>
-            <a:ext cx="1823" cy="867598"/>
-          </a:xfrm>
-          <a:prstGeom prst="straightConnector1">
-            <a:avLst/>
-          </a:prstGeom>
-          <a:ln w="19050">
-            <a:solidFill>
-              <a:schemeClr val="tx1"/>
-            </a:solidFill>
-            <a:tailEnd type="triangle"/>
-          </a:ln>
-        </p:spPr>
-        <p:style>
-          <a:lnRef idx="1">
-            <a:schemeClr val="accent1"/>
-          </a:lnRef>
-          <a:fillRef idx="0">
-            <a:schemeClr val="accent1"/>
-          </a:fillRef>
-          <a:effectRef idx="0">
-            <a:schemeClr val="accent1"/>
-          </a:effectRef>
-          <a:fontRef idx="minor">
-            <a:schemeClr val="tx1"/>
-          </a:fontRef>
-        </p:style>
-      </p:cxnSp>
-      <p:sp>
-        <p:nvSpPr>
-          <p:cNvPr id="38" name="Rectangle 37">
-            <a:extLst>
-              <a:ext uri="{FF2B5EF4-FFF2-40B4-BE49-F238E27FC236}">
-                <a16:creationId xmlns:a16="http://schemas.microsoft.com/office/drawing/2014/main" id="{3D9D1927-DF34-144D-96CB-1C6AF303A7EB}"/>
-              </a:ext>
-            </a:extLst>
-          </p:cNvPr>
-          <p:cNvSpPr/>
-          <p:nvPr/>
-        </p:nvSpPr>
-        <p:spPr>
-          <a:xfrm>
-            <a:off x="3835291" y="5418967"/>
-            <a:ext cx="1224001" cy="196552"/>
-          </a:xfrm>
-          <a:prstGeom prst="rect">
-            <a:avLst/>
-          </a:prstGeom>
-          <a:noFill/>
-          <a:ln>
-            <a:noFill/>
-          </a:ln>
-        </p:spPr>
-        <p:style>
-          <a:lnRef idx="2">
-            <a:schemeClr val="accent1">
-              <a:shade val="50000"/>
-            </a:schemeClr>
-          </a:lnRef>
-          <a:fillRef idx="1">
-            <a:schemeClr val="accent1"/>
-          </a:fillRef>
-          <a:effectRef idx="0">
-            <a:schemeClr val="accent1"/>
-          </a:effectRef>
-          <a:fontRef idx="minor">
-            <a:schemeClr val="lt1"/>
-          </a:fontRef>
-        </p:style>
-        <p:txBody>
-          <a:bodyPr rtlCol="0" anchor="ctr"/>
-          <a:lstStyle/>
-          <a:p>
-            <a:pPr algn="ctr"/>
-            <a:r>
-              <a:rPr lang="en-US" sz="1200" dirty="0">
-                <a:solidFill>
-                  <a:schemeClr val="tx1"/>
-                </a:solidFill>
-              </a:rPr>
-              <a:t>Acetate</a:t>
-            </a:r>
-          </a:p>
-        </p:txBody>
-      </p:sp>
-      <p:cxnSp>
-        <p:nvCxnSpPr>
-          <p:cNvPr id="39" name="Straight Arrow Connector 38">
-            <a:extLst>
-              <a:ext uri="{FF2B5EF4-FFF2-40B4-BE49-F238E27FC236}">
-                <a16:creationId xmlns:a16="http://schemas.microsoft.com/office/drawing/2014/main" id="{94B5522D-3082-244E-99E8-5F6458B452F8}"/>
-              </a:ext>
-            </a:extLst>
-          </p:cNvPr>
-          <p:cNvCxnSpPr>
-            <a:cxnSpLocks/>
-            <a:endCxn id="38" idx="0"/>
-          </p:cNvCxnSpPr>
-          <p:nvPr/>
-        </p:nvCxnSpPr>
-        <p:spPr>
-          <a:xfrm flipH="1">
-            <a:off x="4447292" y="4551369"/>
-            <a:ext cx="1823" cy="867598"/>
-          </a:xfrm>
-          <a:prstGeom prst="straightConnector1">
-            <a:avLst/>
-          </a:prstGeom>
-          <a:ln w="19050">
-            <a:solidFill>
-              <a:schemeClr val="tx1"/>
-            </a:solidFill>
-            <a:tailEnd type="triangle"/>
-          </a:ln>
-        </p:spPr>
-        <p:style>
-          <a:lnRef idx="1">
-            <a:schemeClr val="accent1"/>
-          </a:lnRef>
-          <a:fillRef idx="0">
-            <a:schemeClr val="accent1"/>
-          </a:fillRef>
-          <a:effectRef idx="0">
-            <a:schemeClr val="accent1"/>
-          </a:effectRef>
-          <a:fontRef idx="minor">
-            <a:schemeClr val="tx1"/>
-          </a:fontRef>
-        </p:style>
-      </p:cxnSp>
-      <p:sp>
-        <p:nvSpPr>
-          <p:cNvPr id="40" name="Rectangle 39">
-            <a:extLst>
-              <a:ext uri="{FF2B5EF4-FFF2-40B4-BE49-F238E27FC236}">
-                <a16:creationId xmlns:a16="http://schemas.microsoft.com/office/drawing/2014/main" id="{E06F83E8-6434-CF4C-9065-6E064E3C6CD1}"/>
-              </a:ext>
-            </a:extLst>
-          </p:cNvPr>
-          <p:cNvSpPr/>
-          <p:nvPr/>
-        </p:nvSpPr>
-        <p:spPr>
-          <a:xfrm>
-            <a:off x="3833468" y="6484289"/>
-            <a:ext cx="1224001" cy="196552"/>
-          </a:xfrm>
-          <a:prstGeom prst="rect">
-            <a:avLst/>
-          </a:prstGeom>
-          <a:noFill/>
-          <a:ln>
-            <a:noFill/>
-          </a:ln>
-        </p:spPr>
-        <p:style>
-          <a:lnRef idx="2">
-            <a:schemeClr val="accent1">
-              <a:shade val="50000"/>
-            </a:schemeClr>
-          </a:lnRef>
-          <a:fillRef idx="1">
-            <a:schemeClr val="accent1"/>
-          </a:fillRef>
-          <a:effectRef idx="0">
-            <a:schemeClr val="accent1"/>
-          </a:effectRef>
-          <a:fontRef idx="minor">
-            <a:schemeClr val="lt1"/>
-          </a:fontRef>
-        </p:style>
-        <p:txBody>
-          <a:bodyPr rtlCol="0" anchor="ctr"/>
-          <a:lstStyle/>
-          <a:p>
-            <a:pPr algn="ctr"/>
-            <a:r>
-              <a:rPr lang="en-US" sz="1200" dirty="0">
-                <a:solidFill>
-                  <a:schemeClr val="tx1"/>
-                </a:solidFill>
-              </a:rPr>
-              <a:t>Acetyl-CoA</a:t>
-            </a:r>
-          </a:p>
-        </p:txBody>
-      </p:sp>
-      <p:cxnSp>
-        <p:nvCxnSpPr>
-          <p:cNvPr id="41" name="Straight Arrow Connector 40">
-            <a:extLst>
-              <a:ext uri="{FF2B5EF4-FFF2-40B4-BE49-F238E27FC236}">
-                <a16:creationId xmlns:a16="http://schemas.microsoft.com/office/drawing/2014/main" id="{FD5832C2-E3A6-7748-A732-C187D71C414D}"/>
-              </a:ext>
-            </a:extLst>
-          </p:cNvPr>
-          <p:cNvCxnSpPr>
-            <a:cxnSpLocks/>
-            <a:endCxn id="40" idx="0"/>
-          </p:cNvCxnSpPr>
-          <p:nvPr/>
-        </p:nvCxnSpPr>
-        <p:spPr>
-          <a:xfrm flipH="1">
-            <a:off x="4445469" y="5616691"/>
-            <a:ext cx="1823" cy="867598"/>
-          </a:xfrm>
-          <a:prstGeom prst="straightConnector1">
-            <a:avLst/>
-          </a:prstGeom>
-          <a:ln w="19050">
-            <a:solidFill>
-              <a:schemeClr val="tx1"/>
-            </a:solidFill>
-            <a:tailEnd type="triangle"/>
-          </a:ln>
-        </p:spPr>
-        <p:style>
-          <a:lnRef idx="1">
-            <a:schemeClr val="accent1"/>
-          </a:lnRef>
-          <a:fillRef idx="0">
-            <a:schemeClr val="accent1"/>
-          </a:fillRef>
-          <a:effectRef idx="0">
-            <a:schemeClr val="accent1"/>
-          </a:effectRef>
-          <a:fontRef idx="minor">
-            <a:schemeClr val="tx1"/>
-          </a:fontRef>
-        </p:style>
-      </p:cxnSp>
-      <p:sp>
-        <p:nvSpPr>
-          <p:cNvPr id="43" name="Rectangle 42">
-            <a:extLst>
-              <a:ext uri="{FF2B5EF4-FFF2-40B4-BE49-F238E27FC236}">
-                <a16:creationId xmlns:a16="http://schemas.microsoft.com/office/drawing/2014/main" id="{7D5E35B2-F094-BA40-8FE9-CC5504E43D49}"/>
-              </a:ext>
-            </a:extLst>
-          </p:cNvPr>
-          <p:cNvSpPr/>
-          <p:nvPr/>
-        </p:nvSpPr>
-        <p:spPr>
-          <a:xfrm>
-            <a:off x="3833468" y="7550826"/>
-            <a:ext cx="1224001" cy="196552"/>
-          </a:xfrm>
-          <a:prstGeom prst="rect">
-            <a:avLst/>
-          </a:prstGeom>
-          <a:noFill/>
-          <a:ln>
-            <a:noFill/>
-          </a:ln>
-        </p:spPr>
-        <p:style>
-          <a:lnRef idx="2">
-            <a:schemeClr val="accent1">
-              <a:shade val="50000"/>
-            </a:schemeClr>
-          </a:lnRef>
-          <a:fillRef idx="1">
-            <a:schemeClr val="accent1"/>
-          </a:fillRef>
-          <a:effectRef idx="0">
-            <a:schemeClr val="accent1"/>
-          </a:effectRef>
-          <a:fontRef idx="minor">
-            <a:schemeClr val="lt1"/>
-          </a:fontRef>
-        </p:style>
-        <p:txBody>
-          <a:bodyPr rtlCol="0" anchor="ctr"/>
-          <a:lstStyle/>
-          <a:p>
-            <a:pPr algn="ctr"/>
-            <a:r>
-              <a:rPr lang="en-US" sz="1200" dirty="0">
-                <a:solidFill>
-                  <a:schemeClr val="tx1"/>
-                </a:solidFill>
-              </a:rPr>
-              <a:t>TCA cycle</a:t>
-            </a:r>
-          </a:p>
-        </p:txBody>
-      </p:sp>
-      <p:cxnSp>
-        <p:nvCxnSpPr>
-          <p:cNvPr id="49" name="Straight Arrow Connector 48">
-            <a:extLst>
-              <a:ext uri="{FF2B5EF4-FFF2-40B4-BE49-F238E27FC236}">
-                <a16:creationId xmlns:a16="http://schemas.microsoft.com/office/drawing/2014/main" id="{8B2FDDBC-7608-8C4B-AA3A-B4AD98D6DE11}"/>
-              </a:ext>
-            </a:extLst>
-          </p:cNvPr>
-          <p:cNvCxnSpPr>
-            <a:cxnSpLocks/>
-            <a:endCxn id="43" idx="0"/>
-          </p:cNvCxnSpPr>
-          <p:nvPr/>
-        </p:nvCxnSpPr>
-        <p:spPr>
-          <a:xfrm flipH="1">
-            <a:off x="4445469" y="6683228"/>
-            <a:ext cx="1823" cy="867598"/>
-          </a:xfrm>
-          <a:prstGeom prst="straightConnector1">
-            <a:avLst/>
-          </a:prstGeom>
-          <a:ln w="19050">
-            <a:solidFill>
-              <a:schemeClr val="tx1"/>
-            </a:solidFill>
-            <a:tailEnd type="triangle"/>
-          </a:ln>
-        </p:spPr>
-        <p:style>
-          <a:lnRef idx="1">
-            <a:schemeClr val="accent1"/>
-          </a:lnRef>
-          <a:fillRef idx="0">
-            <a:schemeClr val="accent1"/>
-          </a:fillRef>
-          <a:effectRef idx="0">
-            <a:schemeClr val="accent1"/>
-          </a:effectRef>
-          <a:fontRef idx="minor">
-            <a:schemeClr val="tx1"/>
-          </a:fontRef>
-        </p:style>
-      </p:cxnSp>
-      <p:pic>
-        <p:nvPicPr>
-          <p:cNvPr id="51" name="Picture 50">
-            <a:extLst>
-              <a:ext uri="{FF2B5EF4-FFF2-40B4-BE49-F238E27FC236}">
-                <a16:creationId xmlns:a16="http://schemas.microsoft.com/office/drawing/2014/main" id="{3AD6FC30-AE4D-7F40-80D5-35BA5603C75C}"/>
-              </a:ext>
-            </a:extLst>
-          </p:cNvPr>
-          <p:cNvPicPr>
-            <a:picLocks noChangeAspect="1"/>
-          </p:cNvPicPr>
-          <p:nvPr/>
-        </p:nvPicPr>
-        <p:blipFill rotWithShape="1">
-          <a:blip r:embed="rId17"/>
-          <a:srcRect l="37668" t="11867" r="47270" b="78624"/>
-          <a:stretch/>
-        </p:blipFill>
-        <p:spPr>
-          <a:xfrm>
-            <a:off x="3795487" y="3146147"/>
-            <a:ext cx="523470" cy="467672"/>
-          </a:xfrm>
-          <a:prstGeom prst="rect">
-            <a:avLst/>
-          </a:prstGeom>
-        </p:spPr>
-      </p:pic>
-      <p:pic>
-        <p:nvPicPr>
-          <p:cNvPr id="54" name="Picture 53">
-            <a:extLst>
-              <a:ext uri="{FF2B5EF4-FFF2-40B4-BE49-F238E27FC236}">
-                <a16:creationId xmlns:a16="http://schemas.microsoft.com/office/drawing/2014/main" id="{435C0F7A-1AE8-714C-8D29-32E15AEA1A3B}"/>
-              </a:ext>
-            </a:extLst>
-          </p:cNvPr>
-          <p:cNvPicPr>
-            <a:picLocks noChangeAspect="1"/>
-          </p:cNvPicPr>
-          <p:nvPr/>
-        </p:nvPicPr>
-        <p:blipFill rotWithShape="1">
-          <a:blip r:embed="rId18"/>
-          <a:srcRect l="39531" t="12773" r="49146" b="81740"/>
-          <a:stretch/>
-        </p:blipFill>
-        <p:spPr>
-          <a:xfrm>
-            <a:off x="3421212" y="4289489"/>
-            <a:ext cx="576087" cy="395087"/>
-          </a:xfrm>
-          <a:prstGeom prst="rect">
-            <a:avLst/>
-          </a:prstGeom>
-        </p:spPr>
-      </p:pic>
-      <p:pic>
-        <p:nvPicPr>
-          <p:cNvPr id="55" name="Picture 54">
-            <a:extLst>
-              <a:ext uri="{FF2B5EF4-FFF2-40B4-BE49-F238E27FC236}">
-                <a16:creationId xmlns:a16="http://schemas.microsoft.com/office/drawing/2014/main" id="{BB345C9B-F293-8B43-9708-842B519A41D0}"/>
-              </a:ext>
-            </a:extLst>
-          </p:cNvPr>
-          <p:cNvPicPr>
-            <a:picLocks noChangeAspect="1"/>
-          </p:cNvPicPr>
-          <p:nvPr/>
-        </p:nvPicPr>
-        <p:blipFill rotWithShape="1">
-          <a:blip r:embed="rId19"/>
-          <a:srcRect l="39601" t="12967" r="47412" b="78803"/>
-          <a:stretch/>
-        </p:blipFill>
-        <p:spPr>
-          <a:xfrm>
-            <a:off x="3693756" y="5360246"/>
-            <a:ext cx="491392" cy="440726"/>
-          </a:xfrm>
-          <a:prstGeom prst="rect">
-            <a:avLst/>
-          </a:prstGeom>
-        </p:spPr>
-      </p:pic>
-      <p:pic>
-        <p:nvPicPr>
-          <p:cNvPr id="57" name="Picture 56">
-            <a:extLst>
-              <a:ext uri="{FF2B5EF4-FFF2-40B4-BE49-F238E27FC236}">
-                <a16:creationId xmlns:a16="http://schemas.microsoft.com/office/drawing/2014/main" id="{9FF1D307-284A-4748-8C7B-7361DA2BD603}"/>
-              </a:ext>
-            </a:extLst>
-          </p:cNvPr>
-          <p:cNvPicPr>
-            <a:picLocks noChangeAspect="1"/>
-          </p:cNvPicPr>
-          <p:nvPr/>
-        </p:nvPicPr>
-        <p:blipFill rotWithShape="1">
-          <a:blip r:embed="rId20"/>
-          <a:srcRect l="39602" t="12661" r="45142" b="79096"/>
-          <a:stretch/>
-        </p:blipFill>
-        <p:spPr>
-          <a:xfrm>
-            <a:off x="3460266" y="6368396"/>
-            <a:ext cx="561787" cy="429553"/>
-          </a:xfrm>
-          <a:prstGeom prst="rect">
-            <a:avLst/>
-          </a:prstGeom>
-        </p:spPr>
-      </p:pic>
-      <p:pic>
-        <p:nvPicPr>
-          <p:cNvPr id="62" name="Picture 61">
-            <a:extLst>
-              <a:ext uri="{FF2B5EF4-FFF2-40B4-BE49-F238E27FC236}">
-                <a16:creationId xmlns:a16="http://schemas.microsoft.com/office/drawing/2014/main" id="{FE8D51B3-5790-2B46-ADE8-896DE6B18099}"/>
-              </a:ext>
-            </a:extLst>
-          </p:cNvPr>
-          <p:cNvPicPr>
-            <a:picLocks noChangeAspect="1"/>
-          </p:cNvPicPr>
-          <p:nvPr/>
-        </p:nvPicPr>
-        <p:blipFill>
-          <a:blip r:embed="rId21"/>
-          <a:stretch>
-            <a:fillRect/>
-          </a:stretch>
-        </p:blipFill>
-        <p:spPr>
-          <a:xfrm>
-            <a:off x="3853232" y="4768903"/>
-            <a:ext cx="502847" cy="398769"/>
-          </a:xfrm>
-          <a:prstGeom prst="rect">
-            <a:avLst/>
-          </a:prstGeom>
-        </p:spPr>
-      </p:pic>
-      <p:pic>
-        <p:nvPicPr>
-          <p:cNvPr id="63" name="Picture 62">
-            <a:extLst>
-              <a:ext uri="{FF2B5EF4-FFF2-40B4-BE49-F238E27FC236}">
-                <a16:creationId xmlns:a16="http://schemas.microsoft.com/office/drawing/2014/main" id="{B5F7705B-D090-BE4F-A730-7349F3336C4A}"/>
-              </a:ext>
-            </a:extLst>
-          </p:cNvPr>
-          <p:cNvPicPr>
-            <a:picLocks noChangeAspect="1"/>
-          </p:cNvPicPr>
-          <p:nvPr/>
-        </p:nvPicPr>
-        <p:blipFill>
-          <a:blip r:embed="rId22"/>
-          <a:stretch>
-            <a:fillRect/>
-          </a:stretch>
-        </p:blipFill>
-        <p:spPr>
-          <a:xfrm>
-            <a:off x="3855246" y="5885299"/>
-            <a:ext cx="502847" cy="398769"/>
-          </a:xfrm>
-          <a:prstGeom prst="rect">
-            <a:avLst/>
-          </a:prstGeom>
-        </p:spPr>
-      </p:pic>
-      <p:pic>
-        <p:nvPicPr>
-          <p:cNvPr id="64" name="Picture 63">
-            <a:extLst>
-              <a:ext uri="{FF2B5EF4-FFF2-40B4-BE49-F238E27FC236}">
-                <a16:creationId xmlns:a16="http://schemas.microsoft.com/office/drawing/2014/main" id="{40E9FDAB-66C8-CE4E-8397-7A3E0FFDBE77}"/>
-              </a:ext>
-            </a:extLst>
-          </p:cNvPr>
-          <p:cNvPicPr>
-            <a:picLocks noChangeAspect="1"/>
-          </p:cNvPicPr>
-          <p:nvPr/>
-        </p:nvPicPr>
-        <p:blipFill>
-          <a:blip r:embed="rId23"/>
-          <a:stretch>
-            <a:fillRect/>
-          </a:stretch>
-        </p:blipFill>
-        <p:spPr>
-          <a:xfrm>
-            <a:off x="3853232" y="3679147"/>
-            <a:ext cx="468120" cy="398769"/>
-          </a:xfrm>
-          <a:prstGeom prst="rect">
-            <a:avLst/>
-          </a:prstGeom>
-        </p:spPr>
-      </p:pic>
-    </p:spTree>
-    <p:extLst>
-      <p:ext uri="{BB962C8B-B14F-4D97-AF65-F5344CB8AC3E}">
-        <p14:creationId xmlns:p14="http://schemas.microsoft.com/office/powerpoint/2010/main" val="2905909349"/>
-      </p:ext>
-    </p:extLst>
-  </p:cSld>
-  <p:clrMapOvr>
-    <a:masterClrMapping/>
-  </p:clrMapOvr>
-</p:sld>
-</file>
-
-<file path=ppt/slides/slide2.xml><?xml version="1.0" encoding="utf-8"?>
-<p:sld xmlns:a="http://schemas.openxmlformats.org/drawingml/2006/main" xmlns:r="http://schemas.openxmlformats.org/officeDocument/2006/relationships" xmlns:p="http://schemas.openxmlformats.org/presentationml/2006/main">
-  <p:cSld>
-    <p:spTree>
-      <p:nvGrpSpPr>
-        <p:cNvPr id="1" name=""/>
-        <p:cNvGrpSpPr/>
-        <p:nvPr/>
-      </p:nvGrpSpPr>
-      <p:grpSpPr>
-        <a:xfrm>
-          <a:off x="0" y="0"/>
-          <a:ext cx="0" cy="0"/>
-          <a:chOff x="0" y="0"/>
-          <a:chExt cx="0" cy="0"/>
-        </a:xfrm>
-      </p:grpSpPr>
-      <p:sp>
-        <p:nvSpPr>
-          <p:cNvPr id="73" name="Rectangle 72">
-            <a:extLst>
-              <a:ext uri="{FF2B5EF4-FFF2-40B4-BE49-F238E27FC236}">
-                <a16:creationId xmlns:a16="http://schemas.microsoft.com/office/drawing/2014/main" id="{D70CE68F-3062-DE45-A104-554921417C6A}"/>
-              </a:ext>
-            </a:extLst>
-          </p:cNvPr>
-          <p:cNvSpPr/>
-          <p:nvPr/>
-        </p:nvSpPr>
-        <p:spPr>
-          <a:xfrm>
-            <a:off x="3069000" y="583096"/>
-            <a:ext cx="720000" cy="196552"/>
-          </a:xfrm>
-          <a:prstGeom prst="rect">
-            <a:avLst/>
-          </a:prstGeom>
-          <a:solidFill>
-            <a:schemeClr val="tx1"/>
-          </a:solidFill>
-          <a:ln>
-            <a:noFill/>
-          </a:ln>
-        </p:spPr>
-        <p:style>
-          <a:lnRef idx="2">
-            <a:schemeClr val="accent1">
-              <a:shade val="50000"/>
-            </a:schemeClr>
-          </a:lnRef>
-          <a:fillRef idx="1">
-            <a:schemeClr val="accent1"/>
-          </a:fillRef>
-          <a:effectRef idx="0">
-            <a:schemeClr val="accent1"/>
-          </a:effectRef>
-          <a:fontRef idx="minor">
-            <a:schemeClr val="lt1"/>
-          </a:fontRef>
-        </p:style>
-        <p:txBody>
-          <a:bodyPr rtlCol="0" anchor="ctr"/>
-          <a:lstStyle/>
-          <a:p>
-            <a:pPr algn="ctr"/>
-            <a:r>
-              <a:rPr lang="en-US" sz="1200" dirty="0">
-                <a:solidFill>
-                  <a:schemeClr val="bg1"/>
-                </a:solidFill>
-              </a:rPr>
-              <a:t>PET</a:t>
-            </a:r>
-          </a:p>
-        </p:txBody>
-      </p:sp>
-      <p:sp>
-        <p:nvSpPr>
-          <p:cNvPr id="74" name="Rectangle 73">
-            <a:extLst>
-              <a:ext uri="{FF2B5EF4-FFF2-40B4-BE49-F238E27FC236}">
-                <a16:creationId xmlns:a16="http://schemas.microsoft.com/office/drawing/2014/main" id="{546810A2-A457-F440-80F1-E417534FFDEB}"/>
-              </a:ext>
-            </a:extLst>
-          </p:cNvPr>
-          <p:cNvSpPr/>
-          <p:nvPr/>
-        </p:nvSpPr>
-        <p:spPr>
-          <a:xfrm>
-            <a:off x="3069000" y="1539176"/>
-            <a:ext cx="720000" cy="196552"/>
-          </a:xfrm>
-          <a:prstGeom prst="rect">
-            <a:avLst/>
-          </a:prstGeom>
-          <a:solidFill>
-            <a:schemeClr val="tx1"/>
-          </a:solidFill>
-          <a:ln>
-            <a:noFill/>
-          </a:ln>
-        </p:spPr>
-        <p:style>
-          <a:lnRef idx="2">
-            <a:schemeClr val="accent1">
-              <a:shade val="50000"/>
-            </a:schemeClr>
-          </a:lnRef>
-          <a:fillRef idx="1">
-            <a:schemeClr val="accent1"/>
-          </a:fillRef>
-          <a:effectRef idx="0">
-            <a:schemeClr val="accent1"/>
-          </a:effectRef>
-          <a:fontRef idx="minor">
-            <a:schemeClr val="lt1"/>
-          </a:fontRef>
-        </p:style>
-        <p:txBody>
-          <a:bodyPr rtlCol="0" anchor="ctr"/>
-          <a:lstStyle/>
-          <a:p>
-            <a:pPr algn="ctr"/>
-            <a:r>
-              <a:rPr lang="en-US" sz="1200" dirty="0">
-                <a:solidFill>
-                  <a:schemeClr val="bg1"/>
-                </a:solidFill>
-              </a:rPr>
-              <a:t>BHET</a:t>
-            </a:r>
-          </a:p>
-        </p:txBody>
-      </p:sp>
-      <p:sp>
-        <p:nvSpPr>
-          <p:cNvPr id="75" name="Rectangle 74">
-            <a:extLst>
-              <a:ext uri="{FF2B5EF4-FFF2-40B4-BE49-F238E27FC236}">
-                <a16:creationId xmlns:a16="http://schemas.microsoft.com/office/drawing/2014/main" id="{0CF505E5-466D-3743-8A0F-D0D73B2D4A44}"/>
-              </a:ext>
-            </a:extLst>
-          </p:cNvPr>
-          <p:cNvSpPr/>
-          <p:nvPr/>
-        </p:nvSpPr>
-        <p:spPr>
-          <a:xfrm>
-            <a:off x="3069000" y="2871176"/>
-            <a:ext cx="720000" cy="196552"/>
-          </a:xfrm>
-          <a:prstGeom prst="rect">
-            <a:avLst/>
-          </a:prstGeom>
-          <a:noFill/>
-          <a:ln>
-            <a:noFill/>
-          </a:ln>
-        </p:spPr>
-        <p:style>
-          <a:lnRef idx="2">
-            <a:schemeClr val="accent1">
-              <a:shade val="50000"/>
-            </a:schemeClr>
-          </a:lnRef>
-          <a:fillRef idx="1">
-            <a:schemeClr val="accent1"/>
-          </a:fillRef>
-          <a:effectRef idx="0">
-            <a:schemeClr val="accent1"/>
-          </a:effectRef>
-          <a:fontRef idx="minor">
-            <a:schemeClr val="lt1"/>
-          </a:fontRef>
-        </p:style>
-        <p:txBody>
-          <a:bodyPr rtlCol="0" anchor="ctr"/>
-          <a:lstStyle/>
-          <a:p>
-            <a:pPr algn="ctr"/>
-            <a:r>
-              <a:rPr lang="en-US" sz="1200" dirty="0">
-                <a:solidFill>
-                  <a:schemeClr val="tx1"/>
-                </a:solidFill>
-              </a:rPr>
-              <a:t>MHET</a:t>
-            </a:r>
-          </a:p>
-        </p:txBody>
-      </p:sp>
-      <p:sp>
-        <p:nvSpPr>
-          <p:cNvPr id="76" name="Rectangle 75">
-            <a:extLst>
-              <a:ext uri="{FF2B5EF4-FFF2-40B4-BE49-F238E27FC236}">
-                <a16:creationId xmlns:a16="http://schemas.microsoft.com/office/drawing/2014/main" id="{EFF0681F-C426-264A-B933-9A382467151B}"/>
-              </a:ext>
-            </a:extLst>
-          </p:cNvPr>
-          <p:cNvSpPr/>
-          <p:nvPr/>
-        </p:nvSpPr>
-        <p:spPr>
-          <a:xfrm>
-            <a:off x="3069000" y="4203176"/>
-            <a:ext cx="720000" cy="196552"/>
-          </a:xfrm>
-          <a:prstGeom prst="rect">
-            <a:avLst/>
-          </a:prstGeom>
-          <a:solidFill>
-            <a:schemeClr val="tx1"/>
-          </a:solidFill>
-          <a:ln>
-            <a:noFill/>
-          </a:ln>
-        </p:spPr>
-        <p:style>
-          <a:lnRef idx="2">
-            <a:schemeClr val="accent1">
-              <a:shade val="50000"/>
-            </a:schemeClr>
-          </a:lnRef>
-          <a:fillRef idx="1">
-            <a:schemeClr val="accent1"/>
-          </a:fillRef>
-          <a:effectRef idx="0">
-            <a:schemeClr val="accent1"/>
-          </a:effectRef>
-          <a:fontRef idx="minor">
-            <a:schemeClr val="lt1"/>
-          </a:fontRef>
-        </p:style>
-        <p:txBody>
-          <a:bodyPr rtlCol="0" anchor="ctr"/>
-          <a:lstStyle/>
-          <a:p>
-            <a:pPr algn="ctr"/>
-            <a:r>
-              <a:rPr lang="en-US" sz="1200" dirty="0">
-                <a:solidFill>
-                  <a:schemeClr val="bg1"/>
-                </a:solidFill>
-              </a:rPr>
-              <a:t>TPA</a:t>
-            </a:r>
-          </a:p>
-        </p:txBody>
-      </p:sp>
-      <p:sp>
-        <p:nvSpPr>
-          <p:cNvPr id="77" name="Rectangle 76">
-            <a:extLst>
-              <a:ext uri="{FF2B5EF4-FFF2-40B4-BE49-F238E27FC236}">
-                <a16:creationId xmlns:a16="http://schemas.microsoft.com/office/drawing/2014/main" id="{89F7BBA3-60D7-3B4A-8E9E-4C35E000E9CA}"/>
-              </a:ext>
-            </a:extLst>
-          </p:cNvPr>
-          <p:cNvSpPr/>
-          <p:nvPr/>
-        </p:nvSpPr>
-        <p:spPr>
-          <a:xfrm>
-            <a:off x="909000" y="1544576"/>
-            <a:ext cx="720000" cy="196552"/>
-          </a:xfrm>
-          <a:prstGeom prst="rect">
-            <a:avLst/>
-          </a:prstGeom>
-          <a:noFill/>
-          <a:ln>
-            <a:noFill/>
-          </a:ln>
-        </p:spPr>
-        <p:style>
-          <a:lnRef idx="2">
-            <a:schemeClr val="accent1">
-              <a:shade val="50000"/>
-            </a:schemeClr>
-          </a:lnRef>
-          <a:fillRef idx="1">
-            <a:schemeClr val="accent1"/>
-          </a:fillRef>
-          <a:effectRef idx="0">
-            <a:schemeClr val="accent1"/>
-          </a:effectRef>
-          <a:fontRef idx="minor">
-            <a:schemeClr val="lt1"/>
-          </a:fontRef>
-        </p:style>
-        <p:txBody>
-          <a:bodyPr rtlCol="0" anchor="ctr"/>
-          <a:lstStyle/>
-          <a:p>
-            <a:pPr algn="ctr"/>
-            <a:r>
-              <a:rPr lang="en-US" sz="1200" dirty="0">
-                <a:solidFill>
-                  <a:schemeClr val="tx1"/>
-                </a:solidFill>
-              </a:rPr>
-              <a:t>EG</a:t>
-            </a:r>
-          </a:p>
-        </p:txBody>
-      </p:sp>
-      <p:sp>
-        <p:nvSpPr>
-          <p:cNvPr id="78" name="Rectangle 77">
-            <a:extLst>
-              <a:ext uri="{FF2B5EF4-FFF2-40B4-BE49-F238E27FC236}">
-                <a16:creationId xmlns:a16="http://schemas.microsoft.com/office/drawing/2014/main" id="{4DD28109-8A5A-E240-A3E0-20F982FC80EB}"/>
-              </a:ext>
-            </a:extLst>
-          </p:cNvPr>
-          <p:cNvSpPr/>
-          <p:nvPr/>
-        </p:nvSpPr>
-        <p:spPr>
-          <a:xfrm>
-            <a:off x="657000" y="2876576"/>
-            <a:ext cx="1224001" cy="196552"/>
-          </a:xfrm>
-          <a:prstGeom prst="rect">
-            <a:avLst/>
-          </a:prstGeom>
-          <a:noFill/>
-          <a:ln>
-            <a:noFill/>
-          </a:ln>
-        </p:spPr>
-        <p:style>
-          <a:lnRef idx="2">
-            <a:schemeClr val="accent1">
-              <a:shade val="50000"/>
-            </a:schemeClr>
-          </a:lnRef>
-          <a:fillRef idx="1">
-            <a:schemeClr val="accent1"/>
-          </a:fillRef>
-          <a:effectRef idx="0">
-            <a:schemeClr val="accent1"/>
-          </a:effectRef>
-          <a:fontRef idx="minor">
-            <a:schemeClr val="lt1"/>
-          </a:fontRef>
-        </p:style>
-        <p:txBody>
-          <a:bodyPr rtlCol="0" anchor="ctr"/>
-          <a:lstStyle/>
-          <a:p>
-            <a:pPr algn="ctr"/>
-            <a:r>
-              <a:rPr lang="en-US" sz="1200" dirty="0">
-                <a:solidFill>
-                  <a:schemeClr val="tx1"/>
-                </a:solidFill>
-              </a:rPr>
-              <a:t>Acetaldehyde</a:t>
-            </a:r>
-          </a:p>
-        </p:txBody>
-      </p:sp>
-      <p:sp>
-        <p:nvSpPr>
-          <p:cNvPr id="79" name="Rectangle 78">
-            <a:extLst>
-              <a:ext uri="{FF2B5EF4-FFF2-40B4-BE49-F238E27FC236}">
-                <a16:creationId xmlns:a16="http://schemas.microsoft.com/office/drawing/2014/main" id="{E125531A-1F01-7247-9978-8550BDC5FD4D}"/>
-              </a:ext>
-            </a:extLst>
-          </p:cNvPr>
-          <p:cNvSpPr/>
-          <p:nvPr/>
-        </p:nvSpPr>
-        <p:spPr>
-          <a:xfrm>
-            <a:off x="656999" y="4208576"/>
-            <a:ext cx="1224001" cy="196552"/>
-          </a:xfrm>
-          <a:prstGeom prst="rect">
-            <a:avLst/>
-          </a:prstGeom>
-          <a:noFill/>
-          <a:ln>
-            <a:noFill/>
-          </a:ln>
-        </p:spPr>
-        <p:style>
-          <a:lnRef idx="2">
-            <a:schemeClr val="accent1">
-              <a:shade val="50000"/>
-            </a:schemeClr>
-          </a:lnRef>
-          <a:fillRef idx="1">
-            <a:schemeClr val="accent1"/>
-          </a:fillRef>
-          <a:effectRef idx="0">
-            <a:schemeClr val="accent1"/>
-          </a:effectRef>
-          <a:fontRef idx="minor">
-            <a:schemeClr val="lt1"/>
-          </a:fontRef>
-        </p:style>
-        <p:txBody>
-          <a:bodyPr rtlCol="0" anchor="ctr"/>
-          <a:lstStyle/>
-          <a:p>
-            <a:pPr algn="ctr"/>
-            <a:r>
-              <a:rPr lang="en-US" sz="1200" dirty="0">
-                <a:solidFill>
-                  <a:schemeClr val="tx1"/>
-                </a:solidFill>
-              </a:rPr>
-              <a:t>Acetate</a:t>
-            </a:r>
-          </a:p>
-        </p:txBody>
-      </p:sp>
-      <p:sp>
-        <p:nvSpPr>
-          <p:cNvPr id="80" name="Rectangle 79">
-            <a:extLst>
-              <a:ext uri="{FF2B5EF4-FFF2-40B4-BE49-F238E27FC236}">
-                <a16:creationId xmlns:a16="http://schemas.microsoft.com/office/drawing/2014/main" id="{2AA02398-4909-C240-A02C-33AEC698F3D9}"/>
-              </a:ext>
-            </a:extLst>
-          </p:cNvPr>
-          <p:cNvSpPr/>
-          <p:nvPr/>
-        </p:nvSpPr>
-        <p:spPr>
-          <a:xfrm>
-            <a:off x="656999" y="5534080"/>
-            <a:ext cx="1224001" cy="196552"/>
-          </a:xfrm>
-          <a:prstGeom prst="rect">
-            <a:avLst/>
-          </a:prstGeom>
-          <a:noFill/>
-          <a:ln>
-            <a:noFill/>
-          </a:ln>
-        </p:spPr>
-        <p:style>
-          <a:lnRef idx="2">
-            <a:schemeClr val="accent1">
-              <a:shade val="50000"/>
-            </a:schemeClr>
-          </a:lnRef>
-          <a:fillRef idx="1">
-            <a:schemeClr val="accent1"/>
-          </a:fillRef>
-          <a:effectRef idx="0">
-            <a:schemeClr val="accent1"/>
-          </a:effectRef>
-          <a:fontRef idx="minor">
-            <a:schemeClr val="lt1"/>
-          </a:fontRef>
-        </p:style>
-        <p:txBody>
-          <a:bodyPr rtlCol="0" anchor="ctr"/>
-          <a:lstStyle/>
-          <a:p>
-            <a:pPr algn="ctr"/>
-            <a:r>
-              <a:rPr lang="en-US" sz="1200" dirty="0">
-                <a:solidFill>
-                  <a:schemeClr val="tx1"/>
-                </a:solidFill>
-              </a:rPr>
               <a:t>Acetyl-CoA</a:t>
             </a:r>
           </a:p>
@@ -6404,8 +4657,8 @@
         </p:nvSpPr>
         <p:spPr>
           <a:xfrm>
-            <a:off x="656999" y="6115893"/>
-            <a:ext cx="1224001" cy="276999"/>
+            <a:off x="1312193" y="6143422"/>
+            <a:ext cx="828023" cy="276999"/>
           </a:xfrm>
           <a:prstGeom prst="rect">
             <a:avLst/>
@@ -6452,14 +4705,14 @@
           <p:nvPr/>
         </p:nvPicPr>
         <p:blipFill>
-          <a:blip r:embed="rId3"/>
+          <a:blip r:embed="rId5"/>
           <a:stretch>
             <a:fillRect/>
           </a:stretch>
         </p:blipFill>
         <p:spPr>
           <a:xfrm>
-            <a:off x="2817001" y="4001396"/>
+            <a:off x="2817001" y="4157261"/>
             <a:ext cx="531846" cy="196552"/>
           </a:xfrm>
           <a:prstGeom prst="rect">
@@ -6482,14 +4735,14 @@
           <p:nvPr/>
         </p:nvPicPr>
         <p:blipFill>
-          <a:blip r:embed="rId4"/>
+          <a:blip r:embed="rId6"/>
           <a:stretch>
             <a:fillRect/>
           </a:stretch>
         </p:blipFill>
         <p:spPr>
           <a:xfrm>
-            <a:off x="2749619" y="271309"/>
+            <a:off x="2749619" y="136226"/>
             <a:ext cx="1355627" cy="297718"/>
           </a:xfrm>
           <a:prstGeom prst="rect">
@@ -6512,7 +4765,7 @@
           <p:nvPr/>
         </p:nvPicPr>
         <p:blipFill>
-          <a:blip r:embed="rId5"/>
+          <a:blip r:embed="rId7"/>
           <a:stretch>
             <a:fillRect/>
           </a:stretch>
@@ -6542,14 +4795,14 @@
           <p:nvPr/>
         </p:nvPicPr>
         <p:blipFill>
-          <a:blip r:embed="rId6"/>
+          <a:blip r:embed="rId8"/>
           <a:stretch>
             <a:fillRect/>
           </a:stretch>
         </p:blipFill>
         <p:spPr>
           <a:xfrm>
-            <a:off x="2622122" y="2649817"/>
+            <a:off x="2622122" y="2805682"/>
             <a:ext cx="748628" cy="271703"/>
           </a:xfrm>
           <a:prstGeom prst="rect">
@@ -6575,8 +4828,8 @@
         </p:nvCxnSpPr>
         <p:spPr>
           <a:xfrm>
-            <a:off x="3429000" y="779648"/>
-            <a:ext cx="0" cy="759528"/>
+            <a:off x="3429000" y="644565"/>
+            <a:ext cx="0" cy="894611"/>
           </a:xfrm>
           <a:prstGeom prst="straightConnector1">
             <a:avLst/>
@@ -6618,14 +4871,14 @@
           <p:nvPr/>
         </p:nvPicPr>
         <p:blipFill>
-          <a:blip r:embed="rId7"/>
+          <a:blip r:embed="rId9"/>
           <a:stretch>
             <a:fillRect/>
           </a:stretch>
         </p:blipFill>
         <p:spPr>
           <a:xfrm>
-            <a:off x="4934102" y="1462546"/>
+            <a:off x="4499917" y="1462546"/>
             <a:ext cx="963204" cy="350796"/>
           </a:xfrm>
           <a:prstGeom prst="rect">
@@ -6648,14 +4901,14 @@
           <p:nvPr/>
         </p:nvPicPr>
         <p:blipFill>
-          <a:blip r:embed="rId8"/>
+          <a:blip r:embed="rId10"/>
           <a:stretch>
             <a:fillRect/>
           </a:stretch>
         </p:blipFill>
         <p:spPr>
           <a:xfrm>
-            <a:off x="4934102" y="2753665"/>
+            <a:off x="4499917" y="2909530"/>
             <a:ext cx="963204" cy="434037"/>
           </a:xfrm>
           <a:prstGeom prst="rect">
@@ -6682,7 +4935,7 @@
         <p:spPr>
           <a:xfrm>
             <a:off x="3789000" y="1637452"/>
-            <a:ext cx="1145102" cy="492"/>
+            <a:ext cx="710917" cy="492"/>
           </a:xfrm>
           <a:prstGeom prst="straightConnector1">
             <a:avLst/>
@@ -6727,8 +4980,8 @@
         </p:nvCxnSpPr>
         <p:spPr>
           <a:xfrm>
-            <a:off x="5415704" y="1813342"/>
-            <a:ext cx="0" cy="940323"/>
+            <a:off x="4981519" y="1813342"/>
+            <a:ext cx="0" cy="1096188"/>
           </a:xfrm>
           <a:prstGeom prst="straightConnector1">
             <a:avLst/>
@@ -6773,8 +5026,8 @@
         </p:nvCxnSpPr>
         <p:spPr>
           <a:xfrm flipH="1" flipV="1">
-            <a:off x="3789000" y="2969452"/>
-            <a:ext cx="1145102" cy="1232"/>
+            <a:off x="3789000" y="3125317"/>
+            <a:ext cx="710917" cy="1232"/>
           </a:xfrm>
           <a:prstGeom prst="straightConnector1">
             <a:avLst/>
@@ -6816,9 +5069,9 @@
         <p:grpSpPr>
           <a:xfrm>
             <a:off x="3427433" y="1735728"/>
-            <a:ext cx="189570" cy="1164241"/>
+            <a:ext cx="189570" cy="1291313"/>
             <a:chOff x="3427433" y="1735728"/>
-            <a:chExt cx="189570" cy="1164241"/>
+            <a:chExt cx="189570" cy="1291313"/>
           </a:xfrm>
         </p:grpSpPr>
         <p:cxnSp>
@@ -6840,7 +5093,7 @@
           <p:spPr>
             <a:xfrm>
               <a:off x="3429000" y="1735728"/>
-              <a:ext cx="0" cy="1135448"/>
+              <a:ext cx="0" cy="1291313"/>
             </a:xfrm>
             <a:prstGeom prst="straightConnector1">
               <a:avLst/>
@@ -6932,10 +5185,10 @@
         </p:nvGrpSpPr>
         <p:grpSpPr>
           <a:xfrm>
-            <a:off x="3427433" y="3067728"/>
-            <a:ext cx="189570" cy="1204714"/>
-            <a:chOff x="3427433" y="3067728"/>
-            <a:chExt cx="189570" cy="1204714"/>
+            <a:off x="3427433" y="3223593"/>
+            <a:ext cx="189570" cy="1135448"/>
+            <a:chOff x="3427433" y="3223593"/>
+            <a:chExt cx="189570" cy="1135448"/>
           </a:xfrm>
         </p:grpSpPr>
         <p:cxnSp>
@@ -6956,7 +5209,7 @@
           </p:nvCxnSpPr>
           <p:spPr>
             <a:xfrm>
-              <a:off x="3429000" y="3067728"/>
+              <a:off x="3429000" y="3223593"/>
               <a:ext cx="0" cy="1135448"/>
             </a:xfrm>
             <a:prstGeom prst="straightConnector1">
@@ -7045,15 +5298,16 @@
             </a:extLst>
           </p:cNvPr>
           <p:cNvCxnSpPr>
-            <a:stCxn id="33" idx="1"/>
+            <a:cxnSpLocks/>
+            <a:stCxn id="62" idx="1"/>
             <a:endCxn id="77" idx="3"/>
           </p:cNvCxnSpPr>
           <p:nvPr/>
         </p:nvCxnSpPr>
         <p:spPr>
           <a:xfrm rot="10800000">
-            <a:off x="1629001" y="1642852"/>
-            <a:ext cx="1798433" cy="700310"/>
+            <a:off x="2086205" y="1642853"/>
+            <a:ext cx="1403218" cy="978257"/>
           </a:xfrm>
           <a:prstGeom prst="curvedConnector3">
             <a:avLst/>
@@ -7091,15 +5345,15 @@
           </p:cNvPr>
           <p:cNvCxnSpPr>
             <a:cxnSpLocks/>
-            <a:stCxn id="94" idx="1"/>
+            <a:stCxn id="64" idx="1"/>
             <a:endCxn id="77" idx="3"/>
           </p:cNvCxnSpPr>
           <p:nvPr/>
         </p:nvCxnSpPr>
         <p:spPr>
           <a:xfrm rot="10800000">
-            <a:off x="1629001" y="1642853"/>
-            <a:ext cx="1798433" cy="2072783"/>
+            <a:off x="2086206" y="1642852"/>
+            <a:ext cx="1372045" cy="2239004"/>
           </a:xfrm>
           <a:prstGeom prst="curvedConnector3">
             <a:avLst>
@@ -7146,8 +5400,8 @@
         </p:nvCxnSpPr>
         <p:spPr>
           <a:xfrm>
-            <a:off x="1269000" y="1741128"/>
-            <a:ext cx="1" cy="1135448"/>
+            <a:off x="1726205" y="1741128"/>
+            <a:ext cx="1" cy="1291313"/>
           </a:xfrm>
           <a:prstGeom prst="straightConnector1">
             <a:avLst/>
@@ -7192,7 +5446,7 @@
         </p:nvCxnSpPr>
         <p:spPr>
           <a:xfrm flipH="1">
-            <a:off x="1269000" y="3073128"/>
+            <a:off x="1726205" y="3228993"/>
             <a:ext cx="1" cy="1135448"/>
           </a:xfrm>
           <a:prstGeom prst="straightConnector1">
@@ -7238,7 +5492,7 @@
         </p:nvCxnSpPr>
         <p:spPr>
           <a:xfrm>
-            <a:off x="1269000" y="4405128"/>
+            <a:off x="1726205" y="4560993"/>
             <a:ext cx="0" cy="1128952"/>
           </a:xfrm>
           <a:prstGeom prst="straightConnector1">
@@ -7284,8 +5538,8 @@
         </p:nvCxnSpPr>
         <p:spPr>
           <a:xfrm>
-            <a:off x="1269000" y="5730632"/>
-            <a:ext cx="0" cy="385261"/>
+            <a:off x="1726205" y="5886497"/>
+            <a:ext cx="0" cy="256925"/>
           </a:xfrm>
           <a:prstGeom prst="straightConnector1">
             <a:avLst/>
@@ -7294,6 +5548,7 @@
             <a:solidFill>
               <a:schemeClr val="tx1"/>
             </a:solidFill>
+            <a:prstDash val="sysDash"/>
             <a:tailEnd type="triangle"/>
           </a:ln>
         </p:spPr>
@@ -7327,13 +5582,13 @@
           <p:nvPr/>
         </p:nvPicPr>
         <p:blipFill rotWithShape="1">
-          <a:blip r:embed="rId9"/>
+          <a:blip r:embed="rId11"/>
           <a:srcRect l="37668" t="11867" r="47270" b="78624"/>
           <a:stretch/>
         </p:blipFill>
         <p:spPr>
           <a:xfrm>
-            <a:off x="1052977" y="1183847"/>
+            <a:off x="1510182" y="1183847"/>
             <a:ext cx="432043" cy="385990"/>
           </a:xfrm>
           <a:prstGeom prst="rect">
@@ -7356,13 +5611,13 @@
           <p:nvPr/>
         </p:nvPicPr>
         <p:blipFill rotWithShape="1">
-          <a:blip r:embed="rId10"/>
+          <a:blip r:embed="rId12"/>
           <a:srcRect l="39531" t="12773" r="49146" b="81740"/>
           <a:stretch/>
         </p:blipFill>
         <p:spPr>
           <a:xfrm>
-            <a:off x="777575" y="2638151"/>
+            <a:off x="1234780" y="2794016"/>
             <a:ext cx="390762" cy="267989"/>
           </a:xfrm>
           <a:prstGeom prst="rect">
@@ -7385,13 +5640,13 @@
           <p:nvPr/>
         </p:nvPicPr>
         <p:blipFill rotWithShape="1">
-          <a:blip r:embed="rId11"/>
+          <a:blip r:embed="rId13"/>
           <a:srcRect l="39601" t="12967" r="47412" b="78803"/>
           <a:stretch/>
         </p:blipFill>
         <p:spPr>
           <a:xfrm>
-            <a:off x="760216" y="3844825"/>
+            <a:off x="1217421" y="4000690"/>
             <a:ext cx="405568" cy="363751"/>
           </a:xfrm>
           <a:prstGeom prst="rect">
@@ -7414,13 +5669,13 @@
           <p:nvPr/>
         </p:nvPicPr>
         <p:blipFill rotWithShape="1">
-          <a:blip r:embed="rId12"/>
+          <a:blip r:embed="rId14"/>
           <a:srcRect l="39602" t="12661" r="45142" b="79096"/>
           <a:stretch/>
         </p:blipFill>
         <p:spPr>
           <a:xfrm>
-            <a:off x="733124" y="5186047"/>
+            <a:off x="1190329" y="5341912"/>
             <a:ext cx="463668" cy="354529"/>
           </a:xfrm>
           <a:prstGeom prst="rect">
@@ -7442,7 +5697,7 @@
         </p:nvSpPr>
         <p:spPr>
           <a:xfrm>
-            <a:off x="5055704" y="4197948"/>
+            <a:off x="4621519" y="4353813"/>
             <a:ext cx="720000" cy="196552"/>
           </a:xfrm>
           <a:prstGeom prst="rect">
@@ -7503,8 +5758,8 @@
         </p:nvCxnSpPr>
         <p:spPr>
           <a:xfrm flipV="1">
-            <a:off x="3789000" y="4296224"/>
-            <a:ext cx="1266704" cy="5228"/>
+            <a:off x="3789000" y="4452089"/>
+            <a:ext cx="832519" cy="5228"/>
           </a:xfrm>
           <a:prstGeom prst="straightConnector1">
             <a:avLst/>
@@ -7546,7 +5801,7 @@
         </p:nvSpPr>
         <p:spPr>
           <a:xfrm>
-            <a:off x="4488897" y="5396159"/>
+            <a:off x="4179972" y="5552024"/>
             <a:ext cx="1853613" cy="461665"/>
           </a:xfrm>
           <a:prstGeom prst="rect">
@@ -7582,7 +5837,7 @@
         </p:nvSpPr>
         <p:spPr>
           <a:xfrm>
-            <a:off x="4488897" y="6546146"/>
+            <a:off x="4179972" y="6702011"/>
             <a:ext cx="1853613" cy="276999"/>
           </a:xfrm>
           <a:prstGeom prst="rect">
@@ -7618,8 +5873,8 @@
         </p:nvSpPr>
         <p:spPr>
           <a:xfrm>
-            <a:off x="4583494" y="7570276"/>
-            <a:ext cx="1664417" cy="276999"/>
+            <a:off x="4256546" y="7740111"/>
+            <a:ext cx="1542351" cy="276999"/>
           </a:xfrm>
           <a:prstGeom prst="rect">
             <a:avLst/>
@@ -7657,13 +5912,12 @@
           <p:cNvCxnSpPr>
             <a:cxnSpLocks/>
             <a:stCxn id="134" idx="2"/>
-            <a:endCxn id="138" idx="0"/>
           </p:cNvCxnSpPr>
           <p:nvPr/>
         </p:nvCxnSpPr>
         <p:spPr>
           <a:xfrm>
-            <a:off x="5415704" y="4394500"/>
+            <a:off x="4981519" y="4550365"/>
             <a:ext cx="0" cy="1001659"/>
           </a:xfrm>
           <a:prstGeom prst="straightConnector1">
@@ -7702,14 +5956,12 @@
           </p:cNvPr>
           <p:cNvCxnSpPr>
             <a:cxnSpLocks/>
-            <a:stCxn id="138" idx="2"/>
-            <a:endCxn id="139" idx="0"/>
           </p:cNvCxnSpPr>
           <p:nvPr/>
         </p:nvCxnSpPr>
         <p:spPr>
           <a:xfrm>
-            <a:off x="5415704" y="5857824"/>
+            <a:off x="4981519" y="6013689"/>
             <a:ext cx="0" cy="688322"/>
           </a:xfrm>
           <a:prstGeom prst="straightConnector1">
@@ -7748,15 +6000,13 @@
           </p:cNvPr>
           <p:cNvCxnSpPr>
             <a:cxnSpLocks/>
-            <a:stCxn id="139" idx="2"/>
-            <a:endCxn id="140" idx="0"/>
           </p:cNvCxnSpPr>
           <p:nvPr/>
         </p:nvCxnSpPr>
         <p:spPr>
-          <a:xfrm flipH="1">
-            <a:off x="5415703" y="6823145"/>
-            <a:ext cx="1" cy="747131"/>
+          <a:xfrm>
+            <a:off x="4981519" y="6979010"/>
+            <a:ext cx="0" cy="747131"/>
           </a:xfrm>
           <a:prstGeom prst="straightConnector1">
             <a:avLst/>
@@ -7797,8 +6047,8 @@
         </p:nvSpPr>
         <p:spPr>
           <a:xfrm>
-            <a:off x="2794080" y="7477942"/>
-            <a:ext cx="1266704" cy="461665"/>
+            <a:off x="2858278" y="7647778"/>
+            <a:ext cx="1138307" cy="461665"/>
           </a:xfrm>
           <a:prstGeom prst="rect">
             <a:avLst/>
@@ -7845,14 +6095,14 @@
           <p:nvPr/>
         </p:nvPicPr>
         <p:blipFill>
-          <a:blip r:embed="rId3"/>
+          <a:blip r:embed="rId5"/>
           <a:stretch>
             <a:fillRect/>
           </a:stretch>
         </p:blipFill>
         <p:spPr>
           <a:xfrm>
-            <a:off x="5149779" y="4003763"/>
+            <a:off x="4715594" y="4159628"/>
             <a:ext cx="531846" cy="196552"/>
           </a:xfrm>
           <a:prstGeom prst="rect">
@@ -7875,43 +6125,14 @@
           <p:nvPr/>
         </p:nvPicPr>
         <p:blipFill rotWithShape="1">
-          <a:blip r:embed="rId13"/>
+          <a:blip r:embed="rId15"/>
           <a:srcRect l="30910" t="10956" r="52121" b="72127"/>
           <a:stretch/>
         </p:blipFill>
         <p:spPr>
           <a:xfrm>
-            <a:off x="4955974" y="6067615"/>
+            <a:off x="4521789" y="6223480"/>
             <a:ext cx="375131" cy="529200"/>
-          </a:xfrm>
-          <a:prstGeom prst="rect">
-            <a:avLst/>
-          </a:prstGeom>
-        </p:spPr>
-      </p:pic>
-      <p:pic>
-        <p:nvPicPr>
-          <p:cNvPr id="154" name="Picture 153">
-            <a:extLst>
-              <a:ext uri="{FF2B5EF4-FFF2-40B4-BE49-F238E27FC236}">
-                <a16:creationId xmlns:a16="http://schemas.microsoft.com/office/drawing/2014/main" id="{9D9B0149-2582-B642-B921-D3ADB2C1A41C}"/>
-              </a:ext>
-            </a:extLst>
-          </p:cNvPr>
-          <p:cNvPicPr>
-            <a:picLocks noChangeAspect="1"/>
-          </p:cNvPicPr>
-          <p:nvPr/>
-        </p:nvPicPr>
-        <p:blipFill rotWithShape="1">
-          <a:blip r:embed="rId14"/>
-          <a:srcRect l="23462" t="5905" r="51332" b="80076"/>
-          <a:stretch/>
-        </p:blipFill>
-        <p:spPr>
-          <a:xfrm>
-            <a:off x="6134814" y="7430790"/>
-            <a:ext cx="529200" cy="416485"/>
           </a:xfrm>
           <a:prstGeom prst="rect">
             <a:avLst/>
@@ -7933,14 +6154,14 @@
           <p:nvPr/>
         </p:nvPicPr>
         <p:blipFill>
-          <a:blip r:embed="rId15"/>
+          <a:blip r:embed="rId16"/>
           <a:stretch>
             <a:fillRect/>
           </a:stretch>
         </p:blipFill>
         <p:spPr>
           <a:xfrm>
-            <a:off x="4801905" y="5166087"/>
+            <a:off x="3714596" y="5673967"/>
             <a:ext cx="529200" cy="276908"/>
           </a:xfrm>
           <a:prstGeom prst="rect">
@@ -7965,9 +6186,9 @@
           <p:nvPr/>
         </p:nvCxnSpPr>
         <p:spPr>
-          <a:xfrm flipH="1" flipV="1">
-            <a:off x="4060784" y="7708775"/>
-            <a:ext cx="522710" cy="1"/>
+          <a:xfrm flipH="1">
+            <a:off x="3996585" y="7878611"/>
+            <a:ext cx="259961" cy="0"/>
           </a:xfrm>
           <a:prstGeom prst="straightConnector1">
             <a:avLst/>
@@ -7976,6 +6197,7 @@
             <a:solidFill>
               <a:schemeClr val="tx1"/>
             </a:solidFill>
+            <a:prstDash val="sysDash"/>
             <a:tailEnd type="triangle"/>
           </a:ln>
         </p:spPr>
@@ -8008,8 +6230,8 @@
         </p:nvSpPr>
         <p:spPr>
           <a:xfrm>
-            <a:off x="3393588" y="4063522"/>
-            <a:ext cx="1999288" cy="276999"/>
+            <a:off x="3144814" y="4069751"/>
+            <a:ext cx="1999288" cy="400110"/>
           </a:xfrm>
           <a:prstGeom prst="rect">
             <a:avLst/>
@@ -8024,8 +6246,15 @@
           <a:p>
             <a:pPr algn="ctr"/>
             <a:r>
-              <a:rPr lang="en-US" sz="1200" dirty="0"/>
-              <a:t>TRAP transporter</a:t>
+              <a:rPr lang="en-US" sz="1000" dirty="0"/>
+              <a:t>TRAP </a:t>
+            </a:r>
+          </a:p>
+          <a:p>
+            <a:pPr algn="ctr"/>
+            <a:r>
+              <a:rPr lang="en-US" sz="1000" dirty="0"/>
+              <a:t>transporter</a:t>
             </a:r>
           </a:p>
         </p:txBody>
@@ -8045,15 +6274,15 @@
           <p:nvPr/>
         </p:nvPicPr>
         <p:blipFill>
-          <a:blip r:embed="rId16"/>
+          <a:blip r:embed="rId17"/>
           <a:stretch>
             <a:fillRect/>
           </a:stretch>
         </p:blipFill>
         <p:spPr>
           <a:xfrm>
-            <a:off x="3471174" y="811529"/>
-            <a:ext cx="405083" cy="687600"/>
+            <a:off x="3471174" y="676445"/>
+            <a:ext cx="486845" cy="826385"/>
           </a:xfrm>
           <a:prstGeom prst="rect">
             <a:avLst/>
@@ -8075,36 +6304,6 @@
           <p:nvPr/>
         </p:nvPicPr>
         <p:blipFill>
-          <a:blip r:embed="rId17"/>
-          <a:stretch>
-            <a:fillRect/>
-          </a:stretch>
-        </p:blipFill>
-        <p:spPr>
-          <a:xfrm>
-            <a:off x="3470607" y="2207109"/>
-            <a:ext cx="438319" cy="687600"/>
-          </a:xfrm>
-          <a:prstGeom prst="rect">
-            <a:avLst/>
-          </a:prstGeom>
-        </p:spPr>
-      </p:pic>
-      <p:pic>
-        <p:nvPicPr>
-          <p:cNvPr id="64" name="Picture 63">
-            <a:extLst>
-              <a:ext uri="{FF2B5EF4-FFF2-40B4-BE49-F238E27FC236}">
-                <a16:creationId xmlns:a16="http://schemas.microsoft.com/office/drawing/2014/main" id="{A2A1FE61-F9F7-9147-9266-4578CBB9B6DA}"/>
-              </a:ext>
-            </a:extLst>
-          </p:cNvPr>
-          <p:cNvPicPr>
-            <a:picLocks noChangeAspect="1"/>
-          </p:cNvPicPr>
-          <p:nvPr/>
-        </p:nvPicPr>
-        <p:blipFill>
           <a:blip r:embed="rId18"/>
           <a:stretch>
             <a:fillRect/>
@@ -8112,8 +6311,8 @@
         </p:blipFill>
         <p:spPr>
           <a:xfrm>
-            <a:off x="3470607" y="3384728"/>
-            <a:ext cx="385293" cy="687600"/>
+            <a:off x="3489423" y="2207109"/>
+            <a:ext cx="527819" cy="828000"/>
           </a:xfrm>
           <a:prstGeom prst="rect">
             <a:avLst/>
@@ -8142,8 +6341,8 @@
         </p:blipFill>
         <p:spPr>
           <a:xfrm>
-            <a:off x="1310607" y="1942896"/>
-            <a:ext cx="433085" cy="687600"/>
+            <a:off x="1767811" y="1972784"/>
+            <a:ext cx="521516" cy="828000"/>
           </a:xfrm>
           <a:prstGeom prst="rect">
             <a:avLst/>
@@ -8172,8 +6371,8 @@
         </p:blipFill>
         <p:spPr>
           <a:xfrm>
-            <a:off x="1310607" y="3274896"/>
-            <a:ext cx="433085" cy="687600"/>
+            <a:off x="1767811" y="3378405"/>
+            <a:ext cx="521516" cy="828000"/>
           </a:xfrm>
           <a:prstGeom prst="rect">
             <a:avLst/>
@@ -8202,8 +6401,8 @@
         </p:blipFill>
         <p:spPr>
           <a:xfrm>
-            <a:off x="1313562" y="4625804"/>
-            <a:ext cx="438319" cy="687600"/>
+            <a:off x="1768757" y="4711469"/>
+            <a:ext cx="527819" cy="828000"/>
           </a:xfrm>
           <a:prstGeom prst="rect">
             <a:avLst/>
@@ -8232,8 +6431,8 @@
         </p:blipFill>
         <p:spPr>
           <a:xfrm>
-            <a:off x="4801905" y="4406773"/>
-            <a:ext cx="568979" cy="687600"/>
+            <a:off x="4254110" y="4560524"/>
+            <a:ext cx="685158" cy="828000"/>
           </a:xfrm>
           <a:prstGeom prst="rect">
             <a:avLst/>
@@ -8262,8 +6461,8 @@
         </p:blipFill>
         <p:spPr>
           <a:xfrm>
-            <a:off x="5461907" y="4404280"/>
-            <a:ext cx="568800" cy="709492"/>
+            <a:off x="5028556" y="4560524"/>
+            <a:ext cx="663808" cy="828000"/>
           </a:xfrm>
           <a:prstGeom prst="rect">
             <a:avLst/>
@@ -8292,8 +6491,8 @@
         </p:blipFill>
         <p:spPr>
           <a:xfrm>
-            <a:off x="5461907" y="5838733"/>
-            <a:ext cx="585112" cy="687600"/>
+            <a:off x="5040381" y="5943850"/>
+            <a:ext cx="704585" cy="828000"/>
           </a:xfrm>
           <a:prstGeom prst="rect">
             <a:avLst/>
@@ -8322,8 +6521,8 @@
         </p:blipFill>
         <p:spPr>
           <a:xfrm>
-            <a:off x="4954377" y="6845585"/>
-            <a:ext cx="424221" cy="687600"/>
+            <a:off x="4424970" y="6948158"/>
+            <a:ext cx="510842" cy="828000"/>
           </a:xfrm>
           <a:prstGeom prst="rect">
             <a:avLst/>
@@ -8352,8 +6551,8 @@
         </p:blipFill>
         <p:spPr>
           <a:xfrm>
-            <a:off x="5474869" y="6839916"/>
-            <a:ext cx="568979" cy="687600"/>
+            <a:off x="5040381" y="6950543"/>
+            <a:ext cx="685158" cy="828000"/>
           </a:xfrm>
           <a:prstGeom prst="rect">
             <a:avLst/>
@@ -8382,8 +6581,8 @@
         </p:blipFill>
         <p:spPr>
           <a:xfrm>
-            <a:off x="0" y="0"/>
-            <a:ext cx="1367349" cy="541037"/>
+            <a:off x="4547610" y="273928"/>
+            <a:ext cx="1164750" cy="460872"/>
           </a:xfrm>
           <a:prstGeom prst="rect">
             <a:avLst/>
@@ -8412,8 +6611,8 @@
         </p:blipFill>
         <p:spPr>
           <a:xfrm>
-            <a:off x="0" y="541037"/>
-            <a:ext cx="1371600" cy="542719"/>
+            <a:off x="4547609" y="740601"/>
+            <a:ext cx="1168372" cy="462305"/>
           </a:xfrm>
           <a:prstGeom prst="rect">
             <a:avLst/>
@@ -8442,7 +6641,7 @@
         </p:blipFill>
         <p:spPr>
           <a:xfrm>
-            <a:off x="4838598" y="1818662"/>
+            <a:off x="4404413" y="1818662"/>
             <a:ext cx="1080000" cy="242135"/>
           </a:xfrm>
           <a:prstGeom prst="rect">
@@ -8472,7 +6671,7 @@
         </p:blipFill>
         <p:spPr>
           <a:xfrm>
-            <a:off x="4838598" y="3190246"/>
+            <a:off x="4404413" y="3346111"/>
             <a:ext cx="1080000" cy="242135"/>
           </a:xfrm>
           <a:prstGeom prst="rect">
@@ -8562,7 +6761,7 @@
         </p:blipFill>
         <p:spPr>
           <a:xfrm>
-            <a:off x="2832648" y="3067354"/>
+            <a:off x="2832648" y="3223219"/>
             <a:ext cx="1080000" cy="242135"/>
           </a:xfrm>
           <a:prstGeom prst="rect">
@@ -8592,7 +6791,7 @@
         </p:blipFill>
         <p:spPr>
           <a:xfrm>
-            <a:off x="2828926" y="4394557"/>
+            <a:off x="2828926" y="4550422"/>
             <a:ext cx="1080000" cy="242135"/>
           </a:xfrm>
           <a:prstGeom prst="rect">
@@ -8622,7 +6821,7 @@
         </p:blipFill>
         <p:spPr>
           <a:xfrm>
-            <a:off x="2830160" y="4626385"/>
+            <a:off x="2830160" y="4782250"/>
             <a:ext cx="1080000" cy="242135"/>
           </a:xfrm>
           <a:prstGeom prst="rect">
@@ -8652,7 +6851,7 @@
         </p:blipFill>
         <p:spPr>
           <a:xfrm>
-            <a:off x="2823981" y="4855979"/>
+            <a:off x="2823981" y="5011844"/>
             <a:ext cx="1080000" cy="242135"/>
           </a:xfrm>
           <a:prstGeom prst="rect">
@@ -8664,2596 +6863,6 @@
     <p:extLst>
       <p:ext uri="{BB962C8B-B14F-4D97-AF65-F5344CB8AC3E}">
         <p14:creationId xmlns:p14="http://schemas.microsoft.com/office/powerpoint/2010/main" val="3126049724"/>
-      </p:ext>
-    </p:extLst>
-  </p:cSld>
-  <p:clrMapOvr>
-    <a:masterClrMapping/>
-  </p:clrMapOvr>
-</p:sld>
-</file>
-
-<file path=ppt/slides/slide3.xml><?xml version="1.0" encoding="utf-8"?>
-<p:sld xmlns:a="http://schemas.openxmlformats.org/drawingml/2006/main" xmlns:r="http://schemas.openxmlformats.org/officeDocument/2006/relationships" xmlns:p="http://schemas.openxmlformats.org/presentationml/2006/main">
-  <p:cSld>
-    <p:spTree>
-      <p:nvGrpSpPr>
-        <p:cNvPr id="1" name=""/>
-        <p:cNvGrpSpPr/>
-        <p:nvPr/>
-      </p:nvGrpSpPr>
-      <p:grpSpPr>
-        <a:xfrm>
-          <a:off x="0" y="0"/>
-          <a:ext cx="0" cy="0"/>
-          <a:chOff x="0" y="0"/>
-          <a:chExt cx="0" cy="0"/>
-        </a:xfrm>
-      </p:grpSpPr>
-      <p:sp>
-        <p:nvSpPr>
-          <p:cNvPr id="2" name="Rectangle 1">
-            <a:extLst>
-              <a:ext uri="{FF2B5EF4-FFF2-40B4-BE49-F238E27FC236}">
-                <a16:creationId xmlns:a16="http://schemas.microsoft.com/office/drawing/2014/main" id="{4667F864-1E5A-0844-9F5B-88AACC8AB7C9}"/>
-              </a:ext>
-            </a:extLst>
-          </p:cNvPr>
-          <p:cNvSpPr/>
-          <p:nvPr/>
-        </p:nvSpPr>
-        <p:spPr>
-          <a:xfrm>
-            <a:off x="0" y="583096"/>
-            <a:ext cx="6858000" cy="1332000"/>
-          </a:xfrm>
-          <a:prstGeom prst="rect">
-            <a:avLst/>
-          </a:prstGeom>
-          <a:noFill/>
-          <a:ln>
-            <a:solidFill>
-              <a:schemeClr val="tx1"/>
-            </a:solidFill>
-          </a:ln>
-        </p:spPr>
-        <p:style>
-          <a:lnRef idx="2">
-            <a:schemeClr val="accent1">
-              <a:shade val="50000"/>
-            </a:schemeClr>
-          </a:lnRef>
-          <a:fillRef idx="1">
-            <a:schemeClr val="accent1"/>
-          </a:fillRef>
-          <a:effectRef idx="0">
-            <a:schemeClr val="accent1"/>
-          </a:effectRef>
-          <a:fontRef idx="minor">
-            <a:schemeClr val="lt1"/>
-          </a:fontRef>
-        </p:style>
-        <p:txBody>
-          <a:bodyPr rtlCol="0" anchor="ctr"/>
-          <a:lstStyle/>
-          <a:p>
-            <a:pPr algn="ctr"/>
-            <a:endParaRPr lang="en-US"/>
-          </a:p>
-        </p:txBody>
-      </p:sp>
-      <p:sp>
-        <p:nvSpPr>
-          <p:cNvPr id="61" name="Rectangle 60">
-            <a:extLst>
-              <a:ext uri="{FF2B5EF4-FFF2-40B4-BE49-F238E27FC236}">
-                <a16:creationId xmlns:a16="http://schemas.microsoft.com/office/drawing/2014/main" id="{4880B589-D67A-BD49-B5BD-597CDB13DD7A}"/>
-              </a:ext>
-            </a:extLst>
-          </p:cNvPr>
-          <p:cNvSpPr/>
-          <p:nvPr/>
-        </p:nvSpPr>
-        <p:spPr>
-          <a:xfrm>
-            <a:off x="0" y="1915096"/>
-            <a:ext cx="6858000" cy="1332000"/>
-          </a:xfrm>
-          <a:prstGeom prst="rect">
-            <a:avLst/>
-          </a:prstGeom>
-          <a:noFill/>
-          <a:ln>
-            <a:solidFill>
-              <a:schemeClr val="tx1"/>
-            </a:solidFill>
-          </a:ln>
-        </p:spPr>
-        <p:style>
-          <a:lnRef idx="2">
-            <a:schemeClr val="accent1">
-              <a:shade val="50000"/>
-            </a:schemeClr>
-          </a:lnRef>
-          <a:fillRef idx="1">
-            <a:schemeClr val="accent1"/>
-          </a:fillRef>
-          <a:effectRef idx="0">
-            <a:schemeClr val="accent1"/>
-          </a:effectRef>
-          <a:fontRef idx="minor">
-            <a:schemeClr val="lt1"/>
-          </a:fontRef>
-        </p:style>
-        <p:txBody>
-          <a:bodyPr rtlCol="0" anchor="ctr"/>
-          <a:lstStyle/>
-          <a:p>
-            <a:pPr algn="ctr"/>
-            <a:endParaRPr lang="en-US"/>
-          </a:p>
-        </p:txBody>
-      </p:sp>
-      <p:sp>
-        <p:nvSpPr>
-          <p:cNvPr id="65" name="Rectangle 64">
-            <a:extLst>
-              <a:ext uri="{FF2B5EF4-FFF2-40B4-BE49-F238E27FC236}">
-                <a16:creationId xmlns:a16="http://schemas.microsoft.com/office/drawing/2014/main" id="{66F17DCE-A85B-7348-92E4-5FBB0DA85840}"/>
-              </a:ext>
-            </a:extLst>
-          </p:cNvPr>
-          <p:cNvSpPr/>
-          <p:nvPr/>
-        </p:nvSpPr>
-        <p:spPr>
-          <a:xfrm>
-            <a:off x="0" y="3247096"/>
-            <a:ext cx="6858000" cy="1332000"/>
-          </a:xfrm>
-          <a:prstGeom prst="rect">
-            <a:avLst/>
-          </a:prstGeom>
-          <a:noFill/>
-          <a:ln>
-            <a:solidFill>
-              <a:schemeClr val="tx1"/>
-            </a:solidFill>
-          </a:ln>
-        </p:spPr>
-        <p:style>
-          <a:lnRef idx="2">
-            <a:schemeClr val="accent1">
-              <a:shade val="50000"/>
-            </a:schemeClr>
-          </a:lnRef>
-          <a:fillRef idx="1">
-            <a:schemeClr val="accent1"/>
-          </a:fillRef>
-          <a:effectRef idx="0">
-            <a:schemeClr val="accent1"/>
-          </a:effectRef>
-          <a:fontRef idx="minor">
-            <a:schemeClr val="lt1"/>
-          </a:fontRef>
-        </p:style>
-        <p:txBody>
-          <a:bodyPr rtlCol="0" anchor="ctr"/>
-          <a:lstStyle/>
-          <a:p>
-            <a:pPr algn="ctr"/>
-            <a:endParaRPr lang="en-US"/>
-          </a:p>
-        </p:txBody>
-      </p:sp>
-      <p:sp>
-        <p:nvSpPr>
-          <p:cNvPr id="66" name="Rectangle 65">
-            <a:extLst>
-              <a:ext uri="{FF2B5EF4-FFF2-40B4-BE49-F238E27FC236}">
-                <a16:creationId xmlns:a16="http://schemas.microsoft.com/office/drawing/2014/main" id="{F6E98306-2953-144F-82C5-FC219827201B}"/>
-              </a:ext>
-            </a:extLst>
-          </p:cNvPr>
-          <p:cNvSpPr/>
-          <p:nvPr/>
-        </p:nvSpPr>
-        <p:spPr>
-          <a:xfrm>
-            <a:off x="0" y="4579096"/>
-            <a:ext cx="6858000" cy="1332000"/>
-          </a:xfrm>
-          <a:prstGeom prst="rect">
-            <a:avLst/>
-          </a:prstGeom>
-          <a:noFill/>
-          <a:ln>
-            <a:solidFill>
-              <a:schemeClr val="tx1"/>
-            </a:solidFill>
-          </a:ln>
-        </p:spPr>
-        <p:style>
-          <a:lnRef idx="2">
-            <a:schemeClr val="accent1">
-              <a:shade val="50000"/>
-            </a:schemeClr>
-          </a:lnRef>
-          <a:fillRef idx="1">
-            <a:schemeClr val="accent1"/>
-          </a:fillRef>
-          <a:effectRef idx="0">
-            <a:schemeClr val="accent1"/>
-          </a:effectRef>
-          <a:fontRef idx="minor">
-            <a:schemeClr val="lt1"/>
-          </a:fontRef>
-        </p:style>
-        <p:txBody>
-          <a:bodyPr rtlCol="0" anchor="ctr"/>
-          <a:lstStyle/>
-          <a:p>
-            <a:pPr algn="ctr"/>
-            <a:endParaRPr lang="en-US"/>
-          </a:p>
-        </p:txBody>
-      </p:sp>
-      <p:sp>
-        <p:nvSpPr>
-          <p:cNvPr id="67" name="Rectangle 66">
-            <a:extLst>
-              <a:ext uri="{FF2B5EF4-FFF2-40B4-BE49-F238E27FC236}">
-                <a16:creationId xmlns:a16="http://schemas.microsoft.com/office/drawing/2014/main" id="{4D7054E8-6C4F-514F-86BC-307AFE76C3A0}"/>
-              </a:ext>
-            </a:extLst>
-          </p:cNvPr>
-          <p:cNvSpPr/>
-          <p:nvPr/>
-        </p:nvSpPr>
-        <p:spPr>
-          <a:xfrm>
-            <a:off x="0" y="5911096"/>
-            <a:ext cx="6858000" cy="1332000"/>
-          </a:xfrm>
-          <a:prstGeom prst="rect">
-            <a:avLst/>
-          </a:prstGeom>
-          <a:noFill/>
-          <a:ln>
-            <a:solidFill>
-              <a:schemeClr val="tx1"/>
-            </a:solidFill>
-          </a:ln>
-        </p:spPr>
-        <p:style>
-          <a:lnRef idx="2">
-            <a:schemeClr val="accent1">
-              <a:shade val="50000"/>
-            </a:schemeClr>
-          </a:lnRef>
-          <a:fillRef idx="1">
-            <a:schemeClr val="accent1"/>
-          </a:fillRef>
-          <a:effectRef idx="0">
-            <a:schemeClr val="accent1"/>
-          </a:effectRef>
-          <a:fontRef idx="minor">
-            <a:schemeClr val="lt1"/>
-          </a:fontRef>
-        </p:style>
-        <p:txBody>
-          <a:bodyPr rtlCol="0" anchor="ctr"/>
-          <a:lstStyle/>
-          <a:p>
-            <a:pPr algn="ctr"/>
-            <a:endParaRPr lang="en-US"/>
-          </a:p>
-        </p:txBody>
-      </p:sp>
-      <p:sp>
-        <p:nvSpPr>
-          <p:cNvPr id="68" name="Rectangle 67">
-            <a:extLst>
-              <a:ext uri="{FF2B5EF4-FFF2-40B4-BE49-F238E27FC236}">
-                <a16:creationId xmlns:a16="http://schemas.microsoft.com/office/drawing/2014/main" id="{65A1B327-2A24-9C43-9680-FF940B02D08A}"/>
-              </a:ext>
-            </a:extLst>
-          </p:cNvPr>
-          <p:cNvSpPr/>
-          <p:nvPr/>
-        </p:nvSpPr>
-        <p:spPr>
-          <a:xfrm>
-            <a:off x="0" y="7243096"/>
-            <a:ext cx="6858000" cy="1332000"/>
-          </a:xfrm>
-          <a:prstGeom prst="rect">
-            <a:avLst/>
-          </a:prstGeom>
-          <a:noFill/>
-          <a:ln>
-            <a:solidFill>
-              <a:schemeClr val="tx1"/>
-            </a:solidFill>
-          </a:ln>
-        </p:spPr>
-        <p:style>
-          <a:lnRef idx="2">
-            <a:schemeClr val="accent1">
-              <a:shade val="50000"/>
-            </a:schemeClr>
-          </a:lnRef>
-          <a:fillRef idx="1">
-            <a:schemeClr val="accent1"/>
-          </a:fillRef>
-          <a:effectRef idx="0">
-            <a:schemeClr val="accent1"/>
-          </a:effectRef>
-          <a:fontRef idx="minor">
-            <a:schemeClr val="lt1"/>
-          </a:fontRef>
-        </p:style>
-        <p:txBody>
-          <a:bodyPr rtlCol="0" anchor="ctr"/>
-          <a:lstStyle/>
-          <a:p>
-            <a:pPr algn="ctr"/>
-            <a:endParaRPr lang="en-US"/>
-          </a:p>
-        </p:txBody>
-      </p:sp>
-      <p:sp>
-        <p:nvSpPr>
-          <p:cNvPr id="69" name="Rectangle 68">
-            <a:extLst>
-              <a:ext uri="{FF2B5EF4-FFF2-40B4-BE49-F238E27FC236}">
-                <a16:creationId xmlns:a16="http://schemas.microsoft.com/office/drawing/2014/main" id="{CB15F6EB-DFFE-914F-8019-580B526F7C69}"/>
-              </a:ext>
-            </a:extLst>
-          </p:cNvPr>
-          <p:cNvSpPr/>
-          <p:nvPr/>
-        </p:nvSpPr>
-        <p:spPr>
-          <a:xfrm>
-            <a:off x="0" y="8575096"/>
-            <a:ext cx="6858000" cy="1332000"/>
-          </a:xfrm>
-          <a:prstGeom prst="rect">
-            <a:avLst/>
-          </a:prstGeom>
-          <a:noFill/>
-          <a:ln>
-            <a:solidFill>
-              <a:schemeClr val="tx1"/>
-            </a:solidFill>
-          </a:ln>
-        </p:spPr>
-        <p:style>
-          <a:lnRef idx="2">
-            <a:schemeClr val="accent1">
-              <a:shade val="50000"/>
-            </a:schemeClr>
-          </a:lnRef>
-          <a:fillRef idx="1">
-            <a:schemeClr val="accent1"/>
-          </a:fillRef>
-          <a:effectRef idx="0">
-            <a:schemeClr val="accent1"/>
-          </a:effectRef>
-          <a:fontRef idx="minor">
-            <a:schemeClr val="lt1"/>
-          </a:fontRef>
-        </p:style>
-        <p:txBody>
-          <a:bodyPr rtlCol="0" anchor="ctr"/>
-          <a:lstStyle/>
-          <a:p>
-            <a:pPr algn="ctr"/>
-            <a:endParaRPr lang="en-US"/>
-          </a:p>
-        </p:txBody>
-      </p:sp>
-      <p:sp>
-        <p:nvSpPr>
-          <p:cNvPr id="70" name="Rectangle 69">
-            <a:extLst>
-              <a:ext uri="{FF2B5EF4-FFF2-40B4-BE49-F238E27FC236}">
-                <a16:creationId xmlns:a16="http://schemas.microsoft.com/office/drawing/2014/main" id="{D2C07313-8FA3-2543-8039-EBD29B47254A}"/>
-              </a:ext>
-            </a:extLst>
-          </p:cNvPr>
-          <p:cNvSpPr/>
-          <p:nvPr/>
-        </p:nvSpPr>
-        <p:spPr>
-          <a:xfrm>
-            <a:off x="2349000" y="577696"/>
-            <a:ext cx="2160000" cy="9328304"/>
-          </a:xfrm>
-          <a:prstGeom prst="rect">
-            <a:avLst/>
-          </a:prstGeom>
-          <a:noFill/>
-          <a:ln>
-            <a:solidFill>
-              <a:schemeClr val="tx1"/>
-            </a:solidFill>
-          </a:ln>
-        </p:spPr>
-        <p:style>
-          <a:lnRef idx="2">
-            <a:schemeClr val="accent1">
-              <a:shade val="50000"/>
-            </a:schemeClr>
-          </a:lnRef>
-          <a:fillRef idx="1">
-            <a:schemeClr val="accent1"/>
-          </a:fillRef>
-          <a:effectRef idx="0">
-            <a:schemeClr val="accent1"/>
-          </a:effectRef>
-          <a:fontRef idx="minor">
-            <a:schemeClr val="lt1"/>
-          </a:fontRef>
-        </p:style>
-        <p:txBody>
-          <a:bodyPr rtlCol="0" anchor="ctr"/>
-          <a:lstStyle/>
-          <a:p>
-            <a:pPr algn="ctr"/>
-            <a:endParaRPr lang="en-US"/>
-          </a:p>
-        </p:txBody>
-      </p:sp>
-      <p:sp>
-        <p:nvSpPr>
-          <p:cNvPr id="71" name="Rectangle 70">
-            <a:extLst>
-              <a:ext uri="{FF2B5EF4-FFF2-40B4-BE49-F238E27FC236}">
-                <a16:creationId xmlns:a16="http://schemas.microsoft.com/office/drawing/2014/main" id="{38FF2FC2-CE29-214A-ADED-997E7BCF3D32}"/>
-              </a:ext>
-            </a:extLst>
-          </p:cNvPr>
-          <p:cNvSpPr/>
-          <p:nvPr/>
-        </p:nvSpPr>
-        <p:spPr>
-          <a:xfrm>
-            <a:off x="4509000" y="577696"/>
-            <a:ext cx="2160000" cy="9328304"/>
-          </a:xfrm>
-          <a:prstGeom prst="rect">
-            <a:avLst/>
-          </a:prstGeom>
-          <a:noFill/>
-          <a:ln>
-            <a:solidFill>
-              <a:schemeClr val="tx1"/>
-            </a:solidFill>
-          </a:ln>
-        </p:spPr>
-        <p:style>
-          <a:lnRef idx="2">
-            <a:schemeClr val="accent1">
-              <a:shade val="50000"/>
-            </a:schemeClr>
-          </a:lnRef>
-          <a:fillRef idx="1">
-            <a:schemeClr val="accent1"/>
-          </a:fillRef>
-          <a:effectRef idx="0">
-            <a:schemeClr val="accent1"/>
-          </a:effectRef>
-          <a:fontRef idx="minor">
-            <a:schemeClr val="lt1"/>
-          </a:fontRef>
-        </p:style>
-        <p:txBody>
-          <a:bodyPr rtlCol="0" anchor="ctr"/>
-          <a:lstStyle/>
-          <a:p>
-            <a:pPr algn="ctr"/>
-            <a:endParaRPr lang="en-US"/>
-          </a:p>
-        </p:txBody>
-      </p:sp>
-      <p:sp>
-        <p:nvSpPr>
-          <p:cNvPr id="72" name="Rectangle 71">
-            <a:extLst>
-              <a:ext uri="{FF2B5EF4-FFF2-40B4-BE49-F238E27FC236}">
-                <a16:creationId xmlns:a16="http://schemas.microsoft.com/office/drawing/2014/main" id="{75F9002A-70ED-304F-8449-643321555743}"/>
-              </a:ext>
-            </a:extLst>
-          </p:cNvPr>
-          <p:cNvSpPr/>
-          <p:nvPr/>
-        </p:nvSpPr>
-        <p:spPr>
-          <a:xfrm>
-            <a:off x="189000" y="577696"/>
-            <a:ext cx="2160000" cy="9328304"/>
-          </a:xfrm>
-          <a:prstGeom prst="rect">
-            <a:avLst/>
-          </a:prstGeom>
-          <a:noFill/>
-          <a:ln>
-            <a:solidFill>
-              <a:schemeClr val="tx1"/>
-            </a:solidFill>
-          </a:ln>
-        </p:spPr>
-        <p:style>
-          <a:lnRef idx="2">
-            <a:schemeClr val="accent1">
-              <a:shade val="50000"/>
-            </a:schemeClr>
-          </a:lnRef>
-          <a:fillRef idx="1">
-            <a:schemeClr val="accent1"/>
-          </a:fillRef>
-          <a:effectRef idx="0">
-            <a:schemeClr val="accent1"/>
-          </a:effectRef>
-          <a:fontRef idx="minor">
-            <a:schemeClr val="lt1"/>
-          </a:fontRef>
-        </p:style>
-        <p:txBody>
-          <a:bodyPr rtlCol="0" anchor="ctr"/>
-          <a:lstStyle/>
-          <a:p>
-            <a:pPr algn="ctr"/>
-            <a:endParaRPr lang="en-US"/>
-          </a:p>
-        </p:txBody>
-      </p:sp>
-    </p:spTree>
-    <p:extLst>
-      <p:ext uri="{BB962C8B-B14F-4D97-AF65-F5344CB8AC3E}">
-        <p14:creationId xmlns:p14="http://schemas.microsoft.com/office/powerpoint/2010/main" val="4028883597"/>
-      </p:ext>
-    </p:extLst>
-  </p:cSld>
-  <p:clrMapOvr>
-    <a:masterClrMapping/>
-  </p:clrMapOvr>
-</p:sld>
-</file>
-
-<file path=ppt/slides/slide4.xml><?xml version="1.0" encoding="utf-8"?>
-<p:sld xmlns:a="http://schemas.openxmlformats.org/drawingml/2006/main" xmlns:r="http://schemas.openxmlformats.org/officeDocument/2006/relationships" xmlns:p="http://schemas.openxmlformats.org/presentationml/2006/main">
-  <p:cSld>
-    <p:spTree>
-      <p:nvGrpSpPr>
-        <p:cNvPr id="1" name=""/>
-        <p:cNvGrpSpPr/>
-        <p:nvPr/>
-      </p:nvGrpSpPr>
-      <p:grpSpPr>
-        <a:xfrm>
-          <a:off x="0" y="0"/>
-          <a:ext cx="0" cy="0"/>
-          <a:chOff x="0" y="0"/>
-          <a:chExt cx="0" cy="0"/>
-        </a:xfrm>
-      </p:grpSpPr>
-      <p:cxnSp>
-        <p:nvCxnSpPr>
-          <p:cNvPr id="41" name="Curved Connector 40">
-            <a:extLst>
-              <a:ext uri="{FF2B5EF4-FFF2-40B4-BE49-F238E27FC236}">
-                <a16:creationId xmlns:a16="http://schemas.microsoft.com/office/drawing/2014/main" id="{5455D399-01A5-AA4A-86AF-EC146FE881FE}"/>
-              </a:ext>
-            </a:extLst>
-          </p:cNvPr>
-          <p:cNvCxnSpPr>
-            <a:cxnSpLocks/>
-            <a:stCxn id="43" idx="2"/>
-            <a:endCxn id="42" idx="3"/>
-          </p:cNvCxnSpPr>
-          <p:nvPr/>
-        </p:nvCxnSpPr>
-        <p:spPr>
-          <a:xfrm rot="5400000" flipH="1">
-            <a:off x="1269618" y="2850554"/>
-            <a:ext cx="88806" cy="521775"/>
-          </a:xfrm>
-          <a:prstGeom prst="curvedConnector4">
-            <a:avLst>
-              <a:gd name="adj1" fmla="val -257415"/>
-              <a:gd name="adj2" fmla="val 78028"/>
-            </a:avLst>
-          </a:prstGeom>
-          <a:ln w="15875">
-            <a:solidFill>
-              <a:schemeClr val="tx1"/>
-            </a:solidFill>
-            <a:prstDash val="solid"/>
-            <a:tailEnd type="triangle"/>
-          </a:ln>
-        </p:spPr>
-        <p:style>
-          <a:lnRef idx="1">
-            <a:schemeClr val="accent1"/>
-          </a:lnRef>
-          <a:fillRef idx="0">
-            <a:schemeClr val="accent1"/>
-          </a:fillRef>
-          <a:effectRef idx="0">
-            <a:schemeClr val="accent1"/>
-          </a:effectRef>
-          <a:fontRef idx="minor">
-            <a:schemeClr val="tx1"/>
-          </a:fontRef>
-        </p:style>
-      </p:cxnSp>
-      <p:sp>
-        <p:nvSpPr>
-          <p:cNvPr id="42" name="TextBox 41">
-            <a:extLst>
-              <a:ext uri="{FF2B5EF4-FFF2-40B4-BE49-F238E27FC236}">
-                <a16:creationId xmlns:a16="http://schemas.microsoft.com/office/drawing/2014/main" id="{9854281A-7696-3B47-B5BB-EA72A76D4187}"/>
-              </a:ext>
-            </a:extLst>
-          </p:cNvPr>
-          <p:cNvSpPr txBox="1"/>
-          <p:nvPr/>
-        </p:nvSpPr>
-        <p:spPr>
-          <a:xfrm>
-            <a:off x="468166" y="2978231"/>
-            <a:ext cx="584967" cy="177613"/>
-          </a:xfrm>
-          <a:prstGeom prst="rect">
-            <a:avLst/>
-          </a:prstGeom>
-          <a:noFill/>
-        </p:spPr>
-        <p:txBody>
-          <a:bodyPr wrap="square" rtlCol="0">
-            <a:spAutoFit/>
-          </a:bodyPr>
-          <a:lstStyle/>
-          <a:p>
-            <a:pPr algn="ctr"/>
-            <a:r>
-              <a:rPr lang="en-US" sz="554" b="1" dirty="0"/>
-              <a:t>BHET</a:t>
-            </a:r>
-          </a:p>
-        </p:txBody>
-      </p:sp>
-      <p:sp>
-        <p:nvSpPr>
-          <p:cNvPr id="43" name="TextBox 42">
-            <a:extLst>
-              <a:ext uri="{FF2B5EF4-FFF2-40B4-BE49-F238E27FC236}">
-                <a16:creationId xmlns:a16="http://schemas.microsoft.com/office/drawing/2014/main" id="{CF33E0B7-51D9-0B45-A5B5-7F3FBB1C1CA8}"/>
-              </a:ext>
-            </a:extLst>
-          </p:cNvPr>
-          <p:cNvSpPr txBox="1"/>
-          <p:nvPr/>
-        </p:nvSpPr>
-        <p:spPr>
-          <a:xfrm>
-            <a:off x="1282424" y="2978231"/>
-            <a:ext cx="584967" cy="177613"/>
-          </a:xfrm>
-          <a:prstGeom prst="rect">
-            <a:avLst/>
-          </a:prstGeom>
-          <a:noFill/>
-        </p:spPr>
-        <p:txBody>
-          <a:bodyPr wrap="square" rtlCol="0">
-            <a:spAutoFit/>
-          </a:bodyPr>
-          <a:lstStyle/>
-          <a:p>
-            <a:pPr algn="ctr"/>
-            <a:r>
-              <a:rPr lang="en-US" sz="554" b="1" dirty="0"/>
-              <a:t>PET</a:t>
-            </a:r>
-          </a:p>
-        </p:txBody>
-      </p:sp>
-      <p:sp>
-        <p:nvSpPr>
-          <p:cNvPr id="44" name="TextBox 43">
-            <a:extLst>
-              <a:ext uri="{FF2B5EF4-FFF2-40B4-BE49-F238E27FC236}">
-                <a16:creationId xmlns:a16="http://schemas.microsoft.com/office/drawing/2014/main" id="{CEEE3499-8D4E-4D48-AF73-0EEE2DBA7407}"/>
-              </a:ext>
-            </a:extLst>
-          </p:cNvPr>
-          <p:cNvSpPr txBox="1"/>
-          <p:nvPr/>
-        </p:nvSpPr>
-        <p:spPr>
-          <a:xfrm>
-            <a:off x="2014784" y="4074847"/>
-            <a:ext cx="584967" cy="177613"/>
-          </a:xfrm>
-          <a:prstGeom prst="rect">
-            <a:avLst/>
-          </a:prstGeom>
-          <a:noFill/>
-        </p:spPr>
-        <p:txBody>
-          <a:bodyPr wrap="square" rtlCol="0">
-            <a:spAutoFit/>
-          </a:bodyPr>
-          <a:lstStyle/>
-          <a:p>
-            <a:pPr algn="ctr"/>
-            <a:r>
-              <a:rPr lang="en-US" sz="554" b="1" dirty="0"/>
-              <a:t>TPA</a:t>
-            </a:r>
-          </a:p>
-        </p:txBody>
-      </p:sp>
-      <p:sp>
-        <p:nvSpPr>
-          <p:cNvPr id="45" name="TextBox 44">
-            <a:extLst>
-              <a:ext uri="{FF2B5EF4-FFF2-40B4-BE49-F238E27FC236}">
-                <a16:creationId xmlns:a16="http://schemas.microsoft.com/office/drawing/2014/main" id="{65E41A1A-D51B-3141-90AB-46CC238C0FD3}"/>
-              </a:ext>
-            </a:extLst>
-          </p:cNvPr>
-          <p:cNvSpPr txBox="1"/>
-          <p:nvPr/>
-        </p:nvSpPr>
-        <p:spPr>
-          <a:xfrm>
-            <a:off x="1282424" y="3526539"/>
-            <a:ext cx="584967" cy="177613"/>
-          </a:xfrm>
-          <a:prstGeom prst="rect">
-            <a:avLst/>
-          </a:prstGeom>
-          <a:noFill/>
-        </p:spPr>
-        <p:txBody>
-          <a:bodyPr wrap="square" rtlCol="0">
-            <a:spAutoFit/>
-          </a:bodyPr>
-          <a:lstStyle/>
-          <a:p>
-            <a:pPr algn="ctr"/>
-            <a:r>
-              <a:rPr lang="en-US" sz="554" b="1" dirty="0"/>
-              <a:t>MHET</a:t>
-            </a:r>
-          </a:p>
-        </p:txBody>
-      </p:sp>
-      <p:sp>
-        <p:nvSpPr>
-          <p:cNvPr id="46" name="TextBox 45">
-            <a:extLst>
-              <a:ext uri="{FF2B5EF4-FFF2-40B4-BE49-F238E27FC236}">
-                <a16:creationId xmlns:a16="http://schemas.microsoft.com/office/drawing/2014/main" id="{B2EF9009-AA6F-F449-944E-E3CD1372100B}"/>
-              </a:ext>
-            </a:extLst>
-          </p:cNvPr>
-          <p:cNvSpPr txBox="1"/>
-          <p:nvPr/>
-        </p:nvSpPr>
-        <p:spPr>
-          <a:xfrm>
-            <a:off x="468166" y="3526539"/>
-            <a:ext cx="584967" cy="262892"/>
-          </a:xfrm>
-          <a:prstGeom prst="rect">
-            <a:avLst/>
-          </a:prstGeom>
-          <a:noFill/>
-        </p:spPr>
-        <p:txBody>
-          <a:bodyPr wrap="square" rtlCol="0">
-            <a:spAutoFit/>
-          </a:bodyPr>
-          <a:lstStyle/>
-          <a:p>
-            <a:pPr algn="ctr"/>
-            <a:r>
-              <a:rPr lang="en-US" sz="554" b="1" dirty="0"/>
-              <a:t>Ethylene glycol</a:t>
-            </a:r>
-          </a:p>
-        </p:txBody>
-      </p:sp>
-      <p:sp>
-        <p:nvSpPr>
-          <p:cNvPr id="47" name="TextBox 46">
-            <a:extLst>
-              <a:ext uri="{FF2B5EF4-FFF2-40B4-BE49-F238E27FC236}">
-                <a16:creationId xmlns:a16="http://schemas.microsoft.com/office/drawing/2014/main" id="{2BA2DC80-6ABD-9A4A-A080-7A61DA53E704}"/>
-              </a:ext>
-            </a:extLst>
-          </p:cNvPr>
-          <p:cNvSpPr txBox="1"/>
-          <p:nvPr/>
-        </p:nvSpPr>
-        <p:spPr>
-          <a:xfrm>
-            <a:off x="468166" y="4074847"/>
-            <a:ext cx="584967" cy="177613"/>
-          </a:xfrm>
-          <a:prstGeom prst="rect">
-            <a:avLst/>
-          </a:prstGeom>
-          <a:noFill/>
-        </p:spPr>
-        <p:txBody>
-          <a:bodyPr wrap="square" rtlCol="0">
-            <a:spAutoFit/>
-          </a:bodyPr>
-          <a:lstStyle/>
-          <a:p>
-            <a:pPr algn="ctr"/>
-            <a:r>
-              <a:rPr lang="en-US" sz="554" b="1" dirty="0"/>
-              <a:t>Acetaldehyde</a:t>
-            </a:r>
-          </a:p>
-        </p:txBody>
-      </p:sp>
-      <p:sp>
-        <p:nvSpPr>
-          <p:cNvPr id="48" name="TextBox 47">
-            <a:extLst>
-              <a:ext uri="{FF2B5EF4-FFF2-40B4-BE49-F238E27FC236}">
-                <a16:creationId xmlns:a16="http://schemas.microsoft.com/office/drawing/2014/main" id="{81BAA902-89EB-2D4F-BE29-25F52C397854}"/>
-              </a:ext>
-            </a:extLst>
-          </p:cNvPr>
-          <p:cNvSpPr txBox="1"/>
-          <p:nvPr/>
-        </p:nvSpPr>
-        <p:spPr>
-          <a:xfrm>
-            <a:off x="471571" y="5171872"/>
-            <a:ext cx="584967" cy="177613"/>
-          </a:xfrm>
-          <a:prstGeom prst="rect">
-            <a:avLst/>
-          </a:prstGeom>
-          <a:noFill/>
-        </p:spPr>
-        <p:txBody>
-          <a:bodyPr wrap="square" rtlCol="0">
-            <a:spAutoFit/>
-          </a:bodyPr>
-          <a:lstStyle/>
-          <a:p>
-            <a:pPr algn="ctr"/>
-            <a:r>
-              <a:rPr lang="en-US" sz="554" b="1" dirty="0"/>
-              <a:t>Acetyl-CoA</a:t>
-            </a:r>
-          </a:p>
-        </p:txBody>
-      </p:sp>
-      <p:cxnSp>
-        <p:nvCxnSpPr>
-          <p:cNvPr id="51" name="Straight Arrow Connector 50">
-            <a:extLst>
-              <a:ext uri="{FF2B5EF4-FFF2-40B4-BE49-F238E27FC236}">
-                <a16:creationId xmlns:a16="http://schemas.microsoft.com/office/drawing/2014/main" id="{FD47ADE3-13D9-6343-A3D4-EED9C466E5CC}"/>
-              </a:ext>
-            </a:extLst>
-          </p:cNvPr>
-          <p:cNvCxnSpPr>
-            <a:stCxn id="42" idx="2"/>
-            <a:endCxn id="46" idx="0"/>
-          </p:cNvCxnSpPr>
-          <p:nvPr/>
-        </p:nvCxnSpPr>
-        <p:spPr>
-          <a:xfrm>
-            <a:off x="760650" y="3155844"/>
-            <a:ext cx="0" cy="370695"/>
-          </a:xfrm>
-          <a:prstGeom prst="straightConnector1">
-            <a:avLst/>
-          </a:prstGeom>
-          <a:ln w="15875">
-            <a:solidFill>
-              <a:schemeClr val="tx1"/>
-            </a:solidFill>
-            <a:tailEnd type="triangle"/>
-          </a:ln>
-        </p:spPr>
-        <p:style>
-          <a:lnRef idx="1">
-            <a:schemeClr val="accent1"/>
-          </a:lnRef>
-          <a:fillRef idx="0">
-            <a:schemeClr val="accent1"/>
-          </a:fillRef>
-          <a:effectRef idx="0">
-            <a:schemeClr val="accent1"/>
-          </a:effectRef>
-          <a:fontRef idx="minor">
-            <a:schemeClr val="tx1"/>
-          </a:fontRef>
-        </p:style>
-      </p:cxnSp>
-      <p:cxnSp>
-        <p:nvCxnSpPr>
-          <p:cNvPr id="52" name="Straight Arrow Connector 51">
-            <a:extLst>
-              <a:ext uri="{FF2B5EF4-FFF2-40B4-BE49-F238E27FC236}">
-                <a16:creationId xmlns:a16="http://schemas.microsoft.com/office/drawing/2014/main" id="{F82CEE45-B515-4C49-B0A3-A584DA83256E}"/>
-              </a:ext>
-            </a:extLst>
-          </p:cNvPr>
-          <p:cNvCxnSpPr>
-            <a:cxnSpLocks/>
-            <a:stCxn id="46" idx="2"/>
-            <a:endCxn id="47" idx="0"/>
-          </p:cNvCxnSpPr>
-          <p:nvPr/>
-        </p:nvCxnSpPr>
-        <p:spPr>
-          <a:xfrm>
-            <a:off x="760650" y="3789431"/>
-            <a:ext cx="0" cy="285416"/>
-          </a:xfrm>
-          <a:prstGeom prst="straightConnector1">
-            <a:avLst/>
-          </a:prstGeom>
-          <a:ln w="15875">
-            <a:solidFill>
-              <a:schemeClr val="tx1"/>
-            </a:solidFill>
-            <a:tailEnd type="triangle"/>
-          </a:ln>
-        </p:spPr>
-        <p:style>
-          <a:lnRef idx="1">
-            <a:schemeClr val="accent1"/>
-          </a:lnRef>
-          <a:fillRef idx="0">
-            <a:schemeClr val="accent1"/>
-          </a:fillRef>
-          <a:effectRef idx="0">
-            <a:schemeClr val="accent1"/>
-          </a:effectRef>
-          <a:fontRef idx="minor">
-            <a:schemeClr val="tx1"/>
-          </a:fontRef>
-        </p:style>
-      </p:cxnSp>
-      <p:cxnSp>
-        <p:nvCxnSpPr>
-          <p:cNvPr id="55" name="Straight Arrow Connector 54">
-            <a:extLst>
-              <a:ext uri="{FF2B5EF4-FFF2-40B4-BE49-F238E27FC236}">
-                <a16:creationId xmlns:a16="http://schemas.microsoft.com/office/drawing/2014/main" id="{49516BEE-BB31-2A43-A71E-FAF92CA5AEA7}"/>
-              </a:ext>
-            </a:extLst>
-          </p:cNvPr>
-          <p:cNvCxnSpPr>
-            <a:cxnSpLocks/>
-            <a:stCxn id="53" idx="2"/>
-            <a:endCxn id="48" idx="0"/>
-          </p:cNvCxnSpPr>
-          <p:nvPr/>
-        </p:nvCxnSpPr>
-        <p:spPr>
-          <a:xfrm>
-            <a:off x="760649" y="4802807"/>
-            <a:ext cx="3406" cy="369065"/>
-          </a:xfrm>
-          <a:prstGeom prst="straightConnector1">
-            <a:avLst/>
-          </a:prstGeom>
-          <a:ln w="15875">
-            <a:solidFill>
-              <a:schemeClr val="tx1"/>
-            </a:solidFill>
-            <a:tailEnd type="triangle"/>
-          </a:ln>
-        </p:spPr>
-        <p:style>
-          <a:lnRef idx="1">
-            <a:schemeClr val="accent1"/>
-          </a:lnRef>
-          <a:fillRef idx="0">
-            <a:schemeClr val="accent1"/>
-          </a:fillRef>
-          <a:effectRef idx="0">
-            <a:schemeClr val="accent1"/>
-          </a:effectRef>
-          <a:fontRef idx="minor">
-            <a:schemeClr val="tx1"/>
-          </a:fontRef>
-        </p:style>
-      </p:cxnSp>
-      <p:cxnSp>
-        <p:nvCxnSpPr>
-          <p:cNvPr id="71" name="Straight Arrow Connector 70">
-            <a:extLst>
-              <a:ext uri="{FF2B5EF4-FFF2-40B4-BE49-F238E27FC236}">
-                <a16:creationId xmlns:a16="http://schemas.microsoft.com/office/drawing/2014/main" id="{35FE8228-5FF8-B549-9E72-0746465BDB06}"/>
-              </a:ext>
-            </a:extLst>
-          </p:cNvPr>
-          <p:cNvCxnSpPr>
-            <a:cxnSpLocks/>
-            <a:stCxn id="43" idx="2"/>
-            <a:endCxn id="44" idx="0"/>
-          </p:cNvCxnSpPr>
-          <p:nvPr/>
-        </p:nvCxnSpPr>
-        <p:spPr>
-          <a:xfrm>
-            <a:off x="1574908" y="3155844"/>
-            <a:ext cx="732360" cy="919003"/>
-          </a:xfrm>
-          <a:prstGeom prst="straightConnector1">
-            <a:avLst/>
-          </a:prstGeom>
-          <a:ln w="15875">
-            <a:solidFill>
-              <a:schemeClr val="tx1"/>
-            </a:solidFill>
-            <a:tailEnd type="triangle"/>
-          </a:ln>
-        </p:spPr>
-        <p:style>
-          <a:lnRef idx="1">
-            <a:schemeClr val="accent1"/>
-          </a:lnRef>
-          <a:fillRef idx="0">
-            <a:schemeClr val="accent1"/>
-          </a:fillRef>
-          <a:effectRef idx="0">
-            <a:schemeClr val="accent1"/>
-          </a:effectRef>
-          <a:fontRef idx="minor">
-            <a:schemeClr val="tx1"/>
-          </a:fontRef>
-        </p:style>
-      </p:cxnSp>
-      <p:cxnSp>
-        <p:nvCxnSpPr>
-          <p:cNvPr id="75" name="Curved Connector 74">
-            <a:extLst>
-              <a:ext uri="{FF2B5EF4-FFF2-40B4-BE49-F238E27FC236}">
-                <a16:creationId xmlns:a16="http://schemas.microsoft.com/office/drawing/2014/main" id="{93545A5F-04DE-6344-B780-FD0915EDFA8E}"/>
-              </a:ext>
-            </a:extLst>
-          </p:cNvPr>
-          <p:cNvCxnSpPr>
-            <a:cxnSpLocks/>
-            <a:endCxn id="45" idx="0"/>
-          </p:cNvCxnSpPr>
-          <p:nvPr/>
-        </p:nvCxnSpPr>
-        <p:spPr>
-          <a:xfrm rot="5400000">
-            <a:off x="1377410" y="3324884"/>
-            <a:ext cx="399154" cy="4157"/>
-          </a:xfrm>
-          <a:prstGeom prst="curvedConnector3">
-            <a:avLst>
-              <a:gd name="adj1" fmla="val 50000"/>
-            </a:avLst>
-          </a:prstGeom>
-          <a:ln w="15875">
-            <a:solidFill>
-              <a:schemeClr val="tx1"/>
-            </a:solidFill>
-            <a:tailEnd type="triangle"/>
-          </a:ln>
-        </p:spPr>
-        <p:style>
-          <a:lnRef idx="1">
-            <a:schemeClr val="accent1"/>
-          </a:lnRef>
-          <a:fillRef idx="0">
-            <a:schemeClr val="accent1"/>
-          </a:fillRef>
-          <a:effectRef idx="0">
-            <a:schemeClr val="accent1"/>
-          </a:effectRef>
-          <a:fontRef idx="minor">
-            <a:schemeClr val="tx1"/>
-          </a:fontRef>
-        </p:style>
-      </p:cxnSp>
-      <p:cxnSp>
-        <p:nvCxnSpPr>
-          <p:cNvPr id="79" name="Curved Connector 78">
-            <a:extLst>
-              <a:ext uri="{FF2B5EF4-FFF2-40B4-BE49-F238E27FC236}">
-                <a16:creationId xmlns:a16="http://schemas.microsoft.com/office/drawing/2014/main" id="{38A49EFA-46D7-874D-8E20-06CE3098A395}"/>
-              </a:ext>
-            </a:extLst>
-          </p:cNvPr>
-          <p:cNvCxnSpPr>
-            <a:cxnSpLocks/>
-            <a:stCxn id="42" idx="2"/>
-            <a:endCxn id="45" idx="0"/>
-          </p:cNvCxnSpPr>
-          <p:nvPr/>
-        </p:nvCxnSpPr>
-        <p:spPr>
-          <a:xfrm rot="16200000" flipH="1">
-            <a:off x="982432" y="2934062"/>
-            <a:ext cx="370695" cy="814258"/>
-          </a:xfrm>
-          <a:prstGeom prst="curvedConnector3">
-            <a:avLst>
-              <a:gd name="adj1" fmla="val 50000"/>
-            </a:avLst>
-          </a:prstGeom>
-          <a:ln w="15875">
-            <a:solidFill>
-              <a:schemeClr val="tx1"/>
-            </a:solidFill>
-            <a:prstDash val="solid"/>
-            <a:tailEnd type="triangle"/>
-          </a:ln>
-        </p:spPr>
-        <p:style>
-          <a:lnRef idx="1">
-            <a:schemeClr val="accent1"/>
-          </a:lnRef>
-          <a:fillRef idx="0">
-            <a:schemeClr val="accent1"/>
-          </a:fillRef>
-          <a:effectRef idx="0">
-            <a:schemeClr val="accent1"/>
-          </a:effectRef>
-          <a:fontRef idx="minor">
-            <a:schemeClr val="tx1"/>
-          </a:fontRef>
-        </p:style>
-      </p:cxnSp>
-      <p:cxnSp>
-        <p:nvCxnSpPr>
-          <p:cNvPr id="83" name="Straight Arrow Connector 82">
-            <a:extLst>
-              <a:ext uri="{FF2B5EF4-FFF2-40B4-BE49-F238E27FC236}">
-                <a16:creationId xmlns:a16="http://schemas.microsoft.com/office/drawing/2014/main" id="{80C9DF0A-C9B3-5947-BCD3-17265260A93E}"/>
-              </a:ext>
-            </a:extLst>
-          </p:cNvPr>
-          <p:cNvCxnSpPr>
-            <a:cxnSpLocks/>
-            <a:stCxn id="45" idx="2"/>
-            <a:endCxn id="44" idx="0"/>
-          </p:cNvCxnSpPr>
-          <p:nvPr/>
-        </p:nvCxnSpPr>
-        <p:spPr>
-          <a:xfrm>
-            <a:off x="1574908" y="3704152"/>
-            <a:ext cx="732360" cy="370695"/>
-          </a:xfrm>
-          <a:prstGeom prst="straightConnector1">
-            <a:avLst/>
-          </a:prstGeom>
-          <a:ln w="15875">
-            <a:solidFill>
-              <a:schemeClr val="tx1"/>
-            </a:solidFill>
-            <a:prstDash val="solid"/>
-            <a:tailEnd type="triangle"/>
-          </a:ln>
-        </p:spPr>
-        <p:style>
-          <a:lnRef idx="1">
-            <a:schemeClr val="accent1"/>
-          </a:lnRef>
-          <a:fillRef idx="0">
-            <a:schemeClr val="accent1"/>
-          </a:fillRef>
-          <a:effectRef idx="0">
-            <a:schemeClr val="accent1"/>
-          </a:effectRef>
-          <a:fontRef idx="minor">
-            <a:schemeClr val="tx1"/>
-          </a:fontRef>
-        </p:style>
-      </p:cxnSp>
-      <p:cxnSp>
-        <p:nvCxnSpPr>
-          <p:cNvPr id="92" name="Curved Connector 91">
-            <a:extLst>
-              <a:ext uri="{FF2B5EF4-FFF2-40B4-BE49-F238E27FC236}">
-                <a16:creationId xmlns:a16="http://schemas.microsoft.com/office/drawing/2014/main" id="{615D4C3B-F1E8-3148-BB39-3A89B8BFD137}"/>
-              </a:ext>
-            </a:extLst>
-          </p:cNvPr>
-          <p:cNvCxnSpPr>
-            <a:stCxn id="45" idx="2"/>
-            <a:endCxn id="46" idx="3"/>
-          </p:cNvCxnSpPr>
-          <p:nvPr/>
-        </p:nvCxnSpPr>
-        <p:spPr>
-          <a:xfrm rot="5400000" flipH="1">
-            <a:off x="1290937" y="3420182"/>
-            <a:ext cx="46167" cy="521775"/>
-          </a:xfrm>
-          <a:prstGeom prst="curvedConnector4">
-            <a:avLst>
-              <a:gd name="adj1" fmla="val -495159"/>
-              <a:gd name="adj2" fmla="val 78028"/>
-            </a:avLst>
-          </a:prstGeom>
-          <a:ln w="15875">
-            <a:solidFill>
-              <a:schemeClr val="tx1"/>
-            </a:solidFill>
-            <a:prstDash val="solid"/>
-            <a:tailEnd type="triangle"/>
-          </a:ln>
-        </p:spPr>
-        <p:style>
-          <a:lnRef idx="1">
-            <a:schemeClr val="accent1"/>
-          </a:lnRef>
-          <a:fillRef idx="0">
-            <a:schemeClr val="accent1"/>
-          </a:fillRef>
-          <a:effectRef idx="0">
-            <a:schemeClr val="accent1"/>
-          </a:effectRef>
-          <a:fontRef idx="minor">
-            <a:schemeClr val="tx1"/>
-          </a:fontRef>
-        </p:style>
-      </p:cxnSp>
-      <p:sp>
-        <p:nvSpPr>
-          <p:cNvPr id="93" name="TextBox 92">
-            <a:extLst>
-              <a:ext uri="{FF2B5EF4-FFF2-40B4-BE49-F238E27FC236}">
-                <a16:creationId xmlns:a16="http://schemas.microsoft.com/office/drawing/2014/main" id="{E2759371-AA90-4C4C-A031-1D50892D1D3D}"/>
-              </a:ext>
-            </a:extLst>
-          </p:cNvPr>
-          <p:cNvSpPr txBox="1"/>
-          <p:nvPr/>
-        </p:nvSpPr>
-        <p:spPr>
-          <a:xfrm>
-            <a:off x="1688346" y="4623154"/>
-            <a:ext cx="1237843" cy="262892"/>
-          </a:xfrm>
-          <a:prstGeom prst="rect">
-            <a:avLst/>
-          </a:prstGeom>
-          <a:noFill/>
-        </p:spPr>
-        <p:txBody>
-          <a:bodyPr wrap="square" rtlCol="0">
-            <a:spAutoFit/>
-          </a:bodyPr>
-          <a:lstStyle/>
-          <a:p>
-            <a:pPr algn="ctr"/>
-            <a:r>
-              <a:rPr lang="en-US" sz="554" b="1" dirty="0"/>
-              <a:t>﻿1,6-dihydroxycyclohexa-2,4-diene-dicarboxylate</a:t>
-            </a:r>
-          </a:p>
-        </p:txBody>
-      </p:sp>
-      <p:sp>
-        <p:nvSpPr>
-          <p:cNvPr id="94" name="TextBox 93">
-            <a:extLst>
-              <a:ext uri="{FF2B5EF4-FFF2-40B4-BE49-F238E27FC236}">
-                <a16:creationId xmlns:a16="http://schemas.microsoft.com/office/drawing/2014/main" id="{2FC2E76E-0B62-924D-9551-1C60C3B79DF3}"/>
-              </a:ext>
-            </a:extLst>
-          </p:cNvPr>
-          <p:cNvSpPr txBox="1"/>
-          <p:nvPr/>
-        </p:nvSpPr>
-        <p:spPr>
-          <a:xfrm>
-            <a:off x="1680035" y="5171462"/>
-            <a:ext cx="1246154" cy="177613"/>
-          </a:xfrm>
-          <a:prstGeom prst="rect">
-            <a:avLst/>
-          </a:prstGeom>
-          <a:noFill/>
-        </p:spPr>
-        <p:txBody>
-          <a:bodyPr wrap="square" rtlCol="0">
-            <a:spAutoFit/>
-          </a:bodyPr>
-          <a:lstStyle/>
-          <a:p>
-            <a:pPr algn="ctr"/>
-            <a:r>
-              <a:rPr lang="en-US" sz="554" b="1" dirty="0"/>
-              <a:t>﻿Protocatechuate</a:t>
-            </a:r>
-          </a:p>
-        </p:txBody>
-      </p:sp>
-      <p:cxnSp>
-        <p:nvCxnSpPr>
-          <p:cNvPr id="100" name="Straight Arrow Connector 99">
-            <a:extLst>
-              <a:ext uri="{FF2B5EF4-FFF2-40B4-BE49-F238E27FC236}">
-                <a16:creationId xmlns:a16="http://schemas.microsoft.com/office/drawing/2014/main" id="{C399A0C4-C9FB-9E46-ABAA-0311DB6A8832}"/>
-              </a:ext>
-            </a:extLst>
-          </p:cNvPr>
-          <p:cNvCxnSpPr>
-            <a:cxnSpLocks/>
-            <a:stCxn id="44" idx="2"/>
-            <a:endCxn id="93" idx="0"/>
-          </p:cNvCxnSpPr>
-          <p:nvPr/>
-        </p:nvCxnSpPr>
-        <p:spPr>
-          <a:xfrm>
-            <a:off x="2307268" y="4252460"/>
-            <a:ext cx="0" cy="370694"/>
-          </a:xfrm>
-          <a:prstGeom prst="straightConnector1">
-            <a:avLst/>
-          </a:prstGeom>
-          <a:ln w="15875">
-            <a:solidFill>
-              <a:schemeClr val="tx1"/>
-            </a:solidFill>
-            <a:tailEnd type="triangle"/>
-          </a:ln>
-        </p:spPr>
-        <p:style>
-          <a:lnRef idx="1">
-            <a:schemeClr val="accent1"/>
-          </a:lnRef>
-          <a:fillRef idx="0">
-            <a:schemeClr val="accent1"/>
-          </a:fillRef>
-          <a:effectRef idx="0">
-            <a:schemeClr val="accent1"/>
-          </a:effectRef>
-          <a:fontRef idx="minor">
-            <a:schemeClr val="tx1"/>
-          </a:fontRef>
-        </p:style>
-      </p:cxnSp>
-      <p:cxnSp>
-        <p:nvCxnSpPr>
-          <p:cNvPr id="103" name="Straight Arrow Connector 102">
-            <a:extLst>
-              <a:ext uri="{FF2B5EF4-FFF2-40B4-BE49-F238E27FC236}">
-                <a16:creationId xmlns:a16="http://schemas.microsoft.com/office/drawing/2014/main" id="{B730C5C1-10A5-C547-80F4-C4022A9F24A2}"/>
-              </a:ext>
-            </a:extLst>
-          </p:cNvPr>
-          <p:cNvCxnSpPr>
-            <a:cxnSpLocks/>
-          </p:cNvCxnSpPr>
-          <p:nvPr/>
-        </p:nvCxnSpPr>
-        <p:spPr>
-          <a:xfrm flipH="1">
-            <a:off x="2311126" y="4857538"/>
-            <a:ext cx="0" cy="313924"/>
-          </a:xfrm>
-          <a:prstGeom prst="straightConnector1">
-            <a:avLst/>
-          </a:prstGeom>
-          <a:ln w="15875">
-            <a:solidFill>
-              <a:schemeClr val="tx1"/>
-            </a:solidFill>
-            <a:tailEnd type="triangle"/>
-          </a:ln>
-        </p:spPr>
-        <p:style>
-          <a:lnRef idx="1">
-            <a:schemeClr val="accent1"/>
-          </a:lnRef>
-          <a:fillRef idx="0">
-            <a:schemeClr val="accent1"/>
-          </a:fillRef>
-          <a:effectRef idx="0">
-            <a:schemeClr val="accent1"/>
-          </a:effectRef>
-          <a:fontRef idx="minor">
-            <a:schemeClr val="tx1"/>
-          </a:fontRef>
-        </p:style>
-      </p:cxnSp>
-      <p:sp>
-        <p:nvSpPr>
-          <p:cNvPr id="115" name="Rectangle 114">
-            <a:extLst>
-              <a:ext uri="{FF2B5EF4-FFF2-40B4-BE49-F238E27FC236}">
-                <a16:creationId xmlns:a16="http://schemas.microsoft.com/office/drawing/2014/main" id="{A62EE884-B7B2-B94D-8E0B-EB6BD3ED1825}"/>
-              </a:ext>
-            </a:extLst>
-          </p:cNvPr>
-          <p:cNvSpPr/>
-          <p:nvPr/>
-        </p:nvSpPr>
-        <p:spPr>
-          <a:xfrm>
-            <a:off x="1847558" y="6268078"/>
-            <a:ext cx="911108" cy="177613"/>
-          </a:xfrm>
-          <a:prstGeom prst="rect">
-            <a:avLst/>
-          </a:prstGeom>
-          <a:solidFill>
-            <a:schemeClr val="bg2"/>
-          </a:solidFill>
-          <a:ln>
-            <a:noFill/>
-          </a:ln>
-        </p:spPr>
-        <p:txBody>
-          <a:bodyPr wrap="square" rtlCol="0">
-            <a:spAutoFit/>
-          </a:bodyPr>
-          <a:lstStyle/>
-          <a:p>
-            <a:pPr algn="ctr"/>
-            <a:r>
-              <a:rPr lang="en-US" sz="554" b="1" dirty="0">
-                <a:solidFill>
-                  <a:schemeClr val="bg2">
-                    <a:lumMod val="50000"/>
-                  </a:schemeClr>
-                </a:solidFill>
-              </a:rPr>
-              <a:t>𝛃 -ketoadipate pathway</a:t>
-            </a:r>
-          </a:p>
-        </p:txBody>
-      </p:sp>
-      <p:cxnSp>
-        <p:nvCxnSpPr>
-          <p:cNvPr id="116" name="Straight Arrow Connector 115">
-            <a:extLst>
-              <a:ext uri="{FF2B5EF4-FFF2-40B4-BE49-F238E27FC236}">
-                <a16:creationId xmlns:a16="http://schemas.microsoft.com/office/drawing/2014/main" id="{C5460DA5-044D-5543-8F23-D0A203E14428}"/>
-              </a:ext>
-            </a:extLst>
-          </p:cNvPr>
-          <p:cNvCxnSpPr>
-            <a:cxnSpLocks/>
-            <a:stCxn id="127" idx="2"/>
-            <a:endCxn id="115" idx="0"/>
-          </p:cNvCxnSpPr>
-          <p:nvPr/>
-        </p:nvCxnSpPr>
-        <p:spPr>
-          <a:xfrm flipH="1">
-            <a:off x="2303112" y="5892461"/>
-            <a:ext cx="4392" cy="375617"/>
-          </a:xfrm>
-          <a:prstGeom prst="straightConnector1">
-            <a:avLst/>
-          </a:prstGeom>
-          <a:ln w="19050">
-            <a:solidFill>
-              <a:schemeClr val="tx1">
-                <a:lumMod val="50000"/>
-                <a:lumOff val="50000"/>
-              </a:schemeClr>
-            </a:solidFill>
-            <a:prstDash val="sysDot"/>
-            <a:tailEnd type="triangle"/>
-          </a:ln>
-        </p:spPr>
-        <p:style>
-          <a:lnRef idx="1">
-            <a:schemeClr val="accent1"/>
-          </a:lnRef>
-          <a:fillRef idx="0">
-            <a:schemeClr val="accent1"/>
-          </a:fillRef>
-          <a:effectRef idx="0">
-            <a:schemeClr val="accent1"/>
-          </a:effectRef>
-          <a:fontRef idx="minor">
-            <a:schemeClr val="tx1"/>
-          </a:fontRef>
-        </p:style>
-      </p:cxnSp>
-      <p:sp>
-        <p:nvSpPr>
-          <p:cNvPr id="126" name="Rectangle 125">
-            <a:extLst>
-              <a:ext uri="{FF2B5EF4-FFF2-40B4-BE49-F238E27FC236}">
-                <a16:creationId xmlns:a16="http://schemas.microsoft.com/office/drawing/2014/main" id="{270C45D2-F533-5544-A7CF-3D72EF9641C9}"/>
-              </a:ext>
-            </a:extLst>
-          </p:cNvPr>
-          <p:cNvSpPr/>
-          <p:nvPr/>
-        </p:nvSpPr>
-        <p:spPr>
-          <a:xfrm>
-            <a:off x="2354511" y="4251579"/>
-            <a:ext cx="1130957" cy="267461"/>
-          </a:xfrm>
-          <a:prstGeom prst="rect">
-            <a:avLst/>
-          </a:prstGeom>
-        </p:spPr>
-        <p:style>
-          <a:lnRef idx="2">
-            <a:schemeClr val="accent1">
-              <a:shade val="50000"/>
-            </a:schemeClr>
-          </a:lnRef>
-          <a:fillRef idx="1">
-            <a:schemeClr val="accent1"/>
-          </a:fillRef>
-          <a:effectRef idx="0">
-            <a:schemeClr val="accent1"/>
-          </a:effectRef>
-          <a:fontRef idx="minor">
-            <a:schemeClr val="lt1"/>
-          </a:fontRef>
-        </p:style>
-        <p:txBody>
-          <a:bodyPr rtlCol="0" anchor="ctr"/>
-          <a:lstStyle/>
-          <a:p>
-            <a:pPr algn="ctr"/>
-            <a:r>
-              <a:rPr lang="en-US" sz="554" dirty="0"/>
-              <a:t>2867/2868/2870</a:t>
-            </a:r>
-          </a:p>
-          <a:p>
-            <a:pPr algn="ctr"/>
-            <a:r>
-              <a:rPr lang="en-US" sz="554" dirty="0"/>
-              <a:t>Terephthalate 1,2-dioxygenase</a:t>
-            </a:r>
-          </a:p>
-        </p:txBody>
-      </p:sp>
-      <p:sp>
-        <p:nvSpPr>
-          <p:cNvPr id="127" name="TextBox 126">
-            <a:extLst>
-              <a:ext uri="{FF2B5EF4-FFF2-40B4-BE49-F238E27FC236}">
-                <a16:creationId xmlns:a16="http://schemas.microsoft.com/office/drawing/2014/main" id="{A242177A-E7CE-A54D-9EA4-27AC3B003B15}"/>
-              </a:ext>
-            </a:extLst>
-          </p:cNvPr>
-          <p:cNvSpPr txBox="1"/>
-          <p:nvPr/>
-        </p:nvSpPr>
-        <p:spPr>
-          <a:xfrm>
-            <a:off x="1684427" y="5714848"/>
-            <a:ext cx="1246154" cy="177613"/>
-          </a:xfrm>
-          <a:prstGeom prst="rect">
-            <a:avLst/>
-          </a:prstGeom>
-          <a:noFill/>
-        </p:spPr>
-        <p:txBody>
-          <a:bodyPr wrap="square" rtlCol="0">
-            <a:spAutoFit/>
-          </a:bodyPr>
-          <a:lstStyle/>
-          <a:p>
-            <a:pPr algn="ctr"/>
-            <a:r>
-              <a:rPr lang="en-US" sz="554" b="1" dirty="0"/>
-              <a:t>𝛃 -carboxy </a:t>
-            </a:r>
-            <a:r>
-              <a:rPr lang="en-US" sz="554" b="1" dirty="0" err="1"/>
-              <a:t>muconate</a:t>
-            </a:r>
-            <a:endParaRPr lang="en-US" sz="554" b="1" dirty="0"/>
-          </a:p>
-        </p:txBody>
-      </p:sp>
-      <p:cxnSp>
-        <p:nvCxnSpPr>
-          <p:cNvPr id="130" name="Straight Arrow Connector 129">
-            <a:extLst>
-              <a:ext uri="{FF2B5EF4-FFF2-40B4-BE49-F238E27FC236}">
-                <a16:creationId xmlns:a16="http://schemas.microsoft.com/office/drawing/2014/main" id="{476E3461-5B4C-614A-8444-CC659A019FBA}"/>
-              </a:ext>
-            </a:extLst>
-          </p:cNvPr>
-          <p:cNvCxnSpPr>
-            <a:cxnSpLocks/>
-            <a:stCxn id="94" idx="2"/>
-            <a:endCxn id="127" idx="0"/>
-          </p:cNvCxnSpPr>
-          <p:nvPr/>
-        </p:nvCxnSpPr>
-        <p:spPr>
-          <a:xfrm>
-            <a:off x="2303112" y="5349075"/>
-            <a:ext cx="4392" cy="365773"/>
-          </a:xfrm>
-          <a:prstGeom prst="straightConnector1">
-            <a:avLst/>
-          </a:prstGeom>
-          <a:ln w="15875">
-            <a:solidFill>
-              <a:schemeClr val="tx1"/>
-            </a:solidFill>
-            <a:tailEnd type="triangle"/>
-          </a:ln>
-        </p:spPr>
-        <p:style>
-          <a:lnRef idx="1">
-            <a:schemeClr val="accent1"/>
-          </a:lnRef>
-          <a:fillRef idx="0">
-            <a:schemeClr val="accent1"/>
-          </a:fillRef>
-          <a:effectRef idx="0">
-            <a:schemeClr val="accent1"/>
-          </a:effectRef>
-          <a:fontRef idx="minor">
-            <a:schemeClr val="tx1"/>
-          </a:fontRef>
-        </p:style>
-      </p:cxnSp>
-      <p:pic>
-        <p:nvPicPr>
-          <p:cNvPr id="3" name="Picture 2">
-            <a:extLst>
-              <a:ext uri="{FF2B5EF4-FFF2-40B4-BE49-F238E27FC236}">
-                <a16:creationId xmlns:a16="http://schemas.microsoft.com/office/drawing/2014/main" id="{2EBEFF23-96AF-114B-A923-8EC6D0637F59}"/>
-              </a:ext>
-            </a:extLst>
-          </p:cNvPr>
-          <p:cNvPicPr>
-            <a:picLocks noChangeAspect="1"/>
-          </p:cNvPicPr>
-          <p:nvPr/>
-        </p:nvPicPr>
-        <p:blipFill>
-          <a:blip r:embed="rId3"/>
-          <a:stretch>
-            <a:fillRect/>
-          </a:stretch>
-        </p:blipFill>
-        <p:spPr>
-          <a:xfrm>
-            <a:off x="48310" y="3115328"/>
-            <a:ext cx="670073" cy="398769"/>
-          </a:xfrm>
-          <a:prstGeom prst="rect">
-            <a:avLst/>
-          </a:prstGeom>
-        </p:spPr>
-      </p:pic>
-      <p:pic>
-        <p:nvPicPr>
-          <p:cNvPr id="18" name="Picture 17">
-            <a:extLst>
-              <a:ext uri="{FF2B5EF4-FFF2-40B4-BE49-F238E27FC236}">
-                <a16:creationId xmlns:a16="http://schemas.microsoft.com/office/drawing/2014/main" id="{9AA49751-10A5-7949-9ECD-59157232007F}"/>
-              </a:ext>
-            </a:extLst>
-          </p:cNvPr>
-          <p:cNvPicPr>
-            <a:picLocks noChangeAspect="1"/>
-          </p:cNvPicPr>
-          <p:nvPr/>
-        </p:nvPicPr>
-        <p:blipFill>
-          <a:blip r:embed="rId4"/>
-          <a:stretch>
-            <a:fillRect/>
-          </a:stretch>
-        </p:blipFill>
-        <p:spPr>
-          <a:xfrm>
-            <a:off x="216743" y="4224609"/>
-            <a:ext cx="502847" cy="398769"/>
-          </a:xfrm>
-          <a:prstGeom prst="rect">
-            <a:avLst/>
-          </a:prstGeom>
-        </p:spPr>
-      </p:pic>
-      <p:pic>
-        <p:nvPicPr>
-          <p:cNvPr id="22" name="Picture 21">
-            <a:extLst>
-              <a:ext uri="{FF2B5EF4-FFF2-40B4-BE49-F238E27FC236}">
-                <a16:creationId xmlns:a16="http://schemas.microsoft.com/office/drawing/2014/main" id="{8D533835-06BA-514F-BBB1-4C3B00D83068}"/>
-              </a:ext>
-            </a:extLst>
-          </p:cNvPr>
-          <p:cNvPicPr>
-            <a:picLocks noChangeAspect="1"/>
-          </p:cNvPicPr>
-          <p:nvPr/>
-        </p:nvPicPr>
-        <p:blipFill>
-          <a:blip r:embed="rId5"/>
-          <a:stretch>
-            <a:fillRect/>
-          </a:stretch>
-        </p:blipFill>
-        <p:spPr>
-          <a:xfrm>
-            <a:off x="1689872" y="3110613"/>
-            <a:ext cx="569670" cy="398769"/>
-          </a:xfrm>
-          <a:prstGeom prst="rect">
-            <a:avLst/>
-          </a:prstGeom>
-        </p:spPr>
-      </p:pic>
-      <p:pic>
-        <p:nvPicPr>
-          <p:cNvPr id="24" name="Picture 23">
-            <a:extLst>
-              <a:ext uri="{FF2B5EF4-FFF2-40B4-BE49-F238E27FC236}">
-                <a16:creationId xmlns:a16="http://schemas.microsoft.com/office/drawing/2014/main" id="{6D0ECB66-1EA7-DF40-B80B-F269614C8F89}"/>
-              </a:ext>
-            </a:extLst>
-          </p:cNvPr>
-          <p:cNvPicPr>
-            <a:picLocks noChangeAspect="1"/>
-          </p:cNvPicPr>
-          <p:nvPr/>
-        </p:nvPicPr>
-        <p:blipFill>
-          <a:blip r:embed="rId6"/>
-          <a:stretch>
-            <a:fillRect/>
-          </a:stretch>
-        </p:blipFill>
-        <p:spPr>
-          <a:xfrm>
-            <a:off x="1677865" y="3594020"/>
-            <a:ext cx="633261" cy="398769"/>
-          </a:xfrm>
-          <a:prstGeom prst="rect">
-            <a:avLst/>
-          </a:prstGeom>
-        </p:spPr>
-      </p:pic>
-      <p:pic>
-        <p:nvPicPr>
-          <p:cNvPr id="61" name="Picture 60">
-            <a:extLst>
-              <a:ext uri="{FF2B5EF4-FFF2-40B4-BE49-F238E27FC236}">
-                <a16:creationId xmlns:a16="http://schemas.microsoft.com/office/drawing/2014/main" id="{A42FDFD3-E1CA-A24F-A0BB-CAB6E9D9D1DB}"/>
-              </a:ext>
-            </a:extLst>
-          </p:cNvPr>
-          <p:cNvPicPr>
-            <a:picLocks noChangeAspect="1"/>
-          </p:cNvPicPr>
-          <p:nvPr/>
-        </p:nvPicPr>
-        <p:blipFill rotWithShape="1">
-          <a:blip r:embed="rId7"/>
-          <a:srcRect l="30910" t="10956" r="52121" b="72127"/>
-          <a:stretch/>
-        </p:blipFill>
-        <p:spPr>
-          <a:xfrm>
-            <a:off x="1834279" y="4986917"/>
-            <a:ext cx="209141" cy="295037"/>
-          </a:xfrm>
-          <a:prstGeom prst="rect">
-            <a:avLst/>
-          </a:prstGeom>
-        </p:spPr>
-      </p:pic>
-      <p:pic>
-        <p:nvPicPr>
-          <p:cNvPr id="62" name="Picture 61">
-            <a:extLst>
-              <a:ext uri="{FF2B5EF4-FFF2-40B4-BE49-F238E27FC236}">
-                <a16:creationId xmlns:a16="http://schemas.microsoft.com/office/drawing/2014/main" id="{6EF02A6A-796A-3E47-A264-D7BC0FE1A000}"/>
-              </a:ext>
-            </a:extLst>
-          </p:cNvPr>
-          <p:cNvPicPr>
-            <a:picLocks noChangeAspect="1"/>
-          </p:cNvPicPr>
-          <p:nvPr/>
-        </p:nvPicPr>
-        <p:blipFill rotWithShape="1">
-          <a:blip r:embed="rId8"/>
-          <a:srcRect l="23462" t="5905" r="51332" b="80076"/>
-          <a:stretch/>
-        </p:blipFill>
-        <p:spPr>
-          <a:xfrm>
-            <a:off x="1995684" y="5832663"/>
-            <a:ext cx="247922" cy="195117"/>
-          </a:xfrm>
-          <a:prstGeom prst="rect">
-            <a:avLst/>
-          </a:prstGeom>
-        </p:spPr>
-      </p:pic>
-      <p:pic>
-        <p:nvPicPr>
-          <p:cNvPr id="26" name="Picture 25">
-            <a:extLst>
-              <a:ext uri="{FF2B5EF4-FFF2-40B4-BE49-F238E27FC236}">
-                <a16:creationId xmlns:a16="http://schemas.microsoft.com/office/drawing/2014/main" id="{827770EB-66B7-C246-AE24-0C45FB36BD51}"/>
-              </a:ext>
-            </a:extLst>
-          </p:cNvPr>
-          <p:cNvPicPr>
-            <a:picLocks noChangeAspect="1"/>
-          </p:cNvPicPr>
-          <p:nvPr/>
-        </p:nvPicPr>
-        <p:blipFill>
-          <a:blip r:embed="rId9"/>
-          <a:stretch>
-            <a:fillRect/>
-          </a:stretch>
-        </p:blipFill>
-        <p:spPr>
-          <a:xfrm>
-            <a:off x="1764542" y="5307563"/>
-            <a:ext cx="500484" cy="398769"/>
-          </a:xfrm>
-          <a:prstGeom prst="rect">
-            <a:avLst/>
-          </a:prstGeom>
-        </p:spPr>
-      </p:pic>
-      <p:pic>
-        <p:nvPicPr>
-          <p:cNvPr id="28" name="Picture 27">
-            <a:extLst>
-              <a:ext uri="{FF2B5EF4-FFF2-40B4-BE49-F238E27FC236}">
-                <a16:creationId xmlns:a16="http://schemas.microsoft.com/office/drawing/2014/main" id="{704DD2AB-581E-8749-8143-80F61F6217D7}"/>
-              </a:ext>
-            </a:extLst>
-          </p:cNvPr>
-          <p:cNvPicPr>
-            <a:picLocks noChangeAspect="1"/>
-          </p:cNvPicPr>
-          <p:nvPr/>
-        </p:nvPicPr>
-        <p:blipFill>
-          <a:blip r:embed="rId10"/>
-          <a:stretch>
-            <a:fillRect/>
-          </a:stretch>
-        </p:blipFill>
-        <p:spPr>
-          <a:xfrm>
-            <a:off x="2334468" y="5307563"/>
-            <a:ext cx="673863" cy="398769"/>
-          </a:xfrm>
-          <a:prstGeom prst="rect">
-            <a:avLst/>
-          </a:prstGeom>
-        </p:spPr>
-      </p:pic>
-      <p:pic>
-        <p:nvPicPr>
-          <p:cNvPr id="30" name="Picture 29">
-            <a:extLst>
-              <a:ext uri="{FF2B5EF4-FFF2-40B4-BE49-F238E27FC236}">
-                <a16:creationId xmlns:a16="http://schemas.microsoft.com/office/drawing/2014/main" id="{520603D9-BCED-1F45-A01B-93439E29700F}"/>
-              </a:ext>
-            </a:extLst>
-          </p:cNvPr>
-          <p:cNvPicPr>
-            <a:picLocks noChangeAspect="1"/>
-          </p:cNvPicPr>
-          <p:nvPr/>
-        </p:nvPicPr>
-        <p:blipFill rotWithShape="1">
-          <a:blip r:embed="rId11">
-            <a:duotone>
-              <a:prstClr val="black"/>
-              <a:schemeClr val="accent5">
-                <a:tint val="45000"/>
-                <a:satMod val="400000"/>
-              </a:schemeClr>
-            </a:duotone>
-          </a:blip>
-          <a:srcRect l="22814" t="58135" r="33335" b="21205"/>
-          <a:stretch/>
-        </p:blipFill>
-        <p:spPr>
-          <a:xfrm>
-            <a:off x="1341155" y="2854703"/>
-            <a:ext cx="467506" cy="155476"/>
-          </a:xfrm>
-          <a:prstGeom prst="rect">
-            <a:avLst/>
-          </a:prstGeom>
-        </p:spPr>
-      </p:pic>
-      <p:pic>
-        <p:nvPicPr>
-          <p:cNvPr id="69" name="Picture 68">
-            <a:extLst>
-              <a:ext uri="{FF2B5EF4-FFF2-40B4-BE49-F238E27FC236}">
-                <a16:creationId xmlns:a16="http://schemas.microsoft.com/office/drawing/2014/main" id="{2E688532-F7F0-D84B-8306-7E90BD35ACCF}"/>
-              </a:ext>
-            </a:extLst>
-          </p:cNvPr>
-          <p:cNvPicPr>
-            <a:picLocks noChangeAspect="1"/>
-          </p:cNvPicPr>
-          <p:nvPr/>
-        </p:nvPicPr>
-        <p:blipFill rotWithShape="1">
-          <a:blip r:embed="rId11">
-            <a:duotone>
-              <a:prstClr val="black"/>
-              <a:schemeClr val="accent5">
-                <a:tint val="45000"/>
-                <a:satMod val="400000"/>
-              </a:schemeClr>
-            </a:duotone>
-          </a:blip>
-          <a:srcRect l="24954" t="13119" r="44654" b="70833"/>
-          <a:stretch/>
-        </p:blipFill>
-        <p:spPr>
-          <a:xfrm>
-            <a:off x="2334468" y="3922393"/>
-            <a:ext cx="386159" cy="143938"/>
-          </a:xfrm>
-          <a:prstGeom prst="rect">
-            <a:avLst/>
-          </a:prstGeom>
-        </p:spPr>
-      </p:pic>
-      <p:pic>
-        <p:nvPicPr>
-          <p:cNvPr id="32" name="Picture 31">
-            <a:extLst>
-              <a:ext uri="{FF2B5EF4-FFF2-40B4-BE49-F238E27FC236}">
-                <a16:creationId xmlns:a16="http://schemas.microsoft.com/office/drawing/2014/main" id="{77DADAD1-54E7-5A4A-8BDE-05E1A70EA657}"/>
-              </a:ext>
-            </a:extLst>
-          </p:cNvPr>
-          <p:cNvPicPr>
-            <a:picLocks noChangeAspect="1"/>
-          </p:cNvPicPr>
-          <p:nvPr/>
-        </p:nvPicPr>
-        <p:blipFill rotWithShape="1">
-          <a:blip r:embed="rId12"/>
-          <a:srcRect l="25079" t="35698" r="32462" b="49082"/>
-          <a:stretch/>
-        </p:blipFill>
-        <p:spPr>
-          <a:xfrm>
-            <a:off x="1082893" y="3334930"/>
-            <a:ext cx="439131" cy="111116"/>
-          </a:xfrm>
-          <a:prstGeom prst="rect">
-            <a:avLst/>
-          </a:prstGeom>
-        </p:spPr>
-      </p:pic>
-      <p:pic>
-        <p:nvPicPr>
-          <p:cNvPr id="74" name="Picture 73">
-            <a:extLst>
-              <a:ext uri="{FF2B5EF4-FFF2-40B4-BE49-F238E27FC236}">
-                <a16:creationId xmlns:a16="http://schemas.microsoft.com/office/drawing/2014/main" id="{2A6344D8-1B76-D540-AFE9-F06325FE6B32}"/>
-              </a:ext>
-            </a:extLst>
-          </p:cNvPr>
-          <p:cNvPicPr>
-            <a:picLocks noChangeAspect="1"/>
-          </p:cNvPicPr>
-          <p:nvPr/>
-        </p:nvPicPr>
-        <p:blipFill rotWithShape="1">
-          <a:blip r:embed="rId11">
-            <a:duotone>
-              <a:prstClr val="black"/>
-              <a:schemeClr val="accent5">
-                <a:tint val="45000"/>
-                <a:satMod val="400000"/>
-              </a:schemeClr>
-            </a:duotone>
-          </a:blip>
-          <a:srcRect l="12437" t="35649" r="32504" b="48302"/>
-          <a:stretch/>
-        </p:blipFill>
-        <p:spPr>
-          <a:xfrm>
-            <a:off x="468166" y="2867628"/>
-            <a:ext cx="584967" cy="120358"/>
-          </a:xfrm>
-          <a:prstGeom prst="rect">
-            <a:avLst/>
-          </a:prstGeom>
-        </p:spPr>
-      </p:pic>
-      <p:sp>
-        <p:nvSpPr>
-          <p:cNvPr id="76" name="Rectangle 75">
-            <a:extLst>
-              <a:ext uri="{FF2B5EF4-FFF2-40B4-BE49-F238E27FC236}">
-                <a16:creationId xmlns:a16="http://schemas.microsoft.com/office/drawing/2014/main" id="{C6627F38-7AC6-7643-99D3-977761961807}"/>
-              </a:ext>
-            </a:extLst>
-          </p:cNvPr>
-          <p:cNvSpPr/>
-          <p:nvPr/>
-        </p:nvSpPr>
-        <p:spPr>
-          <a:xfrm>
-            <a:off x="2354511" y="4849021"/>
-            <a:ext cx="1235980" cy="322440"/>
-          </a:xfrm>
-          <a:prstGeom prst="rect">
-            <a:avLst/>
-          </a:prstGeom>
-        </p:spPr>
-        <p:style>
-          <a:lnRef idx="2">
-            <a:schemeClr val="accent1">
-              <a:shade val="50000"/>
-            </a:schemeClr>
-          </a:lnRef>
-          <a:fillRef idx="1">
-            <a:schemeClr val="accent1"/>
-          </a:fillRef>
-          <a:effectRef idx="0">
-            <a:schemeClr val="accent1"/>
-          </a:effectRef>
-          <a:fontRef idx="minor">
-            <a:schemeClr val="lt1"/>
-          </a:fontRef>
-        </p:style>
-        <p:txBody>
-          <a:bodyPr rtlCol="0" anchor="ctr"/>
-          <a:lstStyle/>
-          <a:p>
-            <a:pPr algn="ctr"/>
-            <a:r>
-              <a:rPr lang="en-US" sz="554" dirty="0"/>
-              <a:t>2869</a:t>
-            </a:r>
-          </a:p>
-          <a:p>
-            <a:pPr algn="ctr"/>
-            <a:r>
-              <a:rPr lang="en-US" sz="554" dirty="0"/>
-              <a:t>﻿1,2- dihydroxy-3,5-cyclohexadiene-1,4-dicarboxylate dehydrogenase</a:t>
-            </a:r>
-          </a:p>
-        </p:txBody>
-      </p:sp>
-      <p:sp>
-        <p:nvSpPr>
-          <p:cNvPr id="80" name="Rectangle 79">
-            <a:extLst>
-              <a:ext uri="{FF2B5EF4-FFF2-40B4-BE49-F238E27FC236}">
-                <a16:creationId xmlns:a16="http://schemas.microsoft.com/office/drawing/2014/main" id="{979E6153-12E8-CD4F-A3F6-1BBC24879BF0}"/>
-              </a:ext>
-            </a:extLst>
-          </p:cNvPr>
-          <p:cNvSpPr/>
-          <p:nvPr/>
-        </p:nvSpPr>
-        <p:spPr>
-          <a:xfrm>
-            <a:off x="556414" y="5706717"/>
-            <a:ext cx="408474" cy="262892"/>
-          </a:xfrm>
-          <a:prstGeom prst="rect">
-            <a:avLst/>
-          </a:prstGeom>
-          <a:solidFill>
-            <a:schemeClr val="bg2"/>
-          </a:solidFill>
-          <a:ln>
-            <a:noFill/>
-          </a:ln>
-        </p:spPr>
-        <p:txBody>
-          <a:bodyPr wrap="square" rtlCol="0">
-            <a:spAutoFit/>
-          </a:bodyPr>
-          <a:lstStyle/>
-          <a:p>
-            <a:pPr algn="ctr"/>
-            <a:r>
-              <a:rPr lang="en-US" sz="554" b="1" dirty="0">
-                <a:solidFill>
-                  <a:schemeClr val="bg2">
-                    <a:lumMod val="50000"/>
-                  </a:schemeClr>
-                </a:solidFill>
-              </a:rPr>
-              <a:t>TCA cycle</a:t>
-            </a:r>
-          </a:p>
-        </p:txBody>
-      </p:sp>
-      <p:cxnSp>
-        <p:nvCxnSpPr>
-          <p:cNvPr id="81" name="Straight Arrow Connector 80">
-            <a:extLst>
-              <a:ext uri="{FF2B5EF4-FFF2-40B4-BE49-F238E27FC236}">
-                <a16:creationId xmlns:a16="http://schemas.microsoft.com/office/drawing/2014/main" id="{78B151D8-E019-844F-A816-956F7FBA9942}"/>
-              </a:ext>
-            </a:extLst>
-          </p:cNvPr>
-          <p:cNvCxnSpPr>
-            <a:endCxn id="80" idx="0"/>
-          </p:cNvCxnSpPr>
-          <p:nvPr/>
-        </p:nvCxnSpPr>
-        <p:spPr>
-          <a:xfrm>
-            <a:off x="760650" y="5307563"/>
-            <a:ext cx="1" cy="399154"/>
-          </a:xfrm>
-          <a:prstGeom prst="straightConnector1">
-            <a:avLst/>
-          </a:prstGeom>
-          <a:ln w="19050">
-            <a:solidFill>
-              <a:schemeClr val="tx1">
-                <a:lumMod val="50000"/>
-                <a:lumOff val="50000"/>
-              </a:schemeClr>
-            </a:solidFill>
-            <a:prstDash val="sysDot"/>
-            <a:tailEnd type="triangle"/>
-          </a:ln>
-        </p:spPr>
-        <p:style>
-          <a:lnRef idx="1">
-            <a:schemeClr val="accent1"/>
-          </a:lnRef>
-          <a:fillRef idx="0">
-            <a:schemeClr val="accent1"/>
-          </a:fillRef>
-          <a:effectRef idx="0">
-            <a:schemeClr val="accent1"/>
-          </a:effectRef>
-          <a:fontRef idx="minor">
-            <a:schemeClr val="tx1"/>
-          </a:fontRef>
-        </p:style>
-      </p:cxnSp>
-      <p:sp>
-        <p:nvSpPr>
-          <p:cNvPr id="53" name="TextBox 52">
-            <a:extLst>
-              <a:ext uri="{FF2B5EF4-FFF2-40B4-BE49-F238E27FC236}">
-                <a16:creationId xmlns:a16="http://schemas.microsoft.com/office/drawing/2014/main" id="{3CCA83AC-A1EF-C94C-B57B-74F53550258B}"/>
-              </a:ext>
-            </a:extLst>
-          </p:cNvPr>
-          <p:cNvSpPr txBox="1"/>
-          <p:nvPr/>
-        </p:nvSpPr>
-        <p:spPr>
-          <a:xfrm>
-            <a:off x="468165" y="4625194"/>
-            <a:ext cx="584967" cy="177613"/>
-          </a:xfrm>
-          <a:prstGeom prst="rect">
-            <a:avLst/>
-          </a:prstGeom>
-          <a:noFill/>
-        </p:spPr>
-        <p:txBody>
-          <a:bodyPr wrap="square" rtlCol="0">
-            <a:spAutoFit/>
-          </a:bodyPr>
-          <a:lstStyle/>
-          <a:p>
-            <a:pPr algn="ctr"/>
-            <a:r>
-              <a:rPr lang="en-US" sz="554" b="1" dirty="0"/>
-              <a:t>Acetate</a:t>
-            </a:r>
-          </a:p>
-        </p:txBody>
-      </p:sp>
-      <p:cxnSp>
-        <p:nvCxnSpPr>
-          <p:cNvPr id="57" name="Straight Arrow Connector 56">
-            <a:extLst>
-              <a:ext uri="{FF2B5EF4-FFF2-40B4-BE49-F238E27FC236}">
-                <a16:creationId xmlns:a16="http://schemas.microsoft.com/office/drawing/2014/main" id="{479664EF-A587-984C-B5FB-9449102132D3}"/>
-              </a:ext>
-            </a:extLst>
-          </p:cNvPr>
-          <p:cNvCxnSpPr>
-            <a:cxnSpLocks/>
-            <a:stCxn id="47" idx="2"/>
-            <a:endCxn id="53" idx="0"/>
-          </p:cNvCxnSpPr>
-          <p:nvPr/>
-        </p:nvCxnSpPr>
-        <p:spPr>
-          <a:xfrm flipH="1">
-            <a:off x="760649" y="4252460"/>
-            <a:ext cx="1" cy="372734"/>
-          </a:xfrm>
-          <a:prstGeom prst="straightConnector1">
-            <a:avLst/>
-          </a:prstGeom>
-          <a:ln w="15875">
-            <a:solidFill>
-              <a:schemeClr val="tx1"/>
-            </a:solidFill>
-            <a:tailEnd type="triangle"/>
-          </a:ln>
-        </p:spPr>
-        <p:style>
-          <a:lnRef idx="1">
-            <a:schemeClr val="accent1"/>
-          </a:lnRef>
-          <a:fillRef idx="0">
-            <a:schemeClr val="accent1"/>
-          </a:fillRef>
-          <a:effectRef idx="0">
-            <a:schemeClr val="accent1"/>
-          </a:effectRef>
-          <a:fontRef idx="minor">
-            <a:schemeClr val="tx1"/>
-          </a:fontRef>
-        </p:style>
-      </p:cxnSp>
-      <p:pic>
-        <p:nvPicPr>
-          <p:cNvPr id="60" name="Picture 59">
-            <a:extLst>
-              <a:ext uri="{FF2B5EF4-FFF2-40B4-BE49-F238E27FC236}">
-                <a16:creationId xmlns:a16="http://schemas.microsoft.com/office/drawing/2014/main" id="{F67E2D18-0000-7E42-A88A-CF54451D92B9}"/>
-              </a:ext>
-            </a:extLst>
-          </p:cNvPr>
-          <p:cNvPicPr>
-            <a:picLocks noChangeAspect="1"/>
-          </p:cNvPicPr>
-          <p:nvPr/>
-        </p:nvPicPr>
-        <p:blipFill>
-          <a:blip r:embed="rId13"/>
-          <a:stretch>
-            <a:fillRect/>
-          </a:stretch>
-        </p:blipFill>
-        <p:spPr>
-          <a:xfrm>
-            <a:off x="214417" y="4773725"/>
-            <a:ext cx="502847" cy="398769"/>
-          </a:xfrm>
-          <a:prstGeom prst="rect">
-            <a:avLst/>
-          </a:prstGeom>
-        </p:spPr>
-      </p:pic>
-      <p:pic>
-        <p:nvPicPr>
-          <p:cNvPr id="13" name="Picture 12">
-            <a:extLst>
-              <a:ext uri="{FF2B5EF4-FFF2-40B4-BE49-F238E27FC236}">
-                <a16:creationId xmlns:a16="http://schemas.microsoft.com/office/drawing/2014/main" id="{C83DC1F5-491B-7042-A11C-41745263AD7A}"/>
-              </a:ext>
-            </a:extLst>
-          </p:cNvPr>
-          <p:cNvPicPr>
-            <a:picLocks noChangeAspect="1"/>
-          </p:cNvPicPr>
-          <p:nvPr/>
-        </p:nvPicPr>
-        <p:blipFill>
-          <a:blip r:embed="rId14"/>
-          <a:stretch>
-            <a:fillRect/>
-          </a:stretch>
-        </p:blipFill>
-        <p:spPr>
-          <a:xfrm>
-            <a:off x="249144" y="3669154"/>
-            <a:ext cx="468120" cy="398769"/>
-          </a:xfrm>
-          <a:prstGeom prst="rect">
-            <a:avLst/>
-          </a:prstGeom>
-        </p:spPr>
-      </p:pic>
-      <p:sp>
-        <p:nvSpPr>
-          <p:cNvPr id="70" name="Rectangle 69">
-            <a:extLst>
-              <a:ext uri="{FF2B5EF4-FFF2-40B4-BE49-F238E27FC236}">
-                <a16:creationId xmlns:a16="http://schemas.microsoft.com/office/drawing/2014/main" id="{3648399F-67E3-934C-9D3A-6329C6CB4281}"/>
-              </a:ext>
-            </a:extLst>
-          </p:cNvPr>
-          <p:cNvSpPr/>
-          <p:nvPr/>
-        </p:nvSpPr>
-        <p:spPr>
-          <a:xfrm>
-            <a:off x="792244" y="3777362"/>
-            <a:ext cx="521776" cy="179693"/>
-          </a:xfrm>
-          <a:prstGeom prst="rect">
-            <a:avLst/>
-          </a:prstGeom>
-          <a:solidFill>
-            <a:schemeClr val="accent5">
-              <a:lumMod val="60000"/>
-              <a:lumOff val="40000"/>
-            </a:schemeClr>
-          </a:solidFill>
-        </p:spPr>
-        <p:style>
-          <a:lnRef idx="2">
-            <a:schemeClr val="accent1">
-              <a:shade val="50000"/>
-            </a:schemeClr>
-          </a:lnRef>
-          <a:fillRef idx="1">
-            <a:schemeClr val="accent1"/>
-          </a:fillRef>
-          <a:effectRef idx="0">
-            <a:schemeClr val="accent1"/>
-          </a:effectRef>
-          <a:fontRef idx="minor">
-            <a:schemeClr val="lt1"/>
-          </a:fontRef>
-        </p:style>
-        <p:txBody>
-          <a:bodyPr rtlCol="0" anchor="ctr"/>
-          <a:lstStyle/>
-          <a:p>
-            <a:pPr algn="ctr"/>
-            <a:r>
-              <a:rPr lang="en-US" sz="554" dirty="0"/>
-              <a:t>Dehydratase</a:t>
-            </a:r>
-          </a:p>
-        </p:txBody>
-      </p:sp>
-      <p:pic>
-        <p:nvPicPr>
-          <p:cNvPr id="25" name="Picture 24">
-            <a:extLst>
-              <a:ext uri="{FF2B5EF4-FFF2-40B4-BE49-F238E27FC236}">
-                <a16:creationId xmlns:a16="http://schemas.microsoft.com/office/drawing/2014/main" id="{D3E81082-E868-0346-B36E-21BB5BE06315}"/>
-              </a:ext>
-            </a:extLst>
-          </p:cNvPr>
-          <p:cNvPicPr>
-            <a:picLocks noChangeAspect="1"/>
-          </p:cNvPicPr>
-          <p:nvPr/>
-        </p:nvPicPr>
-        <p:blipFill rotWithShape="1">
-          <a:blip r:embed="rId15"/>
-          <a:srcRect l="37668" t="11867" r="47270" b="78624"/>
-          <a:stretch/>
-        </p:blipFill>
-        <p:spPr>
-          <a:xfrm>
-            <a:off x="328905" y="3486802"/>
-            <a:ext cx="190182" cy="169910"/>
-          </a:xfrm>
-          <a:prstGeom prst="rect">
-            <a:avLst/>
-          </a:prstGeom>
-        </p:spPr>
-      </p:pic>
-      <p:pic>
-        <p:nvPicPr>
-          <p:cNvPr id="29" name="Picture 28">
-            <a:extLst>
-              <a:ext uri="{FF2B5EF4-FFF2-40B4-BE49-F238E27FC236}">
-                <a16:creationId xmlns:a16="http://schemas.microsoft.com/office/drawing/2014/main" id="{63B81231-4EDE-414D-808D-2BCE6C6BC2CE}"/>
-              </a:ext>
-            </a:extLst>
-          </p:cNvPr>
-          <p:cNvPicPr>
-            <a:picLocks noChangeAspect="1"/>
-          </p:cNvPicPr>
-          <p:nvPr/>
-        </p:nvPicPr>
-        <p:blipFill rotWithShape="1">
-          <a:blip r:embed="rId16"/>
-          <a:srcRect l="39531" t="12773" r="49146" b="81740"/>
-          <a:stretch/>
-        </p:blipFill>
-        <p:spPr>
-          <a:xfrm>
-            <a:off x="821950" y="4209438"/>
-            <a:ext cx="240992" cy="165275"/>
-          </a:xfrm>
-          <a:prstGeom prst="rect">
-            <a:avLst/>
-          </a:prstGeom>
-        </p:spPr>
-      </p:pic>
-      <p:pic>
-        <p:nvPicPr>
-          <p:cNvPr id="33" name="Picture 32">
-            <a:extLst>
-              <a:ext uri="{FF2B5EF4-FFF2-40B4-BE49-F238E27FC236}">
-                <a16:creationId xmlns:a16="http://schemas.microsoft.com/office/drawing/2014/main" id="{1D79C39F-39AA-C940-9D53-5AB9FCCF0CB4}"/>
-              </a:ext>
-            </a:extLst>
-          </p:cNvPr>
-          <p:cNvPicPr>
-            <a:picLocks noChangeAspect="1"/>
-          </p:cNvPicPr>
-          <p:nvPr/>
-        </p:nvPicPr>
-        <p:blipFill rotWithShape="1">
-          <a:blip r:embed="rId17"/>
-          <a:srcRect l="39601" t="12967" r="47412" b="78803"/>
-          <a:stretch/>
-        </p:blipFill>
-        <p:spPr>
-          <a:xfrm>
-            <a:off x="847571" y="4744956"/>
-            <a:ext cx="205562" cy="184367"/>
-          </a:xfrm>
-          <a:prstGeom prst="rect">
-            <a:avLst/>
-          </a:prstGeom>
-        </p:spPr>
-      </p:pic>
-      <p:pic>
-        <p:nvPicPr>
-          <p:cNvPr id="36" name="Picture 35">
-            <a:extLst>
-              <a:ext uri="{FF2B5EF4-FFF2-40B4-BE49-F238E27FC236}">
-                <a16:creationId xmlns:a16="http://schemas.microsoft.com/office/drawing/2014/main" id="{44D3393A-971B-2540-985B-1DDE123B0D18}"/>
-              </a:ext>
-            </a:extLst>
-          </p:cNvPr>
-          <p:cNvPicPr>
-            <a:picLocks noChangeAspect="1"/>
-          </p:cNvPicPr>
-          <p:nvPr/>
-        </p:nvPicPr>
-        <p:blipFill rotWithShape="1">
-          <a:blip r:embed="rId18"/>
-          <a:srcRect l="39602" t="12661" r="45142" b="79096"/>
-          <a:stretch/>
-        </p:blipFill>
-        <p:spPr>
-          <a:xfrm>
-            <a:off x="821528" y="5305038"/>
-            <a:ext cx="235010" cy="179693"/>
-          </a:xfrm>
-          <a:prstGeom prst="rect">
-            <a:avLst/>
-          </a:prstGeom>
-        </p:spPr>
-      </p:pic>
-      <p:pic>
-        <p:nvPicPr>
-          <p:cNvPr id="54" name="Picture 53">
-            <a:extLst>
-              <a:ext uri="{FF2B5EF4-FFF2-40B4-BE49-F238E27FC236}">
-                <a16:creationId xmlns:a16="http://schemas.microsoft.com/office/drawing/2014/main" id="{1108E78B-AED3-8145-B28C-2C0A8C00F2EB}"/>
-              </a:ext>
-            </a:extLst>
-          </p:cNvPr>
-          <p:cNvPicPr>
-            <a:picLocks noChangeAspect="1"/>
-          </p:cNvPicPr>
-          <p:nvPr/>
-        </p:nvPicPr>
-        <p:blipFill>
-          <a:blip r:embed="rId19"/>
-          <a:stretch>
-            <a:fillRect/>
-          </a:stretch>
-        </p:blipFill>
-        <p:spPr>
-          <a:xfrm>
-            <a:off x="48310" y="6246904"/>
-            <a:ext cx="733860" cy="209439"/>
-          </a:xfrm>
-          <a:prstGeom prst="rect">
-            <a:avLst/>
-          </a:prstGeom>
-        </p:spPr>
-      </p:pic>
-      <p:pic>
-        <p:nvPicPr>
-          <p:cNvPr id="5" name="Picture 4">
-            <a:extLst>
-              <a:ext uri="{FF2B5EF4-FFF2-40B4-BE49-F238E27FC236}">
-                <a16:creationId xmlns:a16="http://schemas.microsoft.com/office/drawing/2014/main" id="{93337C38-6751-F44A-9304-48F76BBADBCA}"/>
-              </a:ext>
-            </a:extLst>
-          </p:cNvPr>
-          <p:cNvPicPr>
-            <a:picLocks noChangeAspect="1"/>
-          </p:cNvPicPr>
-          <p:nvPr/>
-        </p:nvPicPr>
-        <p:blipFill rotWithShape="1">
-          <a:blip r:embed="rId20"/>
-          <a:srcRect l="1818" t="31298" r="9091" b="36123"/>
-          <a:stretch/>
-        </p:blipFill>
-        <p:spPr>
-          <a:xfrm>
-            <a:off x="48310" y="6504703"/>
-            <a:ext cx="3305819" cy="483543"/>
-          </a:xfrm>
-          <a:prstGeom prst="rect">
-            <a:avLst/>
-          </a:prstGeom>
-        </p:spPr>
-      </p:pic>
-      <p:pic>
-        <p:nvPicPr>
-          <p:cNvPr id="2" name="Picture 1">
-            <a:extLst>
-              <a:ext uri="{FF2B5EF4-FFF2-40B4-BE49-F238E27FC236}">
-                <a16:creationId xmlns:a16="http://schemas.microsoft.com/office/drawing/2014/main" id="{7A28D13F-1F18-B242-80A6-FC80D416DE99}"/>
-              </a:ext>
-            </a:extLst>
-          </p:cNvPr>
-          <p:cNvPicPr>
-            <a:picLocks noChangeAspect="1"/>
-          </p:cNvPicPr>
-          <p:nvPr/>
-        </p:nvPicPr>
-        <p:blipFill>
-          <a:blip r:embed="rId21"/>
-          <a:stretch>
-            <a:fillRect/>
-          </a:stretch>
-        </p:blipFill>
-        <p:spPr>
-          <a:xfrm>
-            <a:off x="1787674" y="4431352"/>
-            <a:ext cx="386308" cy="202138"/>
-          </a:xfrm>
-          <a:prstGeom prst="rect">
-            <a:avLst/>
-          </a:prstGeom>
-        </p:spPr>
-      </p:pic>
-    </p:spTree>
-    <p:extLst>
-      <p:ext uri="{BB962C8B-B14F-4D97-AF65-F5344CB8AC3E}">
-        <p14:creationId xmlns:p14="http://schemas.microsoft.com/office/powerpoint/2010/main" val="4098905601"/>
       </p:ext>
     </p:extLst>
   </p:cSld>
